--- a/finalReport/RUCMChecker_final_report.pptx
+++ b/finalReport/RUCMChecker_final_report.pptx
@@ -5,7 +5,7 @@
     <p:sldMasterId id="2147483660" r:id="rId1"/>
   </p:sldMasterIdLst>
   <p:notesMasterIdLst>
-    <p:notesMasterId r:id="rId48"/>
+    <p:notesMasterId r:id="rId56"/>
   </p:notesMasterIdLst>
   <p:sldIdLst>
     <p:sldId id="256" r:id="rId2"/>
@@ -23,37 +23,45 @@
     <p:sldId id="671" r:id="rId14"/>
     <p:sldId id="672" r:id="rId15"/>
     <p:sldId id="674" r:id="rId16"/>
-    <p:sldId id="700" r:id="rId17"/>
-    <p:sldId id="673" r:id="rId18"/>
-    <p:sldId id="693" r:id="rId19"/>
-    <p:sldId id="675" r:id="rId20"/>
-    <p:sldId id="694" r:id="rId21"/>
-    <p:sldId id="677" r:id="rId22"/>
-    <p:sldId id="678" r:id="rId23"/>
-    <p:sldId id="679" r:id="rId24"/>
-    <p:sldId id="680" r:id="rId25"/>
-    <p:sldId id="676" r:id="rId26"/>
-    <p:sldId id="682" r:id="rId27"/>
-    <p:sldId id="684" r:id="rId28"/>
-    <p:sldId id="685" r:id="rId29"/>
-    <p:sldId id="686" r:id="rId30"/>
-    <p:sldId id="687" r:id="rId31"/>
-    <p:sldId id="692" r:id="rId32"/>
-    <p:sldId id="688" r:id="rId33"/>
-    <p:sldId id="689" r:id="rId34"/>
-    <p:sldId id="690" r:id="rId35"/>
-    <p:sldId id="691" r:id="rId36"/>
-    <p:sldId id="670" r:id="rId37"/>
-    <p:sldId id="695" r:id="rId38"/>
-    <p:sldId id="697" r:id="rId39"/>
-    <p:sldId id="698" r:id="rId40"/>
-    <p:sldId id="681" r:id="rId41"/>
-    <p:sldId id="683" r:id="rId42"/>
-    <p:sldId id="701" r:id="rId43"/>
-    <p:sldId id="702" r:id="rId44"/>
-    <p:sldId id="703" r:id="rId45"/>
-    <p:sldId id="332" r:id="rId46"/>
-    <p:sldId id="649" r:id="rId47"/>
+    <p:sldId id="673" r:id="rId17"/>
+    <p:sldId id="700" r:id="rId18"/>
+    <p:sldId id="704" r:id="rId19"/>
+    <p:sldId id="705" r:id="rId20"/>
+    <p:sldId id="706" r:id="rId21"/>
+    <p:sldId id="707" r:id="rId22"/>
+    <p:sldId id="709" r:id="rId23"/>
+    <p:sldId id="710" r:id="rId24"/>
+    <p:sldId id="711" r:id="rId25"/>
+    <p:sldId id="708" r:id="rId26"/>
+    <p:sldId id="693" r:id="rId27"/>
+    <p:sldId id="675" r:id="rId28"/>
+    <p:sldId id="694" r:id="rId29"/>
+    <p:sldId id="677" r:id="rId30"/>
+    <p:sldId id="678" r:id="rId31"/>
+    <p:sldId id="679" r:id="rId32"/>
+    <p:sldId id="680" r:id="rId33"/>
+    <p:sldId id="676" r:id="rId34"/>
+    <p:sldId id="682" r:id="rId35"/>
+    <p:sldId id="684" r:id="rId36"/>
+    <p:sldId id="685" r:id="rId37"/>
+    <p:sldId id="686" r:id="rId38"/>
+    <p:sldId id="687" r:id="rId39"/>
+    <p:sldId id="692" r:id="rId40"/>
+    <p:sldId id="688" r:id="rId41"/>
+    <p:sldId id="689" r:id="rId42"/>
+    <p:sldId id="690" r:id="rId43"/>
+    <p:sldId id="691" r:id="rId44"/>
+    <p:sldId id="670" r:id="rId45"/>
+    <p:sldId id="695" r:id="rId46"/>
+    <p:sldId id="697" r:id="rId47"/>
+    <p:sldId id="698" r:id="rId48"/>
+    <p:sldId id="681" r:id="rId49"/>
+    <p:sldId id="683" r:id="rId50"/>
+    <p:sldId id="701" r:id="rId51"/>
+    <p:sldId id="702" r:id="rId52"/>
+    <p:sldId id="703" r:id="rId53"/>
+    <p:sldId id="332" r:id="rId54"/>
+    <p:sldId id="649" r:id="rId55"/>
   </p:sldIdLst>
   <p:sldSz cx="9144000" cy="6858000" type="screen4x3"/>
   <p:notesSz cx="6858000" cy="9144000"/>
@@ -193,7 +201,7 @@
 <file path=ppt/charts/chart1.xml><?xml version="1.0" encoding="utf-8"?>
 <c:chartSpace xmlns:c="http://schemas.openxmlformats.org/drawingml/2006/chart" xmlns:a="http://schemas.openxmlformats.org/drawingml/2006/main" xmlns:r="http://schemas.openxmlformats.org/officeDocument/2006/relationships" xmlns:c16r2="http://schemas.microsoft.com/office/drawing/2015/06/chart">
   <c:date1904 val="0"/>
-  <c:lang val="zh-CN"/>
+  <c:lang val="en-US"/>
   <c:roundedCorners val="0"/>
   <mc:AlternateContent xmlns:mc="http://schemas.openxmlformats.org/markup-compatibility/2006">
     <mc:Choice xmlns:c14="http://schemas.microsoft.com/office/drawing/2007/8/2/chart" Requires="c14">
@@ -270,7 +278,7 @@
               <a:cs typeface="+mn-cs"/>
             </a:defRPr>
           </a:pPr>
-          <a:endParaRPr lang="zh-CN"/>
+          <a:endParaRPr lang="en-US"/>
         </a:p>
       </c:txPr>
     </c:title>
@@ -628,7 +636,7 @@
                 <a:cs typeface="+mn-cs"/>
               </a:defRPr>
             </a:pPr>
-            <a:endParaRPr lang="zh-CN"/>
+            <a:endParaRPr lang="en-US"/>
           </a:p>
         </c:txPr>
         <c:crossAx val="462948888"/>
@@ -687,7 +695,7 @@
                 <a:cs typeface="+mn-cs"/>
               </a:defRPr>
             </a:pPr>
-            <a:endParaRPr lang="zh-CN"/>
+            <a:endParaRPr lang="en-US"/>
           </a:p>
         </c:txPr>
         <c:crossAx val="462947576"/>
@@ -729,7 +737,7 @@
               <a:cs typeface="+mn-cs"/>
             </a:defRPr>
           </a:pPr>
-          <a:endParaRPr lang="zh-CN"/>
+          <a:endParaRPr lang="en-US"/>
         </a:p>
       </c:txPr>
     </c:legend>
@@ -758,7 +766,7 @@
       <a:pPr>
         <a:defRPr/>
       </a:pPr>
-      <a:endParaRPr lang="zh-CN"/>
+      <a:endParaRPr lang="en-US"/>
     </a:p>
   </c:txPr>
   <c:externalData r:id="rId3">
@@ -770,7 +778,7 @@
 <file path=ppt/charts/chart2.xml><?xml version="1.0" encoding="utf-8"?>
 <c:chartSpace xmlns:c="http://schemas.openxmlformats.org/drawingml/2006/chart" xmlns:a="http://schemas.openxmlformats.org/drawingml/2006/main" xmlns:r="http://schemas.openxmlformats.org/officeDocument/2006/relationships" xmlns:c16r2="http://schemas.microsoft.com/office/drawing/2015/06/chart">
   <c:date1904 val="0"/>
-  <c:lang val="zh-CN"/>
+  <c:lang val="en-US"/>
   <c:roundedCorners val="0"/>
   <mc:AlternateContent xmlns:mc="http://schemas.openxmlformats.org/markup-compatibility/2006">
     <mc:Choice xmlns:c14="http://schemas.microsoft.com/office/drawing/2007/8/2/chart" Requires="c14">
@@ -807,7 +815,7 @@
               <a:cs typeface="+mn-cs"/>
             </a:defRPr>
           </a:pPr>
-          <a:endParaRPr lang="zh-CN"/>
+          <a:endParaRPr lang="en-US"/>
         </a:p>
       </c:txPr>
     </c:title>
@@ -1003,7 +1011,7 @@
               <a:cs typeface="+mn-cs"/>
             </a:defRPr>
           </a:pPr>
-          <a:endParaRPr lang="zh-CN"/>
+          <a:endParaRPr lang="en-US"/>
         </a:p>
       </c:txPr>
     </c:legend>
@@ -1032,7 +1040,7 @@
       <a:pPr>
         <a:defRPr/>
       </a:pPr>
-      <a:endParaRPr lang="zh-CN"/>
+      <a:endParaRPr lang="en-US"/>
     </a:p>
   </c:txPr>
   <c:externalData r:id="rId3">
@@ -5671,162 +5679,15 @@
               <a:tabLst/>
               <a:defRPr/>
             </a:pPr>
-            <a:r>
-              <a:rPr lang="zh-CN" altLang="zh-CN" sz="1200" kern="1200" dirty="0">
-                <a:solidFill>
-                  <a:schemeClr val="tx1"/>
-                </a:solidFill>
-                <a:effectLst/>
-                <a:latin typeface="+mn-lt"/>
-                <a:ea typeface="+mn-ea"/>
-                <a:cs typeface="+mn-cs"/>
-              </a:rPr>
-              <a:t>规则解析由类</a:t>
-            </a:r>
-            <a:r>
-              <a:rPr lang="en-US" altLang="zh-CN" sz="1200" kern="1200" dirty="0" err="1">
-                <a:solidFill>
-                  <a:schemeClr val="tx1"/>
-                </a:solidFill>
-                <a:effectLst/>
-                <a:latin typeface="+mn-lt"/>
-                <a:ea typeface="+mn-ea"/>
-                <a:cs typeface="+mn-cs"/>
-              </a:rPr>
-              <a:t>RuleLoader</a:t>
-            </a:r>
-            <a:r>
-              <a:rPr lang="zh-CN" altLang="zh-CN" sz="1200" kern="1200" dirty="0">
-                <a:solidFill>
-                  <a:schemeClr val="tx1"/>
-                </a:solidFill>
-                <a:effectLst/>
-                <a:latin typeface="+mn-lt"/>
-                <a:ea typeface="+mn-ea"/>
-                <a:cs typeface="+mn-cs"/>
-              </a:rPr>
-              <a:t>和</a:t>
-            </a:r>
-            <a:r>
-              <a:rPr lang="en-US" altLang="zh-CN" sz="1200" kern="1200" dirty="0" err="1">
-                <a:solidFill>
-                  <a:schemeClr val="tx1"/>
-                </a:solidFill>
-                <a:effectLst/>
-                <a:latin typeface="+mn-lt"/>
-                <a:ea typeface="+mn-ea"/>
-                <a:cs typeface="+mn-cs"/>
-              </a:rPr>
-              <a:t>RuleDB</a:t>
-            </a:r>
-            <a:r>
-              <a:rPr lang="zh-CN" altLang="zh-CN" sz="1200" kern="1200" dirty="0">
-                <a:solidFill>
-                  <a:schemeClr val="tx1"/>
-                </a:solidFill>
-                <a:effectLst/>
-                <a:latin typeface="+mn-lt"/>
-                <a:ea typeface="+mn-ea"/>
-                <a:cs typeface="+mn-cs"/>
-              </a:rPr>
-              <a:t>组成，</a:t>
-            </a:r>
-            <a:r>
-              <a:rPr lang="en-US" altLang="zh-CN" sz="1200" kern="1200" dirty="0" err="1">
-                <a:solidFill>
-                  <a:schemeClr val="tx1"/>
-                </a:solidFill>
-                <a:effectLst/>
-                <a:latin typeface="+mn-lt"/>
-                <a:ea typeface="+mn-ea"/>
-                <a:cs typeface="+mn-cs"/>
-              </a:rPr>
-              <a:t>RuleLoader</a:t>
-            </a:r>
-            <a:r>
-              <a:rPr lang="zh-CN" altLang="zh-CN" sz="1200" kern="1200" dirty="0">
-                <a:solidFill>
-                  <a:schemeClr val="tx1"/>
-                </a:solidFill>
-                <a:effectLst/>
-                <a:latin typeface="+mn-lt"/>
-                <a:ea typeface="+mn-ea"/>
-                <a:cs typeface="+mn-cs"/>
-              </a:rPr>
-              <a:t>的作用是将规则文件解析成</a:t>
-            </a:r>
-            <a:r>
-              <a:rPr lang="en-US" altLang="zh-CN" sz="1200" kern="1200" dirty="0" err="1">
-                <a:solidFill>
-                  <a:schemeClr val="tx1"/>
-                </a:solidFill>
-                <a:effectLst/>
-                <a:latin typeface="+mn-lt"/>
-                <a:ea typeface="+mn-ea"/>
-                <a:cs typeface="+mn-cs"/>
-              </a:rPr>
-              <a:t>ComplexRule</a:t>
-            </a:r>
-            <a:r>
-              <a:rPr lang="en-US" altLang="zh-CN" sz="1200" kern="1200" dirty="0">
-                <a:solidFill>
-                  <a:schemeClr val="tx1"/>
-                </a:solidFill>
-                <a:effectLst/>
-                <a:latin typeface="+mn-lt"/>
-                <a:ea typeface="+mn-ea"/>
-                <a:cs typeface="+mn-cs"/>
-              </a:rPr>
-              <a:t>/</a:t>
-            </a:r>
-            <a:r>
-              <a:rPr lang="en-US" altLang="zh-CN" sz="1200" kern="1200" dirty="0" err="1">
-                <a:solidFill>
-                  <a:schemeClr val="tx1"/>
-                </a:solidFill>
-                <a:effectLst/>
-                <a:latin typeface="+mn-lt"/>
-                <a:ea typeface="+mn-ea"/>
-                <a:cs typeface="+mn-cs"/>
-              </a:rPr>
-              <a:t>DefaultRule</a:t>
-            </a:r>
-            <a:r>
-              <a:rPr lang="zh-CN" altLang="zh-CN" sz="1200" kern="1200" dirty="0">
-                <a:solidFill>
-                  <a:schemeClr val="tx1"/>
-                </a:solidFill>
-                <a:effectLst/>
-                <a:latin typeface="+mn-lt"/>
-                <a:ea typeface="+mn-ea"/>
-                <a:cs typeface="+mn-cs"/>
-              </a:rPr>
-              <a:t>等类，装入</a:t>
-            </a:r>
-            <a:r>
-              <a:rPr lang="en-US" altLang="zh-CN" sz="1200" kern="1200" dirty="0" err="1">
-                <a:solidFill>
-                  <a:schemeClr val="tx1"/>
-                </a:solidFill>
-                <a:effectLst/>
-                <a:latin typeface="+mn-lt"/>
-                <a:ea typeface="+mn-ea"/>
-                <a:cs typeface="+mn-cs"/>
-              </a:rPr>
-              <a:t>ruleDB</a:t>
-            </a:r>
-            <a:r>
-              <a:rPr lang="zh-CN" altLang="zh-CN" sz="1200" kern="1200" dirty="0">
-                <a:solidFill>
-                  <a:schemeClr val="tx1"/>
-                </a:solidFill>
-                <a:effectLst/>
-                <a:latin typeface="+mn-lt"/>
-                <a:ea typeface="+mn-ea"/>
-                <a:cs typeface="+mn-cs"/>
-              </a:rPr>
-              <a:t>中。</a:t>
-            </a:r>
+            <a:endParaRPr lang="zh-CN" altLang="zh-CN" sz="1200" kern="1200" dirty="0">
+              <a:solidFill>
+                <a:schemeClr val="tx1"/>
+              </a:solidFill>
+              <a:effectLst/>
+              <a:latin typeface="+mn-lt"/>
+              <a:ea typeface="+mn-ea"/>
+              <a:cs typeface="+mn-cs"/>
+            </a:endParaRPr>
           </a:p>
         </p:txBody>
       </p:sp>
@@ -5862,7 +5723,7 @@
     </p:spTree>
     <p:extLst>
       <p:ext uri="{BB962C8B-B14F-4D97-AF65-F5344CB8AC3E}">
-        <p14:creationId xmlns:p14="http://schemas.microsoft.com/office/powerpoint/2010/main" val="3093966667"/>
+        <p14:creationId xmlns:p14="http://schemas.microsoft.com/office/powerpoint/2010/main" val="46660764"/>
       </p:ext>
     </p:extLst>
   </p:cSld>
@@ -5933,15 +5794,162 @@
               <a:tabLst/>
               <a:defRPr/>
             </a:pPr>
-            <a:endParaRPr lang="zh-CN" altLang="zh-CN" sz="1200" kern="1200" dirty="0">
-              <a:solidFill>
-                <a:schemeClr val="tx1"/>
-              </a:solidFill>
-              <a:effectLst/>
-              <a:latin typeface="+mn-lt"/>
-              <a:ea typeface="+mn-ea"/>
-              <a:cs typeface="+mn-cs"/>
-            </a:endParaRPr>
+            <a:r>
+              <a:rPr lang="zh-CN" altLang="zh-CN" sz="1200" kern="1200" dirty="0">
+                <a:solidFill>
+                  <a:schemeClr val="tx1"/>
+                </a:solidFill>
+                <a:effectLst/>
+                <a:latin typeface="+mn-lt"/>
+                <a:ea typeface="+mn-ea"/>
+                <a:cs typeface="+mn-cs"/>
+              </a:rPr>
+              <a:t>规则解析由类</a:t>
+            </a:r>
+            <a:r>
+              <a:rPr lang="en-US" altLang="zh-CN" sz="1200" kern="1200" dirty="0" err="1">
+                <a:solidFill>
+                  <a:schemeClr val="tx1"/>
+                </a:solidFill>
+                <a:effectLst/>
+                <a:latin typeface="+mn-lt"/>
+                <a:ea typeface="+mn-ea"/>
+                <a:cs typeface="+mn-cs"/>
+              </a:rPr>
+              <a:t>RuleLoader</a:t>
+            </a:r>
+            <a:r>
+              <a:rPr lang="zh-CN" altLang="zh-CN" sz="1200" kern="1200" dirty="0">
+                <a:solidFill>
+                  <a:schemeClr val="tx1"/>
+                </a:solidFill>
+                <a:effectLst/>
+                <a:latin typeface="+mn-lt"/>
+                <a:ea typeface="+mn-ea"/>
+                <a:cs typeface="+mn-cs"/>
+              </a:rPr>
+              <a:t>和</a:t>
+            </a:r>
+            <a:r>
+              <a:rPr lang="en-US" altLang="zh-CN" sz="1200" kern="1200" dirty="0" err="1">
+                <a:solidFill>
+                  <a:schemeClr val="tx1"/>
+                </a:solidFill>
+                <a:effectLst/>
+                <a:latin typeface="+mn-lt"/>
+                <a:ea typeface="+mn-ea"/>
+                <a:cs typeface="+mn-cs"/>
+              </a:rPr>
+              <a:t>RuleDB</a:t>
+            </a:r>
+            <a:r>
+              <a:rPr lang="zh-CN" altLang="zh-CN" sz="1200" kern="1200" dirty="0">
+                <a:solidFill>
+                  <a:schemeClr val="tx1"/>
+                </a:solidFill>
+                <a:effectLst/>
+                <a:latin typeface="+mn-lt"/>
+                <a:ea typeface="+mn-ea"/>
+                <a:cs typeface="+mn-cs"/>
+              </a:rPr>
+              <a:t>组成，</a:t>
+            </a:r>
+            <a:r>
+              <a:rPr lang="en-US" altLang="zh-CN" sz="1200" kern="1200" dirty="0" err="1">
+                <a:solidFill>
+                  <a:schemeClr val="tx1"/>
+                </a:solidFill>
+                <a:effectLst/>
+                <a:latin typeface="+mn-lt"/>
+                <a:ea typeface="+mn-ea"/>
+                <a:cs typeface="+mn-cs"/>
+              </a:rPr>
+              <a:t>RuleLoader</a:t>
+            </a:r>
+            <a:r>
+              <a:rPr lang="zh-CN" altLang="zh-CN" sz="1200" kern="1200" dirty="0">
+                <a:solidFill>
+                  <a:schemeClr val="tx1"/>
+                </a:solidFill>
+                <a:effectLst/>
+                <a:latin typeface="+mn-lt"/>
+                <a:ea typeface="+mn-ea"/>
+                <a:cs typeface="+mn-cs"/>
+              </a:rPr>
+              <a:t>的作用是将规则文件解析成</a:t>
+            </a:r>
+            <a:r>
+              <a:rPr lang="en-US" altLang="zh-CN" sz="1200" kern="1200" dirty="0" err="1">
+                <a:solidFill>
+                  <a:schemeClr val="tx1"/>
+                </a:solidFill>
+                <a:effectLst/>
+                <a:latin typeface="+mn-lt"/>
+                <a:ea typeface="+mn-ea"/>
+                <a:cs typeface="+mn-cs"/>
+              </a:rPr>
+              <a:t>ComplexRule</a:t>
+            </a:r>
+            <a:r>
+              <a:rPr lang="en-US" altLang="zh-CN" sz="1200" kern="1200" dirty="0">
+                <a:solidFill>
+                  <a:schemeClr val="tx1"/>
+                </a:solidFill>
+                <a:effectLst/>
+                <a:latin typeface="+mn-lt"/>
+                <a:ea typeface="+mn-ea"/>
+                <a:cs typeface="+mn-cs"/>
+              </a:rPr>
+              <a:t>/</a:t>
+            </a:r>
+            <a:r>
+              <a:rPr lang="en-US" altLang="zh-CN" sz="1200" kern="1200" dirty="0" err="1">
+                <a:solidFill>
+                  <a:schemeClr val="tx1"/>
+                </a:solidFill>
+                <a:effectLst/>
+                <a:latin typeface="+mn-lt"/>
+                <a:ea typeface="+mn-ea"/>
+                <a:cs typeface="+mn-cs"/>
+              </a:rPr>
+              <a:t>DefaultRule</a:t>
+            </a:r>
+            <a:r>
+              <a:rPr lang="zh-CN" altLang="zh-CN" sz="1200" kern="1200" dirty="0">
+                <a:solidFill>
+                  <a:schemeClr val="tx1"/>
+                </a:solidFill>
+                <a:effectLst/>
+                <a:latin typeface="+mn-lt"/>
+                <a:ea typeface="+mn-ea"/>
+                <a:cs typeface="+mn-cs"/>
+              </a:rPr>
+              <a:t>等类，装入</a:t>
+            </a:r>
+            <a:r>
+              <a:rPr lang="en-US" altLang="zh-CN" sz="1200" kern="1200" dirty="0" err="1">
+                <a:solidFill>
+                  <a:schemeClr val="tx1"/>
+                </a:solidFill>
+                <a:effectLst/>
+                <a:latin typeface="+mn-lt"/>
+                <a:ea typeface="+mn-ea"/>
+                <a:cs typeface="+mn-cs"/>
+              </a:rPr>
+              <a:t>ruleDB</a:t>
+            </a:r>
+            <a:r>
+              <a:rPr lang="zh-CN" altLang="zh-CN" sz="1200" kern="1200" dirty="0">
+                <a:solidFill>
+                  <a:schemeClr val="tx1"/>
+                </a:solidFill>
+                <a:effectLst/>
+                <a:latin typeface="+mn-lt"/>
+                <a:ea typeface="+mn-ea"/>
+                <a:cs typeface="+mn-cs"/>
+              </a:rPr>
+              <a:t>中。</a:t>
+            </a:r>
           </a:p>
         </p:txBody>
       </p:sp>
@@ -5977,7 +5985,7 @@
     </p:spTree>
     <p:extLst>
       <p:ext uri="{BB962C8B-B14F-4D97-AF65-F5344CB8AC3E}">
-        <p14:creationId xmlns:p14="http://schemas.microsoft.com/office/powerpoint/2010/main" val="46660764"/>
+        <p14:creationId xmlns:p14="http://schemas.microsoft.com/office/powerpoint/2010/main" val="3093966667"/>
       </p:ext>
     </p:extLst>
   </p:cSld>
@@ -6083,7 +6091,7 @@
               <a:pPr>
                 <a:defRPr/>
               </a:pPr>
-              <a:t>18</a:t>
+              <a:t>26</a:t>
             </a:fld>
             <a:endParaRPr lang="en-US"/>
           </a:p>
@@ -6198,7 +6206,7 @@
               <a:pPr>
                 <a:defRPr/>
               </a:pPr>
-              <a:t>19</a:t>
+              <a:t>27</a:t>
             </a:fld>
             <a:endParaRPr lang="en-US"/>
           </a:p>
@@ -6313,7 +6321,7 @@
               <a:pPr>
                 <a:defRPr/>
               </a:pPr>
-              <a:t>21</a:t>
+              <a:t>29</a:t>
             </a:fld>
             <a:endParaRPr lang="en-US"/>
           </a:p>
@@ -6428,7 +6436,7 @@
               <a:pPr>
                 <a:defRPr/>
               </a:pPr>
-              <a:t>22</a:t>
+              <a:t>30</a:t>
             </a:fld>
             <a:endParaRPr lang="en-US"/>
           </a:p>
@@ -6543,7 +6551,7 @@
               <a:pPr>
                 <a:defRPr/>
               </a:pPr>
-              <a:t>23</a:t>
+              <a:t>31</a:t>
             </a:fld>
             <a:endParaRPr lang="en-US"/>
           </a:p>
@@ -6658,7 +6666,7 @@
               <a:pPr>
                 <a:defRPr/>
               </a:pPr>
-              <a:t>24</a:t>
+              <a:t>32</a:t>
             </a:fld>
             <a:endParaRPr lang="en-US"/>
           </a:p>
@@ -6773,7 +6781,7 @@
               <a:pPr>
                 <a:defRPr/>
               </a:pPr>
-              <a:t>26</a:t>
+              <a:t>34</a:t>
             </a:fld>
             <a:endParaRPr lang="en-US"/>
           </a:p>
@@ -7024,7 +7032,7 @@
               <a:pPr>
                 <a:defRPr/>
               </a:pPr>
-              <a:t>27</a:t>
+              <a:t>35</a:t>
             </a:fld>
             <a:endParaRPr lang="en-US"/>
           </a:p>
@@ -7139,7 +7147,7 @@
               <a:pPr>
                 <a:defRPr/>
               </a:pPr>
-              <a:t>28</a:t>
+              <a:t>36</a:t>
             </a:fld>
             <a:endParaRPr lang="en-US"/>
           </a:p>
@@ -7254,7 +7262,7 @@
               <a:pPr>
                 <a:defRPr/>
               </a:pPr>
-              <a:t>29</a:t>
+              <a:t>37</a:t>
             </a:fld>
             <a:endParaRPr lang="en-US"/>
           </a:p>
@@ -7369,7 +7377,7 @@
               <a:pPr>
                 <a:defRPr/>
               </a:pPr>
-              <a:t>30</a:t>
+              <a:t>38</a:t>
             </a:fld>
             <a:endParaRPr lang="en-US"/>
           </a:p>
@@ -7484,7 +7492,7 @@
               <a:pPr>
                 <a:defRPr/>
               </a:pPr>
-              <a:t>31</a:t>
+              <a:t>39</a:t>
             </a:fld>
             <a:endParaRPr lang="en-US"/>
           </a:p>
@@ -7599,7 +7607,7 @@
               <a:pPr>
                 <a:defRPr/>
               </a:pPr>
-              <a:t>32</a:t>
+              <a:t>40</a:t>
             </a:fld>
             <a:endParaRPr lang="en-US"/>
           </a:p>
@@ -7714,7 +7722,7 @@
               <a:pPr>
                 <a:defRPr/>
               </a:pPr>
-              <a:t>33</a:t>
+              <a:t>41</a:t>
             </a:fld>
             <a:endParaRPr lang="en-US"/>
           </a:p>
@@ -7829,7 +7837,7 @@
               <a:pPr>
                 <a:defRPr/>
               </a:pPr>
-              <a:t>34</a:t>
+              <a:t>42</a:t>
             </a:fld>
             <a:endParaRPr lang="en-US"/>
           </a:p>
@@ -7944,7 +7952,7 @@
               <a:pPr>
                 <a:defRPr/>
               </a:pPr>
-              <a:t>35</a:t>
+              <a:t>43</a:t>
             </a:fld>
             <a:endParaRPr lang="en-US"/>
           </a:p>
@@ -8159,7 +8167,7 @@
               <a:pPr>
                 <a:defRPr/>
               </a:pPr>
-              <a:t>37</a:t>
+              <a:t>45</a:t>
             </a:fld>
             <a:endParaRPr lang="en-US"/>
           </a:p>
@@ -8364,7 +8372,7 @@
               <a:pPr>
                 <a:defRPr/>
               </a:pPr>
-              <a:t>38</a:t>
+              <a:t>46</a:t>
             </a:fld>
             <a:endParaRPr lang="en-US"/>
           </a:p>
@@ -8479,7 +8487,7 @@
               <a:pPr>
                 <a:defRPr/>
               </a:pPr>
-              <a:t>39</a:t>
+              <a:t>47</a:t>
             </a:fld>
             <a:endParaRPr lang="en-US"/>
           </a:p>
@@ -8606,7 +8614,7 @@
               <a:pPr>
                 <a:defRPr/>
               </a:pPr>
-              <a:t>41</a:t>
+              <a:t>49</a:t>
             </a:fld>
             <a:endParaRPr lang="en-US"/>
           </a:p>
@@ -8733,7 +8741,7 @@
               <a:pPr>
                 <a:defRPr/>
               </a:pPr>
-              <a:t>42</a:t>
+              <a:t>50</a:t>
             </a:fld>
             <a:endParaRPr lang="en-US"/>
           </a:p>
@@ -8860,7 +8868,7 @@
               <a:pPr>
                 <a:defRPr/>
               </a:pPr>
-              <a:t>43</a:t>
+              <a:t>51</a:t>
             </a:fld>
             <a:endParaRPr lang="en-US"/>
           </a:p>
@@ -8987,7 +8995,7 @@
               <a:pPr>
                 <a:defRPr/>
               </a:pPr>
-              <a:t>44</a:t>
+              <a:t>52</a:t>
             </a:fld>
             <a:endParaRPr lang="en-US"/>
           </a:p>
@@ -14474,10 +14482,10 @@
       </p:sp>
       <p:pic>
         <p:nvPicPr>
-          <p:cNvPr id="2" name="图片 1">
+          <p:cNvPr id="4" name="Picture 3">
             <a:extLst>
               <a:ext uri="{FF2B5EF4-FFF2-40B4-BE49-F238E27FC236}">
-                <a16:creationId xmlns:a16="http://schemas.microsoft.com/office/drawing/2014/main" id="{E2B3BE60-1341-4DA7-B6F5-80500663B8D6}"/>
+                <a16:creationId xmlns:a16="http://schemas.microsoft.com/office/drawing/2014/main" id="{4A82D571-65AA-43E7-9AB0-2168C050DBB7}"/>
               </a:ext>
             </a:extLst>
           </p:cNvPr>
@@ -14487,15 +14495,21 @@
           <p:nvPr/>
         </p:nvPicPr>
         <p:blipFill>
-          <a:blip r:embed="rId3"/>
+          <a:blip r:embed="rId3">
+            <a:extLst>
+              <a:ext uri="{28A0092B-C50C-407E-A947-70E740481C1C}">
+                <a14:useLocalDpi xmlns:a14="http://schemas.microsoft.com/office/drawing/2010/main" val="0"/>
+              </a:ext>
+            </a:extLst>
+          </a:blip>
           <a:stretch>
             <a:fillRect/>
           </a:stretch>
         </p:blipFill>
         <p:spPr>
           <a:xfrm>
-            <a:off x="697831" y="1114425"/>
-            <a:ext cx="7748337" cy="5267846"/>
+            <a:off x="595890" y="935666"/>
+            <a:ext cx="6208480" cy="6858000"/>
           </a:xfrm>
           <a:prstGeom prst="rect">
             <a:avLst/>
@@ -14517,82 +14531,6 @@
 </file>
 
 <file path=ppt/slides/slide16.xml><?xml version="1.0" encoding="utf-8"?>
-<p:sld xmlns:a="http://schemas.openxmlformats.org/drawingml/2006/main" xmlns:r="http://schemas.openxmlformats.org/officeDocument/2006/relationships" xmlns:p="http://schemas.openxmlformats.org/presentationml/2006/main">
-  <p:cSld>
-    <p:spTree>
-      <p:nvGrpSpPr>
-        <p:cNvPr id="1" name=""/>
-        <p:cNvGrpSpPr/>
-        <p:nvPr/>
-      </p:nvGrpSpPr>
-      <p:grpSpPr>
-        <a:xfrm>
-          <a:off x="0" y="0"/>
-          <a:ext cx="0" cy="0"/>
-          <a:chOff x="0" y="0"/>
-          <a:chExt cx="0" cy="0"/>
-        </a:xfrm>
-      </p:grpSpPr>
-      <p:sp>
-        <p:nvSpPr>
-          <p:cNvPr id="11266" name="Title 1">
-            <a:extLst>
-              <a:ext uri="{FF2B5EF4-FFF2-40B4-BE49-F238E27FC236}">
-                <a16:creationId xmlns:a16="http://schemas.microsoft.com/office/drawing/2014/main" id="{DE2A2B24-CECA-41CB-B0DF-95AEC9A73671}"/>
-              </a:ext>
-            </a:extLst>
-          </p:cNvPr>
-          <p:cNvSpPr>
-            <a:spLocks noGrp="1"/>
-          </p:cNvSpPr>
-          <p:nvPr>
-            <p:ph type="title"/>
-          </p:nvPr>
-        </p:nvSpPr>
-        <p:spPr>
-          <a:xfrm>
-            <a:off x="247650" y="-30163"/>
-            <a:ext cx="8491538" cy="1144588"/>
-          </a:xfrm>
-        </p:spPr>
-        <p:txBody>
-          <a:bodyPr/>
-          <a:lstStyle/>
-          <a:p>
-            <a:r>
-              <a:rPr lang="zh-CN" altLang="en-US" dirty="0">
-                <a:solidFill>
-                  <a:srgbClr val="1F4E79"/>
-                </a:solidFill>
-              </a:rPr>
-              <a:t>需求设计：核心方法</a:t>
-            </a:r>
-            <a:r>
-              <a:rPr lang="en-US" altLang="zh-CN" dirty="0">
-                <a:solidFill>
-                  <a:srgbClr val="1F4E79"/>
-                </a:solidFill>
-              </a:rPr>
-              <a:t>check</a:t>
-            </a:r>
-          </a:p>
-        </p:txBody>
-      </p:sp>
-    </p:spTree>
-    <p:extLst>
-      <p:ext uri="{BB962C8B-B14F-4D97-AF65-F5344CB8AC3E}">
-        <p14:creationId xmlns:p14="http://schemas.microsoft.com/office/powerpoint/2010/main" val="2913044553"/>
-      </p:ext>
-    </p:extLst>
-  </p:cSld>
-  <p:clrMapOvr>
-    <a:masterClrMapping/>
-  </p:clrMapOvr>
-  <p:transition spd="slow"/>
-</p:sld>
-</file>
-
-<file path=ppt/slides/slide17.xml><?xml version="1.0" encoding="utf-8"?>
 <p:sld xmlns:a="http://schemas.openxmlformats.org/drawingml/2006/main" xmlns:r="http://schemas.openxmlformats.org/officeDocument/2006/relationships" xmlns:p="http://schemas.openxmlformats.org/presentationml/2006/main">
   <p:cSld>
     <p:spTree>
@@ -14698,7 +14636,2517 @@
 </p:sld>
 </file>
 
+<file path=ppt/slides/slide17.xml><?xml version="1.0" encoding="utf-8"?>
+<p:sld xmlns:a="http://schemas.openxmlformats.org/drawingml/2006/main" xmlns:r="http://schemas.openxmlformats.org/officeDocument/2006/relationships" xmlns:p="http://schemas.openxmlformats.org/presentationml/2006/main">
+  <p:cSld>
+    <p:spTree>
+      <p:nvGrpSpPr>
+        <p:cNvPr id="1" name=""/>
+        <p:cNvGrpSpPr/>
+        <p:nvPr/>
+      </p:nvGrpSpPr>
+      <p:grpSpPr>
+        <a:xfrm>
+          <a:off x="0" y="0"/>
+          <a:ext cx="0" cy="0"/>
+          <a:chOff x="0" y="0"/>
+          <a:chExt cx="0" cy="0"/>
+        </a:xfrm>
+      </p:grpSpPr>
+      <p:sp>
+        <p:nvSpPr>
+          <p:cNvPr id="11266" name="Title 1">
+            <a:extLst>
+              <a:ext uri="{FF2B5EF4-FFF2-40B4-BE49-F238E27FC236}">
+                <a16:creationId xmlns:a16="http://schemas.microsoft.com/office/drawing/2014/main" id="{DE2A2B24-CECA-41CB-B0DF-95AEC9A73671}"/>
+              </a:ext>
+            </a:extLst>
+          </p:cNvPr>
+          <p:cNvSpPr>
+            <a:spLocks noGrp="1"/>
+          </p:cNvSpPr>
+          <p:nvPr>
+            <p:ph type="title"/>
+          </p:nvPr>
+        </p:nvSpPr>
+        <p:spPr>
+          <a:xfrm>
+            <a:off x="247650" y="-30163"/>
+            <a:ext cx="8491538" cy="1144588"/>
+          </a:xfrm>
+        </p:spPr>
+        <p:txBody>
+          <a:bodyPr/>
+          <a:lstStyle/>
+          <a:p>
+            <a:r>
+              <a:rPr lang="zh-CN" altLang="en-US" dirty="0">
+                <a:solidFill>
+                  <a:srgbClr val="1F4E79"/>
+                </a:solidFill>
+              </a:rPr>
+              <a:t>需求设计：核心方法</a:t>
+            </a:r>
+            <a:r>
+              <a:rPr lang="en-US" altLang="zh-CN" dirty="0">
+                <a:solidFill>
+                  <a:srgbClr val="1F4E79"/>
+                </a:solidFill>
+              </a:rPr>
+              <a:t>check</a:t>
+            </a:r>
+          </a:p>
+        </p:txBody>
+      </p:sp>
+      <p:sp>
+        <p:nvSpPr>
+          <p:cNvPr id="3" name="文本框 4">
+            <a:extLst>
+              <a:ext uri="{FF2B5EF4-FFF2-40B4-BE49-F238E27FC236}">
+                <a16:creationId xmlns:a16="http://schemas.microsoft.com/office/drawing/2014/main" id="{390901DF-4A42-4B18-A527-E90E4415DABE}"/>
+              </a:ext>
+            </a:extLst>
+          </p:cNvPr>
+          <p:cNvSpPr txBox="1"/>
+          <p:nvPr/>
+        </p:nvSpPr>
+        <p:spPr>
+          <a:xfrm>
+            <a:off x="643564" y="1114425"/>
+            <a:ext cx="7856872" cy="4323748"/>
+          </a:xfrm>
+          <a:prstGeom prst="rect">
+            <a:avLst/>
+          </a:prstGeom>
+          <a:noFill/>
+        </p:spPr>
+        <p:txBody>
+          <a:bodyPr wrap="square">
+            <a:spAutoFit/>
+          </a:bodyPr>
+          <a:lstStyle/>
+          <a:p>
+            <a:pPr marL="414726" indent="-414726">
+              <a:lnSpc>
+                <a:spcPct val="150000"/>
+              </a:lnSpc>
+              <a:buFont typeface="Wingdings" panose="05000000000000000000" pitchFamily="2" charset="2"/>
+              <a:buChar char="Ø"/>
+              <a:defRPr/>
+            </a:pPr>
+            <a:r>
+              <a:rPr lang="zh-CN" altLang="en-US" sz="2800" dirty="0">
+                <a:latin typeface="+mj-lt"/>
+              </a:rPr>
+              <a:t>针对规则对于所有</a:t>
+            </a:r>
+            <a:r>
+              <a:rPr lang="zh-CN" altLang="en-US" sz="2800" dirty="0">
+                <a:highlight>
+                  <a:srgbClr val="00FFFF"/>
+                </a:highlight>
+                <a:latin typeface="+mj-lt"/>
+              </a:rPr>
+              <a:t>动作语句</a:t>
+            </a:r>
+            <a:r>
+              <a:rPr lang="zh-CN" altLang="en-US" sz="2800" dirty="0">
+                <a:latin typeface="+mj-lt"/>
+              </a:rPr>
+              <a:t>，</a:t>
+            </a:r>
+            <a:r>
+              <a:rPr lang="zh-CN" altLang="en-US" sz="2800" dirty="0">
+                <a:solidFill>
+                  <a:srgbClr val="FF0000"/>
+                </a:solidFill>
+                <a:latin typeface="+mj-lt"/>
+              </a:rPr>
+              <a:t>主语</a:t>
+            </a:r>
+            <a:r>
+              <a:rPr lang="zh-CN" altLang="en-US" sz="2800" dirty="0">
+                <a:highlight>
+                  <a:srgbClr val="00FF00"/>
+                </a:highlight>
+                <a:latin typeface="+mj-lt"/>
+              </a:rPr>
+              <a:t>必须是</a:t>
+            </a:r>
+            <a:r>
+              <a:rPr lang="en-US" altLang="zh-CN" sz="2800" dirty="0">
+                <a:highlight>
+                  <a:srgbClr val="FFFF00"/>
+                </a:highlight>
+                <a:latin typeface="+mj-lt"/>
+              </a:rPr>
+              <a:t>actor</a:t>
+            </a:r>
+            <a:r>
+              <a:rPr lang="zh-CN" altLang="en-US" sz="2800" dirty="0">
+                <a:latin typeface="+mj-lt"/>
+              </a:rPr>
+              <a:t>或者</a:t>
+            </a:r>
+            <a:r>
+              <a:rPr lang="zh-CN" altLang="en-US" sz="2800" dirty="0">
+                <a:highlight>
+                  <a:srgbClr val="FFFF00"/>
+                </a:highlight>
+                <a:latin typeface="+mj-lt"/>
+              </a:rPr>
+              <a:t>系统</a:t>
+            </a:r>
+            <a:endParaRPr lang="en-US" altLang="zh-CN" sz="2800" dirty="0">
+              <a:highlight>
+                <a:srgbClr val="FFFF00"/>
+              </a:highlight>
+              <a:latin typeface="+mj-lt"/>
+            </a:endParaRPr>
+          </a:p>
+          <a:p>
+            <a:pPr marL="414726" indent="-414726">
+              <a:lnSpc>
+                <a:spcPct val="150000"/>
+              </a:lnSpc>
+              <a:buFont typeface="Wingdings" panose="05000000000000000000" pitchFamily="2" charset="2"/>
+              <a:buChar char="Ø"/>
+              <a:defRPr/>
+            </a:pPr>
+            <a:endParaRPr lang="en-US" altLang="zh-CN" sz="2800" dirty="0">
+              <a:highlight>
+                <a:srgbClr val="FFFF00"/>
+              </a:highlight>
+              <a:latin typeface="+mj-lt"/>
+            </a:endParaRPr>
+          </a:p>
+          <a:p>
+            <a:pPr lvl="1"/>
+            <a:r>
+              <a:rPr lang="zh-CN" altLang="en-US" sz="2800" dirty="0">
+                <a:highlight>
+                  <a:srgbClr val="00FFFF"/>
+                </a:highlight>
+              </a:rPr>
+              <a:t>检查范围</a:t>
+            </a:r>
+            <a:endParaRPr lang="en-US" altLang="zh-CN" sz="2800" dirty="0">
+              <a:highlight>
+                <a:srgbClr val="00FFFF"/>
+              </a:highlight>
+            </a:endParaRPr>
+          </a:p>
+          <a:p>
+            <a:pPr lvl="1"/>
+            <a:r>
+              <a:rPr lang="zh-CN" altLang="en-US" sz="2800" dirty="0">
+                <a:solidFill>
+                  <a:srgbClr val="FF0000"/>
+                </a:solidFill>
+              </a:rPr>
+              <a:t>检查主题</a:t>
+            </a:r>
+            <a:endParaRPr lang="en-US" altLang="zh-CN" sz="2800" dirty="0">
+              <a:solidFill>
+                <a:srgbClr val="FF0000"/>
+              </a:solidFill>
+            </a:endParaRPr>
+          </a:p>
+          <a:p>
+            <a:pPr lvl="1"/>
+            <a:r>
+              <a:rPr lang="zh-CN" altLang="en-US" sz="2800" dirty="0">
+                <a:highlight>
+                  <a:srgbClr val="00FF00"/>
+                </a:highlight>
+              </a:rPr>
+              <a:t>检查约束值</a:t>
+            </a:r>
+            <a:endParaRPr lang="en-US" altLang="zh-CN" sz="2800" dirty="0">
+              <a:highlight>
+                <a:srgbClr val="00FF00"/>
+              </a:highlight>
+            </a:endParaRPr>
+          </a:p>
+          <a:p>
+            <a:pPr lvl="1"/>
+            <a:r>
+              <a:rPr lang="zh-CN" altLang="en-US" sz="2800" dirty="0">
+                <a:highlight>
+                  <a:srgbClr val="FFFF00"/>
+                </a:highlight>
+              </a:rPr>
+              <a:t>检查约束</a:t>
+            </a:r>
+            <a:endParaRPr lang="en-US" sz="2800" dirty="0">
+              <a:highlight>
+                <a:srgbClr val="FFFF00"/>
+              </a:highlight>
+            </a:endParaRPr>
+          </a:p>
+          <a:p>
+            <a:pPr marL="414726" indent="-414726">
+              <a:lnSpc>
+                <a:spcPct val="150000"/>
+              </a:lnSpc>
+              <a:buFont typeface="Wingdings" panose="05000000000000000000" pitchFamily="2" charset="2"/>
+              <a:buChar char="Ø"/>
+              <a:defRPr/>
+            </a:pPr>
+            <a:endParaRPr lang="zh-CN" altLang="en-US" sz="2800" dirty="0">
+              <a:latin typeface="+mj-lt"/>
+            </a:endParaRPr>
+          </a:p>
+        </p:txBody>
+      </p:sp>
+    </p:spTree>
+    <p:extLst>
+      <p:ext uri="{BB962C8B-B14F-4D97-AF65-F5344CB8AC3E}">
+        <p14:creationId xmlns:p14="http://schemas.microsoft.com/office/powerpoint/2010/main" val="2913044553"/>
+      </p:ext>
+    </p:extLst>
+  </p:cSld>
+  <p:clrMapOvr>
+    <a:masterClrMapping/>
+  </p:clrMapOvr>
+  <p:transition spd="slow"/>
+</p:sld>
+</file>
+
 <file path=ppt/slides/slide18.xml><?xml version="1.0" encoding="utf-8"?>
+<p:sld xmlns:a="http://schemas.openxmlformats.org/drawingml/2006/main" xmlns:r="http://schemas.openxmlformats.org/officeDocument/2006/relationships" xmlns:p="http://schemas.openxmlformats.org/presentationml/2006/main">
+  <p:cSld>
+    <p:spTree>
+      <p:nvGrpSpPr>
+        <p:cNvPr id="1" name=""/>
+        <p:cNvGrpSpPr/>
+        <p:nvPr/>
+      </p:nvGrpSpPr>
+      <p:grpSpPr>
+        <a:xfrm>
+          <a:off x="0" y="0"/>
+          <a:ext cx="0" cy="0"/>
+          <a:chOff x="0" y="0"/>
+          <a:chExt cx="0" cy="0"/>
+        </a:xfrm>
+      </p:grpSpPr>
+      <p:sp>
+        <p:nvSpPr>
+          <p:cNvPr id="2" name="Title 1">
+            <a:extLst>
+              <a:ext uri="{FF2B5EF4-FFF2-40B4-BE49-F238E27FC236}">
+                <a16:creationId xmlns:a16="http://schemas.microsoft.com/office/drawing/2014/main" id="{0ED31460-3CFF-49DD-8283-65ED8B6FB01F}"/>
+              </a:ext>
+            </a:extLst>
+          </p:cNvPr>
+          <p:cNvSpPr>
+            <a:spLocks noGrp="1"/>
+          </p:cNvSpPr>
+          <p:nvPr>
+            <p:ph type="title"/>
+          </p:nvPr>
+        </p:nvSpPr>
+        <p:spPr/>
+        <p:txBody>
+          <a:bodyPr/>
+          <a:lstStyle/>
+          <a:p>
+            <a:r>
+              <a:rPr lang="zh-CN" altLang="en-US" dirty="0">
+                <a:solidFill>
+                  <a:srgbClr val="1F4E79"/>
+                </a:solidFill>
+              </a:rPr>
+              <a:t>需求设计：核心方法</a:t>
+            </a:r>
+            <a:r>
+              <a:rPr lang="en-US" altLang="zh-CN" dirty="0">
+                <a:solidFill>
+                  <a:srgbClr val="1F4E79"/>
+                </a:solidFill>
+              </a:rPr>
+              <a:t>check</a:t>
+            </a:r>
+            <a:endParaRPr lang="en-US" dirty="0"/>
+          </a:p>
+        </p:txBody>
+      </p:sp>
+      <p:sp>
+        <p:nvSpPr>
+          <p:cNvPr id="3" name="Content Placeholder 2">
+            <a:extLst>
+              <a:ext uri="{FF2B5EF4-FFF2-40B4-BE49-F238E27FC236}">
+                <a16:creationId xmlns:a16="http://schemas.microsoft.com/office/drawing/2014/main" id="{556EC231-592B-4FE7-80AF-B4A6F809680D}"/>
+              </a:ext>
+            </a:extLst>
+          </p:cNvPr>
+          <p:cNvSpPr>
+            <a:spLocks noGrp="1"/>
+          </p:cNvSpPr>
+          <p:nvPr>
+            <p:ph idx="1"/>
+          </p:nvPr>
+        </p:nvSpPr>
+        <p:spPr/>
+        <p:txBody>
+          <a:bodyPr/>
+          <a:lstStyle/>
+          <a:p>
+            <a:r>
+              <a:rPr lang="zh-CN" altLang="en-US" dirty="0"/>
+              <a:t>针对规则对于所有</a:t>
+            </a:r>
+            <a:r>
+              <a:rPr lang="zh-CN" altLang="en-US" dirty="0">
+                <a:highlight>
+                  <a:srgbClr val="00FFFF"/>
+                </a:highlight>
+              </a:rPr>
+              <a:t>动作语句</a:t>
+            </a:r>
+            <a:r>
+              <a:rPr lang="zh-CN" altLang="en-US" dirty="0"/>
+              <a:t>，</a:t>
+            </a:r>
+            <a:r>
+              <a:rPr lang="zh-CN" altLang="en-US" dirty="0">
+                <a:solidFill>
+                  <a:srgbClr val="FF0000"/>
+                </a:solidFill>
+              </a:rPr>
+              <a:t>主语</a:t>
+            </a:r>
+            <a:r>
+              <a:rPr lang="zh-CN" altLang="en-US" dirty="0">
+                <a:highlight>
+                  <a:srgbClr val="00FF00"/>
+                </a:highlight>
+              </a:rPr>
+              <a:t>必须是</a:t>
+            </a:r>
+            <a:r>
+              <a:rPr lang="en-US" altLang="zh-CN" dirty="0">
+                <a:highlight>
+                  <a:srgbClr val="FFFF00"/>
+                </a:highlight>
+              </a:rPr>
+              <a:t>actor</a:t>
+            </a:r>
+            <a:r>
+              <a:rPr lang="zh-CN" altLang="en-US" dirty="0"/>
+              <a:t>或者</a:t>
+            </a:r>
+            <a:r>
+              <a:rPr lang="zh-CN" altLang="en-US" dirty="0">
+                <a:highlight>
+                  <a:srgbClr val="FFFF00"/>
+                </a:highlight>
+              </a:rPr>
+              <a:t>系统</a:t>
+            </a:r>
+            <a:endParaRPr lang="en-US" altLang="zh-CN" dirty="0"/>
+          </a:p>
+          <a:p>
+            <a:pPr marL="414726" indent="-414726">
+              <a:lnSpc>
+                <a:spcPct val="150000"/>
+              </a:lnSpc>
+              <a:buFont typeface="Wingdings" panose="05000000000000000000" pitchFamily="2" charset="2"/>
+              <a:buChar char="Ø"/>
+              <a:defRPr/>
+            </a:pPr>
+            <a:r>
+              <a:rPr lang="en-US" altLang="zh-CN" dirty="0"/>
+              <a:t>For </a:t>
+            </a:r>
+            <a:r>
+              <a:rPr lang="en-US" altLang="zh-CN" dirty="0" err="1"/>
+              <a:t>actionStep</a:t>
+            </a:r>
+            <a:r>
+              <a:rPr lang="en-US" altLang="zh-CN" dirty="0"/>
+              <a:t> in </a:t>
+            </a:r>
+            <a:r>
+              <a:rPr lang="en-US" altLang="zh-CN" dirty="0" err="1">
+                <a:highlight>
+                  <a:srgbClr val="00FFFF"/>
+                </a:highlight>
+              </a:rPr>
+              <a:t>actionSteps</a:t>
+            </a:r>
+            <a:endParaRPr lang="en-US" altLang="zh-CN" dirty="0">
+              <a:highlight>
+                <a:srgbClr val="00FFFF"/>
+              </a:highlight>
+            </a:endParaRPr>
+          </a:p>
+          <a:p>
+            <a:pPr marL="914400" lvl="2" indent="0">
+              <a:lnSpc>
+                <a:spcPct val="150000"/>
+              </a:lnSpc>
+              <a:buNone/>
+              <a:defRPr/>
+            </a:pPr>
+            <a:r>
+              <a:rPr lang="en-US" altLang="zh-CN" sz="2400" dirty="0" err="1"/>
+              <a:t>actionStep.</a:t>
+            </a:r>
+            <a:r>
+              <a:rPr lang="en-US" altLang="zh-CN" sz="2400" dirty="0" err="1">
+                <a:solidFill>
+                  <a:srgbClr val="FF0000"/>
+                </a:solidFill>
+              </a:rPr>
+              <a:t>subject</a:t>
+            </a:r>
+            <a:r>
+              <a:rPr lang="en-US" altLang="zh-CN" sz="2400" dirty="0">
+                <a:highlight>
+                  <a:srgbClr val="00FF00"/>
+                </a:highlight>
+              </a:rPr>
+              <a:t>=</a:t>
+            </a:r>
+            <a:r>
+              <a:rPr lang="zh-CN" altLang="en-US" sz="2400" dirty="0">
+                <a:highlight>
+                  <a:srgbClr val="FFFF00"/>
+                </a:highlight>
+              </a:rPr>
+              <a:t>系统</a:t>
+            </a:r>
+            <a:r>
+              <a:rPr lang="zh-CN" altLang="en-US" sz="2400" dirty="0"/>
+              <a:t> </a:t>
+            </a:r>
+            <a:r>
+              <a:rPr lang="en-US" altLang="zh-CN" sz="2400" dirty="0"/>
+              <a:t>or</a:t>
+            </a:r>
+          </a:p>
+          <a:p>
+            <a:pPr marL="914400" lvl="2" indent="0">
+              <a:lnSpc>
+                <a:spcPct val="150000"/>
+              </a:lnSpc>
+              <a:buNone/>
+              <a:defRPr/>
+            </a:pPr>
+            <a:r>
+              <a:rPr lang="en-US" altLang="zh-CN" sz="2400" dirty="0" err="1"/>
+              <a:t>actionStep.</a:t>
+            </a:r>
+            <a:r>
+              <a:rPr lang="en-US" altLang="zh-CN" sz="2400" dirty="0" err="1">
+                <a:solidFill>
+                  <a:srgbClr val="FF0000"/>
+                </a:solidFill>
+              </a:rPr>
+              <a:t>subject</a:t>
+            </a:r>
+            <a:r>
+              <a:rPr lang="en-US" altLang="zh-CN" sz="2400" dirty="0">
+                <a:highlight>
+                  <a:srgbClr val="00FF00"/>
+                </a:highlight>
+              </a:rPr>
+              <a:t>=</a:t>
+            </a:r>
+            <a:r>
+              <a:rPr lang="en-US" altLang="zh-CN" sz="2400" dirty="0">
+                <a:highlight>
+                  <a:srgbClr val="FFFF00"/>
+                </a:highlight>
+              </a:rPr>
+              <a:t>actor</a:t>
+            </a:r>
+          </a:p>
+          <a:p>
+            <a:pPr marL="414726" indent="-414726">
+              <a:lnSpc>
+                <a:spcPct val="150000"/>
+              </a:lnSpc>
+              <a:buFont typeface="Wingdings" panose="05000000000000000000" pitchFamily="2" charset="2"/>
+              <a:buChar char="Ø"/>
+              <a:defRPr/>
+            </a:pPr>
+            <a:r>
+              <a:rPr lang="en-US" altLang="zh-CN" dirty="0"/>
+              <a:t>{"id":1,"status":true,"applyScope":"</a:t>
+            </a:r>
+            <a:r>
+              <a:rPr lang="en-US" altLang="zh-CN" dirty="0">
+                <a:highlight>
+                  <a:srgbClr val="00FFFF"/>
+                </a:highlight>
+              </a:rPr>
+              <a:t>actionStep</a:t>
+            </a:r>
+            <a:r>
+              <a:rPr lang="en-US" altLang="zh-CN" dirty="0"/>
+              <a:t>","simpleRules":[{"subject":"</a:t>
+            </a:r>
+            <a:r>
+              <a:rPr lang="en-US" altLang="zh-CN" dirty="0">
+                <a:solidFill>
+                  <a:srgbClr val="FF0000"/>
+                </a:solidFill>
+              </a:rPr>
+              <a:t>subject_Val</a:t>
+            </a:r>
+            <a:r>
+              <a:rPr lang="en-US" altLang="zh-CN" dirty="0"/>
+              <a:t>","operation":"in","</a:t>
+            </a:r>
+            <a:r>
+              <a:rPr lang="en-US" altLang="zh-CN" dirty="0" err="1"/>
+              <a:t>val</a:t>
+            </a:r>
+            <a:r>
+              <a:rPr lang="en-US" altLang="zh-CN" dirty="0"/>
+              <a:t>":["</a:t>
+            </a:r>
+            <a:r>
+              <a:rPr lang="en-US" altLang="zh-CN" dirty="0">
+                <a:highlight>
+                  <a:srgbClr val="00FFFF"/>
+                </a:highlight>
+              </a:rPr>
+              <a:t>the </a:t>
+            </a:r>
+            <a:r>
+              <a:rPr lang="en-US" altLang="zh-CN" dirty="0" err="1">
+                <a:highlight>
+                  <a:srgbClr val="00FFFF"/>
+                </a:highlight>
+              </a:rPr>
+              <a:t>system","$actor</a:t>
+            </a:r>
+            <a:r>
+              <a:rPr lang="en-US" altLang="zh-CN" dirty="0">
+                <a:highlight>
+                  <a:srgbClr val="00FFFF"/>
+                </a:highlight>
+              </a:rPr>
+              <a:t>","</a:t>
+            </a:r>
+            <a:r>
+              <a:rPr lang="zh-CN" altLang="en-US" dirty="0">
+                <a:highlight>
+                  <a:srgbClr val="00FFFF"/>
+                </a:highlight>
+              </a:rPr>
+              <a:t>系统</a:t>
+            </a:r>
+            <a:r>
+              <a:rPr lang="en-US" altLang="zh-CN" dirty="0"/>
+              <a:t>"]}</a:t>
+            </a:r>
+          </a:p>
+          <a:p>
+            <a:pPr marL="414726" indent="-414726">
+              <a:lnSpc>
+                <a:spcPct val="150000"/>
+              </a:lnSpc>
+              <a:buFont typeface="Wingdings" panose="05000000000000000000" pitchFamily="2" charset="2"/>
+              <a:buChar char="Ø"/>
+              <a:defRPr/>
+            </a:pPr>
+            <a:endParaRPr lang="en-US" altLang="zh-CN" dirty="0"/>
+          </a:p>
+          <a:p>
+            <a:endParaRPr lang="en-US" altLang="zh-CN" dirty="0"/>
+          </a:p>
+        </p:txBody>
+      </p:sp>
+    </p:spTree>
+    <p:extLst>
+      <p:ext uri="{BB962C8B-B14F-4D97-AF65-F5344CB8AC3E}">
+        <p14:creationId xmlns:p14="http://schemas.microsoft.com/office/powerpoint/2010/main" val="3791885971"/>
+      </p:ext>
+    </p:extLst>
+  </p:cSld>
+  <p:clrMapOvr>
+    <a:masterClrMapping/>
+  </p:clrMapOvr>
+</p:sld>
+</file>
+
+<file path=ppt/slides/slide19.xml><?xml version="1.0" encoding="utf-8"?>
+<p:sld xmlns:a="http://schemas.openxmlformats.org/drawingml/2006/main" xmlns:r="http://schemas.openxmlformats.org/officeDocument/2006/relationships" xmlns:p="http://schemas.openxmlformats.org/presentationml/2006/main">
+  <p:cSld>
+    <p:spTree>
+      <p:nvGrpSpPr>
+        <p:cNvPr id="1" name=""/>
+        <p:cNvGrpSpPr/>
+        <p:nvPr/>
+      </p:nvGrpSpPr>
+      <p:grpSpPr>
+        <a:xfrm>
+          <a:off x="0" y="0"/>
+          <a:ext cx="0" cy="0"/>
+          <a:chOff x="0" y="0"/>
+          <a:chExt cx="0" cy="0"/>
+        </a:xfrm>
+      </p:grpSpPr>
+      <p:sp>
+        <p:nvSpPr>
+          <p:cNvPr id="2" name="Title 1">
+            <a:extLst>
+              <a:ext uri="{FF2B5EF4-FFF2-40B4-BE49-F238E27FC236}">
+                <a16:creationId xmlns:a16="http://schemas.microsoft.com/office/drawing/2014/main" id="{8437494B-962A-4F09-BE08-7F6250F842E8}"/>
+              </a:ext>
+            </a:extLst>
+          </p:cNvPr>
+          <p:cNvSpPr>
+            <a:spLocks noGrp="1"/>
+          </p:cNvSpPr>
+          <p:nvPr>
+            <p:ph type="title"/>
+          </p:nvPr>
+        </p:nvSpPr>
+        <p:spPr/>
+        <p:txBody>
+          <a:bodyPr/>
+          <a:lstStyle/>
+          <a:p>
+            <a:r>
+              <a:rPr lang="zh-CN" altLang="en-US" dirty="0">
+                <a:solidFill>
+                  <a:srgbClr val="1F4E79"/>
+                </a:solidFill>
+              </a:rPr>
+              <a:t>需求设计：核心方法</a:t>
+            </a:r>
+            <a:r>
+              <a:rPr lang="en-US" altLang="zh-CN" dirty="0">
+                <a:solidFill>
+                  <a:srgbClr val="1F4E79"/>
+                </a:solidFill>
+              </a:rPr>
+              <a:t>check</a:t>
+            </a:r>
+            <a:endParaRPr lang="en-US" dirty="0"/>
+          </a:p>
+        </p:txBody>
+      </p:sp>
+      <p:pic>
+        <p:nvPicPr>
+          <p:cNvPr id="5" name="Picture 4">
+            <a:extLst>
+              <a:ext uri="{FF2B5EF4-FFF2-40B4-BE49-F238E27FC236}">
+                <a16:creationId xmlns:a16="http://schemas.microsoft.com/office/drawing/2014/main" id="{7DB55308-0425-4E3F-B760-6DA3475E73DD}"/>
+              </a:ext>
+            </a:extLst>
+          </p:cNvPr>
+          <p:cNvPicPr>
+            <a:picLocks noChangeAspect="1"/>
+          </p:cNvPicPr>
+          <p:nvPr/>
+        </p:nvPicPr>
+        <p:blipFill rotWithShape="1">
+          <a:blip r:embed="rId2">
+            <a:extLst>
+              <a:ext uri="{28A0092B-C50C-407E-A947-70E740481C1C}">
+                <a14:useLocalDpi xmlns:a14="http://schemas.microsoft.com/office/drawing/2010/main" val="0"/>
+              </a:ext>
+            </a:extLst>
+          </a:blip>
+          <a:srcRect r="36485" b="43721"/>
+          <a:stretch/>
+        </p:blipFill>
+        <p:spPr>
+          <a:xfrm>
+            <a:off x="2010881" y="1552465"/>
+            <a:ext cx="4910914" cy="4806639"/>
+          </a:xfrm>
+          <a:prstGeom prst="rect">
+            <a:avLst/>
+          </a:prstGeom>
+        </p:spPr>
+      </p:pic>
+      <p:sp>
+        <p:nvSpPr>
+          <p:cNvPr id="6" name="Rectangle 5">
+            <a:extLst>
+              <a:ext uri="{FF2B5EF4-FFF2-40B4-BE49-F238E27FC236}">
+                <a16:creationId xmlns:a16="http://schemas.microsoft.com/office/drawing/2014/main" id="{AB2DF79B-0595-4415-9B68-C9E907FA1F2E}"/>
+              </a:ext>
+            </a:extLst>
+          </p:cNvPr>
+          <p:cNvSpPr/>
+          <p:nvPr/>
+        </p:nvSpPr>
+        <p:spPr>
+          <a:xfrm>
+            <a:off x="5720313" y="2414885"/>
+            <a:ext cx="4572000" cy="523220"/>
+          </a:xfrm>
+          <a:prstGeom prst="rect">
+            <a:avLst/>
+          </a:prstGeom>
+        </p:spPr>
+        <p:txBody>
+          <a:bodyPr>
+            <a:spAutoFit/>
+          </a:bodyPr>
+          <a:lstStyle/>
+          <a:p>
+            <a:pPr lvl="1"/>
+            <a:r>
+              <a:rPr lang="zh-CN" altLang="en-US" sz="2800" dirty="0">
+                <a:highlight>
+                  <a:srgbClr val="FFFF00"/>
+                </a:highlight>
+              </a:rPr>
+              <a:t>检查约束</a:t>
+            </a:r>
+            <a:endParaRPr lang="en-US" sz="2800" dirty="0">
+              <a:highlight>
+                <a:srgbClr val="FFFF00"/>
+              </a:highlight>
+            </a:endParaRPr>
+          </a:p>
+        </p:txBody>
+      </p:sp>
+      <p:sp>
+        <p:nvSpPr>
+          <p:cNvPr id="8" name="Rectangle 7">
+            <a:extLst>
+              <a:ext uri="{FF2B5EF4-FFF2-40B4-BE49-F238E27FC236}">
+                <a16:creationId xmlns:a16="http://schemas.microsoft.com/office/drawing/2014/main" id="{02B13218-8A56-44E7-B344-D468A79F1122}"/>
+              </a:ext>
+            </a:extLst>
+          </p:cNvPr>
+          <p:cNvSpPr/>
+          <p:nvPr/>
+        </p:nvSpPr>
+        <p:spPr>
+          <a:xfrm>
+            <a:off x="521675" y="4039260"/>
+            <a:ext cx="2082621" cy="523220"/>
+          </a:xfrm>
+          <a:prstGeom prst="rect">
+            <a:avLst/>
+          </a:prstGeom>
+        </p:spPr>
+        <p:txBody>
+          <a:bodyPr wrap="none">
+            <a:spAutoFit/>
+          </a:bodyPr>
+          <a:lstStyle/>
+          <a:p>
+            <a:pPr lvl="1"/>
+            <a:r>
+              <a:rPr lang="zh-CN" altLang="en-US" sz="2800" dirty="0">
+                <a:highlight>
+                  <a:srgbClr val="00FFFF"/>
+                </a:highlight>
+              </a:rPr>
+              <a:t>检查范围</a:t>
+            </a:r>
+            <a:endParaRPr lang="en-US" altLang="zh-CN" sz="2800" dirty="0">
+              <a:highlight>
+                <a:srgbClr val="00FFFF"/>
+              </a:highlight>
+            </a:endParaRPr>
+          </a:p>
+        </p:txBody>
+      </p:sp>
+      <p:sp>
+        <p:nvSpPr>
+          <p:cNvPr id="9" name="Rectangle 8">
+            <a:extLst>
+              <a:ext uri="{FF2B5EF4-FFF2-40B4-BE49-F238E27FC236}">
+                <a16:creationId xmlns:a16="http://schemas.microsoft.com/office/drawing/2014/main" id="{90465EFD-5EBE-4FB1-BCCE-0ECF5167560D}"/>
+              </a:ext>
+            </a:extLst>
+          </p:cNvPr>
+          <p:cNvSpPr/>
+          <p:nvPr/>
+        </p:nvSpPr>
+        <p:spPr>
+          <a:xfrm>
+            <a:off x="119613" y="2149796"/>
+            <a:ext cx="2082621" cy="523220"/>
+          </a:xfrm>
+          <a:prstGeom prst="rect">
+            <a:avLst/>
+          </a:prstGeom>
+        </p:spPr>
+        <p:txBody>
+          <a:bodyPr wrap="none">
+            <a:spAutoFit/>
+          </a:bodyPr>
+          <a:lstStyle/>
+          <a:p>
+            <a:pPr lvl="1"/>
+            <a:r>
+              <a:rPr lang="zh-CN" altLang="en-US" sz="2800" dirty="0">
+                <a:solidFill>
+                  <a:srgbClr val="FF0000"/>
+                </a:solidFill>
+              </a:rPr>
+              <a:t>检查主题</a:t>
+            </a:r>
+            <a:endParaRPr lang="en-US" altLang="zh-CN" sz="2800" dirty="0">
+              <a:solidFill>
+                <a:srgbClr val="FF0000"/>
+              </a:solidFill>
+            </a:endParaRPr>
+          </a:p>
+        </p:txBody>
+      </p:sp>
+      <p:sp>
+        <p:nvSpPr>
+          <p:cNvPr id="10" name="Rectangle 9">
+            <a:extLst>
+              <a:ext uri="{FF2B5EF4-FFF2-40B4-BE49-F238E27FC236}">
+                <a16:creationId xmlns:a16="http://schemas.microsoft.com/office/drawing/2014/main" id="{9F538483-4012-40FE-8008-137975600A41}"/>
+              </a:ext>
+            </a:extLst>
+          </p:cNvPr>
+          <p:cNvSpPr/>
+          <p:nvPr/>
+        </p:nvSpPr>
+        <p:spPr>
+          <a:xfrm>
+            <a:off x="2840790" y="1582653"/>
+            <a:ext cx="2441694" cy="523220"/>
+          </a:xfrm>
+          <a:prstGeom prst="rect">
+            <a:avLst/>
+          </a:prstGeom>
+        </p:spPr>
+        <p:txBody>
+          <a:bodyPr wrap="none">
+            <a:spAutoFit/>
+          </a:bodyPr>
+          <a:lstStyle/>
+          <a:p>
+            <a:pPr lvl="1"/>
+            <a:r>
+              <a:rPr lang="zh-CN" altLang="en-US" sz="2800" dirty="0">
+                <a:highlight>
+                  <a:srgbClr val="00FF00"/>
+                </a:highlight>
+              </a:rPr>
+              <a:t>检查约束值</a:t>
+            </a:r>
+            <a:endParaRPr lang="en-US" altLang="zh-CN" sz="2800" dirty="0">
+              <a:highlight>
+                <a:srgbClr val="00FF00"/>
+              </a:highlight>
+            </a:endParaRPr>
+          </a:p>
+        </p:txBody>
+      </p:sp>
+    </p:spTree>
+    <p:extLst>
+      <p:ext uri="{BB962C8B-B14F-4D97-AF65-F5344CB8AC3E}">
+        <p14:creationId xmlns:p14="http://schemas.microsoft.com/office/powerpoint/2010/main" val="1263596551"/>
+      </p:ext>
+    </p:extLst>
+  </p:cSld>
+  <p:clrMapOvr>
+    <a:masterClrMapping/>
+  </p:clrMapOvr>
+</p:sld>
+</file>
+
+<file path=ppt/slides/slide2.xml><?xml version="1.0" encoding="utf-8"?>
+<p:sld xmlns:a="http://schemas.openxmlformats.org/drawingml/2006/main" xmlns:r="http://schemas.openxmlformats.org/officeDocument/2006/relationships" xmlns:p="http://schemas.openxmlformats.org/presentationml/2006/main">
+  <p:cSld>
+    <p:spTree>
+      <p:nvGrpSpPr>
+        <p:cNvPr id="1" name=""/>
+        <p:cNvGrpSpPr/>
+        <p:nvPr/>
+      </p:nvGrpSpPr>
+      <p:grpSpPr>
+        <a:xfrm>
+          <a:off x="0" y="0"/>
+          <a:ext cx="0" cy="0"/>
+          <a:chOff x="0" y="0"/>
+          <a:chExt cx="0" cy="0"/>
+        </a:xfrm>
+      </p:grpSpPr>
+      <p:sp>
+        <p:nvSpPr>
+          <p:cNvPr id="2" name="标题 1">
+            <a:extLst>
+              <a:ext uri="{FF2B5EF4-FFF2-40B4-BE49-F238E27FC236}">
+                <a16:creationId xmlns:a16="http://schemas.microsoft.com/office/drawing/2014/main" id="{C904A2F8-F51B-4DC9-9FAF-03193387DE9A}"/>
+              </a:ext>
+            </a:extLst>
+          </p:cNvPr>
+          <p:cNvSpPr>
+            <a:spLocks noGrp="1"/>
+          </p:cNvSpPr>
+          <p:nvPr>
+            <p:ph type="title"/>
+          </p:nvPr>
+        </p:nvSpPr>
+        <p:spPr/>
+        <p:txBody>
+          <a:bodyPr/>
+          <a:lstStyle/>
+          <a:p>
+            <a:r>
+              <a:rPr lang="zh-CN" altLang="en-US" dirty="0"/>
+              <a:t>团队构成</a:t>
+            </a:r>
+          </a:p>
+        </p:txBody>
+      </p:sp>
+      <p:sp>
+        <p:nvSpPr>
+          <p:cNvPr id="3" name="内容占位符 2">
+            <a:extLst>
+              <a:ext uri="{FF2B5EF4-FFF2-40B4-BE49-F238E27FC236}">
+                <a16:creationId xmlns:a16="http://schemas.microsoft.com/office/drawing/2014/main" id="{1602FBE1-4DEE-4ABE-920C-A3D6D4006152}"/>
+              </a:ext>
+            </a:extLst>
+          </p:cNvPr>
+          <p:cNvSpPr>
+            <a:spLocks noGrp="1"/>
+          </p:cNvSpPr>
+          <p:nvPr>
+            <p:ph idx="1"/>
+          </p:nvPr>
+        </p:nvSpPr>
+        <p:spPr/>
+        <p:txBody>
+          <a:bodyPr/>
+          <a:lstStyle/>
+          <a:p>
+            <a:pPr>
+              <a:buFont typeface="Wingdings" panose="05000000000000000000" pitchFamily="2" charset="2"/>
+              <a:buChar char="Ø"/>
+            </a:pPr>
+            <a:r>
+              <a:rPr lang="en-US" altLang="zh-CN" sz="3600" dirty="0"/>
+              <a:t>Mentor</a:t>
+            </a:r>
+            <a:r>
+              <a:rPr lang="zh-CN" altLang="en-US" sz="3600" dirty="0"/>
+              <a:t>：刘凯齐师兄</a:t>
+            </a:r>
+            <a:endParaRPr lang="en-US" altLang="zh-CN" sz="3600" dirty="0"/>
+          </a:p>
+          <a:p>
+            <a:pPr>
+              <a:buFont typeface="Wingdings" panose="05000000000000000000" pitchFamily="2" charset="2"/>
+              <a:buChar char="Ø"/>
+            </a:pPr>
+            <a:r>
+              <a:rPr lang="zh-CN" altLang="en-US" sz="3600" dirty="0"/>
+              <a:t>成员：</a:t>
+            </a:r>
+            <a:endParaRPr lang="en-US" altLang="zh-CN" sz="3600" dirty="0"/>
+          </a:p>
+          <a:p>
+            <a:pPr lvl="1"/>
+            <a:r>
+              <a:rPr lang="en-US" altLang="zh-CN" sz="3200" dirty="0"/>
+              <a:t>ZY1806707 </a:t>
+            </a:r>
+            <a:r>
+              <a:rPr lang="zh-CN" altLang="en-US" sz="3200" dirty="0"/>
+              <a:t>石发强</a:t>
+            </a:r>
+            <a:endParaRPr lang="en-US" altLang="zh-CN" sz="3200" dirty="0"/>
+          </a:p>
+          <a:p>
+            <a:pPr lvl="1"/>
+            <a:r>
+              <a:rPr lang="en-US" altLang="zh-CN" sz="3200" dirty="0"/>
+              <a:t>ZY1806402 </a:t>
+            </a:r>
+            <a:r>
+              <a:rPr lang="zh-CN" altLang="en-US" sz="3200" dirty="0"/>
+              <a:t>陈泽年</a:t>
+            </a:r>
+            <a:endParaRPr lang="en-US" altLang="zh-CN" sz="3200" dirty="0"/>
+          </a:p>
+          <a:p>
+            <a:pPr lvl="1"/>
+            <a:r>
+              <a:rPr lang="en-US" altLang="zh-CN" sz="3200" dirty="0"/>
+              <a:t>ZY1806705 </a:t>
+            </a:r>
+            <a:r>
+              <a:rPr lang="zh-CN" altLang="en-US" sz="3200" dirty="0"/>
+              <a:t>梁保宇</a:t>
+            </a:r>
+            <a:endParaRPr lang="en-US" altLang="zh-CN" sz="3200" dirty="0"/>
+          </a:p>
+          <a:p>
+            <a:pPr lvl="1"/>
+            <a:r>
+              <a:rPr lang="en-US" altLang="zh-CN" sz="3200" dirty="0"/>
+              <a:t>ZY1806711 </a:t>
+            </a:r>
+            <a:r>
+              <a:rPr lang="zh-CN" altLang="en-US" sz="3200" dirty="0"/>
+              <a:t>杨    森</a:t>
+            </a:r>
+            <a:endParaRPr lang="en-US" altLang="zh-CN" sz="3200" dirty="0"/>
+          </a:p>
+          <a:p>
+            <a:pPr lvl="1"/>
+            <a:r>
+              <a:rPr lang="en-US" altLang="zh-CN" sz="3200" dirty="0"/>
+              <a:t>ZY1806501 </a:t>
+            </a:r>
+            <a:r>
+              <a:rPr lang="zh-CN" altLang="en-US" sz="3200" dirty="0"/>
+              <a:t>黄子粤</a:t>
+            </a:r>
+            <a:endParaRPr lang="en-US" altLang="zh-CN" sz="3200" dirty="0"/>
+          </a:p>
+        </p:txBody>
+      </p:sp>
+    </p:spTree>
+    <p:extLst>
+      <p:ext uri="{BB962C8B-B14F-4D97-AF65-F5344CB8AC3E}">
+        <p14:creationId xmlns:p14="http://schemas.microsoft.com/office/powerpoint/2010/main" val="913399379"/>
+      </p:ext>
+    </p:extLst>
+  </p:cSld>
+  <p:clrMapOvr>
+    <a:masterClrMapping/>
+  </p:clrMapOvr>
+</p:sld>
+</file>
+
+<file path=ppt/slides/slide20.xml><?xml version="1.0" encoding="utf-8"?>
+<p:sld xmlns:a="http://schemas.openxmlformats.org/drawingml/2006/main" xmlns:r="http://schemas.openxmlformats.org/officeDocument/2006/relationships" xmlns:p="http://schemas.openxmlformats.org/presentationml/2006/main">
+  <p:cSld>
+    <p:spTree>
+      <p:nvGrpSpPr>
+        <p:cNvPr id="1" name=""/>
+        <p:cNvGrpSpPr/>
+        <p:nvPr/>
+      </p:nvGrpSpPr>
+      <p:grpSpPr>
+        <a:xfrm>
+          <a:off x="0" y="0"/>
+          <a:ext cx="0" cy="0"/>
+          <a:chOff x="0" y="0"/>
+          <a:chExt cx="0" cy="0"/>
+        </a:xfrm>
+      </p:grpSpPr>
+      <p:sp>
+        <p:nvSpPr>
+          <p:cNvPr id="2" name="Title 1">
+            <a:extLst>
+              <a:ext uri="{FF2B5EF4-FFF2-40B4-BE49-F238E27FC236}">
+                <a16:creationId xmlns:a16="http://schemas.microsoft.com/office/drawing/2014/main" id="{AA27C319-B581-4B34-B955-F6C0B3BD6128}"/>
+              </a:ext>
+            </a:extLst>
+          </p:cNvPr>
+          <p:cNvSpPr>
+            <a:spLocks noGrp="1"/>
+          </p:cNvSpPr>
+          <p:nvPr>
+            <p:ph type="title"/>
+          </p:nvPr>
+        </p:nvSpPr>
+        <p:spPr/>
+        <p:txBody>
+          <a:bodyPr/>
+          <a:lstStyle/>
+          <a:p>
+            <a:r>
+              <a:rPr lang="zh-CN" altLang="en-US" dirty="0">
+                <a:solidFill>
+                  <a:srgbClr val="1F4E79"/>
+                </a:solidFill>
+              </a:rPr>
+              <a:t>需求设计：核心方法</a:t>
+            </a:r>
+            <a:r>
+              <a:rPr lang="en-US" altLang="zh-CN" dirty="0">
+                <a:solidFill>
+                  <a:srgbClr val="1F4E79"/>
+                </a:solidFill>
+              </a:rPr>
+              <a:t>check</a:t>
+            </a:r>
+            <a:endParaRPr lang="en-US" dirty="0"/>
+          </a:p>
+        </p:txBody>
+      </p:sp>
+      <p:sp>
+        <p:nvSpPr>
+          <p:cNvPr id="3" name="Content Placeholder 2">
+            <a:extLst>
+              <a:ext uri="{FF2B5EF4-FFF2-40B4-BE49-F238E27FC236}">
+                <a16:creationId xmlns:a16="http://schemas.microsoft.com/office/drawing/2014/main" id="{1EF59E85-387F-42F7-A2CA-AF0BD94625E4}"/>
+              </a:ext>
+            </a:extLst>
+          </p:cNvPr>
+          <p:cNvSpPr>
+            <a:spLocks noGrp="1"/>
+          </p:cNvSpPr>
+          <p:nvPr>
+            <p:ph idx="1"/>
+          </p:nvPr>
+        </p:nvSpPr>
+        <p:spPr/>
+        <p:txBody>
+          <a:bodyPr/>
+          <a:lstStyle/>
+          <a:p>
+            <a:r>
+              <a:rPr lang="zh-CN" altLang="en-US" dirty="0"/>
+              <a:t>两个问题</a:t>
+            </a:r>
+            <a:endParaRPr lang="en-US" altLang="zh-CN" dirty="0"/>
+          </a:p>
+          <a:p>
+            <a:r>
+              <a:rPr lang="zh-CN" altLang="en-US" dirty="0"/>
+              <a:t>有没有规则是不能表达为</a:t>
+            </a:r>
+            <a:r>
+              <a:rPr lang="en-US" altLang="zh-CN" dirty="0"/>
+              <a:t>A</a:t>
+            </a:r>
+            <a:r>
+              <a:rPr lang="zh-CN" altLang="en-US" dirty="0"/>
+              <a:t>是不是</a:t>
+            </a:r>
+            <a:r>
+              <a:rPr lang="en-US" altLang="zh-CN" dirty="0"/>
+              <a:t>B</a:t>
+            </a:r>
+            <a:r>
+              <a:rPr lang="zh-CN" altLang="en-US" dirty="0"/>
+              <a:t>的形式？</a:t>
+            </a:r>
+            <a:endParaRPr lang="en-US" altLang="zh-CN" dirty="0"/>
+          </a:p>
+          <a:p>
+            <a:pPr lvl="1"/>
+            <a:r>
+              <a:rPr lang="zh-CN" altLang="en-US" dirty="0"/>
+              <a:t>主语和宾语不能同时为</a:t>
+            </a:r>
+            <a:r>
+              <a:rPr lang="en-US" altLang="zh-CN" dirty="0"/>
+              <a:t>actor</a:t>
+            </a:r>
+          </a:p>
+          <a:p>
+            <a:pPr lvl="1"/>
+            <a:r>
+              <a:rPr lang="en-US" altLang="zh-CN" dirty="0"/>
+              <a:t>Rule-&gt;(</a:t>
+            </a:r>
+            <a:r>
+              <a:rPr lang="en-US" altLang="zh-CN" dirty="0" err="1"/>
+              <a:t>complexRule</a:t>
+            </a:r>
+            <a:r>
+              <a:rPr lang="en-US" altLang="zh-CN" dirty="0"/>
+              <a:t> + </a:t>
+            </a:r>
+            <a:r>
+              <a:rPr lang="en-US" altLang="zh-CN" dirty="0" err="1"/>
+              <a:t>SimpleRule</a:t>
+            </a:r>
+            <a:r>
+              <a:rPr lang="en-US" altLang="zh-CN" dirty="0"/>
+              <a:t>)</a:t>
+            </a:r>
+          </a:p>
+          <a:p>
+            <a:pPr lvl="1"/>
+            <a:r>
+              <a:rPr lang="en-US" altLang="zh-CN" dirty="0"/>
+              <a:t>Result= </a:t>
+            </a:r>
+            <a:r>
+              <a:rPr lang="zh-CN" altLang="en-US" dirty="0"/>
+              <a:t>（主语！</a:t>
+            </a:r>
+            <a:r>
+              <a:rPr lang="en-US" altLang="zh-CN" dirty="0"/>
+              <a:t>=actor </a:t>
+            </a:r>
+            <a:r>
+              <a:rPr lang="zh-CN" altLang="en-US" dirty="0"/>
+              <a:t>）</a:t>
+            </a:r>
+            <a:r>
+              <a:rPr lang="en-US" altLang="zh-CN" dirty="0"/>
+              <a:t>&amp;</a:t>
+            </a:r>
+            <a:r>
+              <a:rPr lang="zh-CN" altLang="en-US" dirty="0"/>
+              <a:t>（宾语！</a:t>
+            </a:r>
+            <a:r>
+              <a:rPr lang="en-US" altLang="zh-CN" dirty="0"/>
+              <a:t>=actor</a:t>
+            </a:r>
+            <a:r>
+              <a:rPr lang="zh-CN" altLang="en-US" dirty="0"/>
+              <a:t>）</a:t>
+            </a:r>
+            <a:endParaRPr lang="en-US" altLang="zh-CN" dirty="0"/>
+          </a:p>
+          <a:p>
+            <a:r>
+              <a:rPr lang="zh-CN" altLang="en-US" dirty="0"/>
+              <a:t>有没有什么约束值是因</a:t>
+            </a:r>
+            <a:r>
+              <a:rPr lang="en-US" altLang="zh-CN" dirty="0" err="1"/>
+              <a:t>rucm</a:t>
+            </a:r>
+            <a:r>
+              <a:rPr lang="zh-CN" altLang="en-US" dirty="0"/>
+              <a:t>不同而不同的？</a:t>
+            </a:r>
+            <a:endParaRPr lang="en-US" altLang="zh-CN" dirty="0"/>
+          </a:p>
+          <a:p>
+            <a:pPr lvl="1"/>
+            <a:r>
+              <a:rPr lang="zh-CN" altLang="en-US" dirty="0"/>
+              <a:t>针对规则对于所有动作语句，主语必须是</a:t>
+            </a:r>
+            <a:r>
+              <a:rPr lang="en-US" altLang="zh-CN" dirty="0">
+                <a:solidFill>
+                  <a:srgbClr val="FF0000"/>
+                </a:solidFill>
+              </a:rPr>
+              <a:t>actor</a:t>
+            </a:r>
+            <a:r>
+              <a:rPr lang="zh-CN" altLang="en-US" dirty="0"/>
+              <a:t>或者系统</a:t>
+            </a:r>
+            <a:endParaRPr lang="en-US" altLang="zh-CN" dirty="0"/>
+          </a:p>
+          <a:p>
+            <a:pPr lvl="1"/>
+            <a:r>
+              <a:rPr lang="zh-CN" altLang="en-US" dirty="0"/>
+              <a:t>列表动态填充</a:t>
+            </a:r>
+            <a:r>
+              <a:rPr lang="en-US" altLang="zh-CN" dirty="0" err="1"/>
+              <a:t>SimpleRule</a:t>
+            </a:r>
+            <a:r>
+              <a:rPr lang="en-US" altLang="zh-CN" dirty="0"/>
+              <a:t>::</a:t>
+            </a:r>
+            <a:r>
+              <a:rPr lang="en-US" altLang="zh-CN" dirty="0" err="1"/>
+              <a:t>DynamicFill</a:t>
+            </a:r>
+            <a:endParaRPr lang="zh-CN" altLang="en-US" dirty="0"/>
+          </a:p>
+          <a:p>
+            <a:endParaRPr lang="en-US" dirty="0"/>
+          </a:p>
+        </p:txBody>
+      </p:sp>
+    </p:spTree>
+    <p:extLst>
+      <p:ext uri="{BB962C8B-B14F-4D97-AF65-F5344CB8AC3E}">
+        <p14:creationId xmlns:p14="http://schemas.microsoft.com/office/powerpoint/2010/main" val="92606868"/>
+      </p:ext>
+    </p:extLst>
+  </p:cSld>
+  <p:clrMapOvr>
+    <a:masterClrMapping/>
+  </p:clrMapOvr>
+</p:sld>
+</file>
+
+<file path=ppt/slides/slide21.xml><?xml version="1.0" encoding="utf-8"?>
+<p:sld xmlns:a="http://schemas.openxmlformats.org/drawingml/2006/main" xmlns:r="http://schemas.openxmlformats.org/officeDocument/2006/relationships" xmlns:p="http://schemas.openxmlformats.org/presentationml/2006/main">
+  <p:cSld>
+    <p:spTree>
+      <p:nvGrpSpPr>
+        <p:cNvPr id="1" name=""/>
+        <p:cNvGrpSpPr/>
+        <p:nvPr/>
+      </p:nvGrpSpPr>
+      <p:grpSpPr>
+        <a:xfrm>
+          <a:off x="0" y="0"/>
+          <a:ext cx="0" cy="0"/>
+          <a:chOff x="0" y="0"/>
+          <a:chExt cx="0" cy="0"/>
+        </a:xfrm>
+      </p:grpSpPr>
+      <p:sp>
+        <p:nvSpPr>
+          <p:cNvPr id="2" name="Title 1">
+            <a:extLst>
+              <a:ext uri="{FF2B5EF4-FFF2-40B4-BE49-F238E27FC236}">
+                <a16:creationId xmlns:a16="http://schemas.microsoft.com/office/drawing/2014/main" id="{8437494B-962A-4F09-BE08-7F6250F842E8}"/>
+              </a:ext>
+            </a:extLst>
+          </p:cNvPr>
+          <p:cNvSpPr>
+            <a:spLocks noGrp="1"/>
+          </p:cNvSpPr>
+          <p:nvPr>
+            <p:ph type="title"/>
+          </p:nvPr>
+        </p:nvSpPr>
+        <p:spPr/>
+        <p:txBody>
+          <a:bodyPr/>
+          <a:lstStyle/>
+          <a:p>
+            <a:r>
+              <a:rPr lang="zh-CN" altLang="en-US" dirty="0">
+                <a:solidFill>
+                  <a:srgbClr val="1F4E79"/>
+                </a:solidFill>
+              </a:rPr>
+              <a:t>需求设计：核心方法</a:t>
+            </a:r>
+            <a:r>
+              <a:rPr lang="en-US" altLang="zh-CN" dirty="0">
+                <a:solidFill>
+                  <a:srgbClr val="1F4E79"/>
+                </a:solidFill>
+              </a:rPr>
+              <a:t>check</a:t>
+            </a:r>
+            <a:endParaRPr lang="en-US" dirty="0"/>
+          </a:p>
+        </p:txBody>
+      </p:sp>
+      <p:pic>
+        <p:nvPicPr>
+          <p:cNvPr id="5" name="Picture 4">
+            <a:extLst>
+              <a:ext uri="{FF2B5EF4-FFF2-40B4-BE49-F238E27FC236}">
+                <a16:creationId xmlns:a16="http://schemas.microsoft.com/office/drawing/2014/main" id="{7DB55308-0425-4E3F-B760-6DA3475E73DD}"/>
+              </a:ext>
+            </a:extLst>
+          </p:cNvPr>
+          <p:cNvPicPr>
+            <a:picLocks noChangeAspect="1"/>
+          </p:cNvPicPr>
+          <p:nvPr/>
+        </p:nvPicPr>
+        <p:blipFill rotWithShape="1">
+          <a:blip r:embed="rId2">
+            <a:extLst>
+              <a:ext uri="{28A0092B-C50C-407E-A947-70E740481C1C}">
+                <a14:useLocalDpi xmlns:a14="http://schemas.microsoft.com/office/drawing/2010/main" val="0"/>
+              </a:ext>
+            </a:extLst>
+          </a:blip>
+          <a:srcRect r="36485" b="43721"/>
+          <a:stretch/>
+        </p:blipFill>
+        <p:spPr>
+          <a:xfrm>
+            <a:off x="2010881" y="1552465"/>
+            <a:ext cx="4910914" cy="4806639"/>
+          </a:xfrm>
+          <a:prstGeom prst="rect">
+            <a:avLst/>
+          </a:prstGeom>
+        </p:spPr>
+      </p:pic>
+      <p:sp>
+        <p:nvSpPr>
+          <p:cNvPr id="6" name="Rectangle 5">
+            <a:extLst>
+              <a:ext uri="{FF2B5EF4-FFF2-40B4-BE49-F238E27FC236}">
+                <a16:creationId xmlns:a16="http://schemas.microsoft.com/office/drawing/2014/main" id="{AB2DF79B-0595-4415-9B68-C9E907FA1F2E}"/>
+              </a:ext>
+            </a:extLst>
+          </p:cNvPr>
+          <p:cNvSpPr/>
+          <p:nvPr/>
+        </p:nvSpPr>
+        <p:spPr>
+          <a:xfrm>
+            <a:off x="5720313" y="2414885"/>
+            <a:ext cx="4572000" cy="523220"/>
+          </a:xfrm>
+          <a:prstGeom prst="rect">
+            <a:avLst/>
+          </a:prstGeom>
+        </p:spPr>
+        <p:txBody>
+          <a:bodyPr>
+            <a:spAutoFit/>
+          </a:bodyPr>
+          <a:lstStyle/>
+          <a:p>
+            <a:pPr lvl="1"/>
+            <a:r>
+              <a:rPr lang="zh-CN" altLang="en-US" sz="2800" dirty="0">
+                <a:highlight>
+                  <a:srgbClr val="FFFF00"/>
+                </a:highlight>
+              </a:rPr>
+              <a:t>检查约束</a:t>
+            </a:r>
+            <a:endParaRPr lang="en-US" sz="2800" dirty="0">
+              <a:highlight>
+                <a:srgbClr val="FFFF00"/>
+              </a:highlight>
+            </a:endParaRPr>
+          </a:p>
+        </p:txBody>
+      </p:sp>
+      <p:sp>
+        <p:nvSpPr>
+          <p:cNvPr id="8" name="Rectangle 7">
+            <a:extLst>
+              <a:ext uri="{FF2B5EF4-FFF2-40B4-BE49-F238E27FC236}">
+                <a16:creationId xmlns:a16="http://schemas.microsoft.com/office/drawing/2014/main" id="{02B13218-8A56-44E7-B344-D468A79F1122}"/>
+              </a:ext>
+            </a:extLst>
+          </p:cNvPr>
+          <p:cNvSpPr/>
+          <p:nvPr/>
+        </p:nvSpPr>
+        <p:spPr>
+          <a:xfrm>
+            <a:off x="521675" y="4039260"/>
+            <a:ext cx="2082621" cy="523220"/>
+          </a:xfrm>
+          <a:prstGeom prst="rect">
+            <a:avLst/>
+          </a:prstGeom>
+        </p:spPr>
+        <p:txBody>
+          <a:bodyPr wrap="none">
+            <a:spAutoFit/>
+          </a:bodyPr>
+          <a:lstStyle/>
+          <a:p>
+            <a:pPr lvl="1"/>
+            <a:r>
+              <a:rPr lang="zh-CN" altLang="en-US" sz="2800" dirty="0">
+                <a:highlight>
+                  <a:srgbClr val="00FFFF"/>
+                </a:highlight>
+              </a:rPr>
+              <a:t>检查范围</a:t>
+            </a:r>
+            <a:endParaRPr lang="en-US" altLang="zh-CN" sz="2800" dirty="0">
+              <a:highlight>
+                <a:srgbClr val="00FFFF"/>
+              </a:highlight>
+            </a:endParaRPr>
+          </a:p>
+        </p:txBody>
+      </p:sp>
+      <p:sp>
+        <p:nvSpPr>
+          <p:cNvPr id="9" name="Rectangle 8">
+            <a:extLst>
+              <a:ext uri="{FF2B5EF4-FFF2-40B4-BE49-F238E27FC236}">
+                <a16:creationId xmlns:a16="http://schemas.microsoft.com/office/drawing/2014/main" id="{90465EFD-5EBE-4FB1-BCCE-0ECF5167560D}"/>
+              </a:ext>
+            </a:extLst>
+          </p:cNvPr>
+          <p:cNvSpPr/>
+          <p:nvPr/>
+        </p:nvSpPr>
+        <p:spPr>
+          <a:xfrm>
+            <a:off x="119613" y="2149796"/>
+            <a:ext cx="2082621" cy="523220"/>
+          </a:xfrm>
+          <a:prstGeom prst="rect">
+            <a:avLst/>
+          </a:prstGeom>
+        </p:spPr>
+        <p:txBody>
+          <a:bodyPr wrap="none">
+            <a:spAutoFit/>
+          </a:bodyPr>
+          <a:lstStyle/>
+          <a:p>
+            <a:pPr lvl="1"/>
+            <a:r>
+              <a:rPr lang="zh-CN" altLang="en-US" sz="2800" dirty="0">
+                <a:solidFill>
+                  <a:srgbClr val="FF0000"/>
+                </a:solidFill>
+              </a:rPr>
+              <a:t>检查主题</a:t>
+            </a:r>
+            <a:endParaRPr lang="en-US" altLang="zh-CN" sz="2800" dirty="0">
+              <a:solidFill>
+                <a:srgbClr val="FF0000"/>
+              </a:solidFill>
+            </a:endParaRPr>
+          </a:p>
+        </p:txBody>
+      </p:sp>
+      <p:sp>
+        <p:nvSpPr>
+          <p:cNvPr id="10" name="Rectangle 9">
+            <a:extLst>
+              <a:ext uri="{FF2B5EF4-FFF2-40B4-BE49-F238E27FC236}">
+                <a16:creationId xmlns:a16="http://schemas.microsoft.com/office/drawing/2014/main" id="{9F538483-4012-40FE-8008-137975600A41}"/>
+              </a:ext>
+            </a:extLst>
+          </p:cNvPr>
+          <p:cNvSpPr/>
+          <p:nvPr/>
+        </p:nvSpPr>
+        <p:spPr>
+          <a:xfrm>
+            <a:off x="2840790" y="1582653"/>
+            <a:ext cx="2441694" cy="523220"/>
+          </a:xfrm>
+          <a:prstGeom prst="rect">
+            <a:avLst/>
+          </a:prstGeom>
+        </p:spPr>
+        <p:txBody>
+          <a:bodyPr wrap="none">
+            <a:spAutoFit/>
+          </a:bodyPr>
+          <a:lstStyle/>
+          <a:p>
+            <a:pPr lvl="1"/>
+            <a:r>
+              <a:rPr lang="zh-CN" altLang="en-US" sz="2800" dirty="0">
+                <a:highlight>
+                  <a:srgbClr val="00FF00"/>
+                </a:highlight>
+              </a:rPr>
+              <a:t>检查约束值</a:t>
+            </a:r>
+            <a:endParaRPr lang="en-US" altLang="zh-CN" sz="2800" dirty="0">
+              <a:highlight>
+                <a:srgbClr val="00FF00"/>
+              </a:highlight>
+            </a:endParaRPr>
+          </a:p>
+        </p:txBody>
+      </p:sp>
+      <p:sp>
+        <p:nvSpPr>
+          <p:cNvPr id="11" name="Rectangle 10">
+            <a:extLst>
+              <a:ext uri="{FF2B5EF4-FFF2-40B4-BE49-F238E27FC236}">
+                <a16:creationId xmlns:a16="http://schemas.microsoft.com/office/drawing/2014/main" id="{0C8B548C-9B26-44A2-BB07-5F31AF5CE1E0}"/>
+              </a:ext>
+            </a:extLst>
+          </p:cNvPr>
+          <p:cNvSpPr/>
+          <p:nvPr/>
+        </p:nvSpPr>
+        <p:spPr>
+          <a:xfrm>
+            <a:off x="6126361" y="4046375"/>
+            <a:ext cx="2800767" cy="523220"/>
+          </a:xfrm>
+          <a:prstGeom prst="rect">
+            <a:avLst/>
+          </a:prstGeom>
+        </p:spPr>
+        <p:txBody>
+          <a:bodyPr wrap="none">
+            <a:spAutoFit/>
+          </a:bodyPr>
+          <a:lstStyle/>
+          <a:p>
+            <a:pPr lvl="1"/>
+            <a:r>
+              <a:rPr lang="zh-CN" altLang="en-US" sz="2800" dirty="0"/>
+              <a:t>综合简单规则</a:t>
+            </a:r>
+            <a:endParaRPr lang="en-US" altLang="zh-CN" sz="2800" dirty="0"/>
+          </a:p>
+        </p:txBody>
+      </p:sp>
+      <p:sp>
+        <p:nvSpPr>
+          <p:cNvPr id="12" name="Rectangle 11">
+            <a:extLst>
+              <a:ext uri="{FF2B5EF4-FFF2-40B4-BE49-F238E27FC236}">
+                <a16:creationId xmlns:a16="http://schemas.microsoft.com/office/drawing/2014/main" id="{62423FD2-2896-438D-B8CB-3B5C206C5DE0}"/>
+              </a:ext>
+            </a:extLst>
+          </p:cNvPr>
+          <p:cNvSpPr/>
+          <p:nvPr/>
+        </p:nvSpPr>
+        <p:spPr>
+          <a:xfrm>
+            <a:off x="3065954" y="4490518"/>
+            <a:ext cx="2082621" cy="523220"/>
+          </a:xfrm>
+          <a:prstGeom prst="rect">
+            <a:avLst/>
+          </a:prstGeom>
+        </p:spPr>
+        <p:txBody>
+          <a:bodyPr wrap="none">
+            <a:spAutoFit/>
+          </a:bodyPr>
+          <a:lstStyle/>
+          <a:p>
+            <a:pPr lvl="1"/>
+            <a:r>
+              <a:rPr lang="zh-CN" altLang="en-US" sz="2800" dirty="0"/>
+              <a:t>复杂规则</a:t>
+            </a:r>
+            <a:endParaRPr lang="en-US" altLang="zh-CN" sz="2800" dirty="0"/>
+          </a:p>
+        </p:txBody>
+      </p:sp>
+      <p:sp>
+        <p:nvSpPr>
+          <p:cNvPr id="13" name="Rectangle 12">
+            <a:extLst>
+              <a:ext uri="{FF2B5EF4-FFF2-40B4-BE49-F238E27FC236}">
+                <a16:creationId xmlns:a16="http://schemas.microsoft.com/office/drawing/2014/main" id="{E2DDB00D-527A-4293-9647-3EBA1CD0ABF9}"/>
+              </a:ext>
+            </a:extLst>
+          </p:cNvPr>
+          <p:cNvSpPr/>
+          <p:nvPr/>
+        </p:nvSpPr>
+        <p:spPr>
+          <a:xfrm>
+            <a:off x="3199863" y="3249615"/>
+            <a:ext cx="2082621" cy="523220"/>
+          </a:xfrm>
+          <a:prstGeom prst="rect">
+            <a:avLst/>
+          </a:prstGeom>
+        </p:spPr>
+        <p:txBody>
+          <a:bodyPr wrap="none">
+            <a:spAutoFit/>
+          </a:bodyPr>
+          <a:lstStyle/>
+          <a:p>
+            <a:pPr lvl="1"/>
+            <a:r>
+              <a:rPr lang="zh-CN" altLang="en-US" sz="2800" dirty="0"/>
+              <a:t>简单规则</a:t>
+            </a:r>
+            <a:endParaRPr lang="en-US" altLang="zh-CN" sz="2800" dirty="0"/>
+          </a:p>
+        </p:txBody>
+      </p:sp>
+    </p:spTree>
+    <p:extLst>
+      <p:ext uri="{BB962C8B-B14F-4D97-AF65-F5344CB8AC3E}">
+        <p14:creationId xmlns:p14="http://schemas.microsoft.com/office/powerpoint/2010/main" val="3899066660"/>
+      </p:ext>
+    </p:extLst>
+  </p:cSld>
+  <p:clrMapOvr>
+    <a:masterClrMapping/>
+  </p:clrMapOvr>
+</p:sld>
+</file>
+
+<file path=ppt/slides/slide22.xml><?xml version="1.0" encoding="utf-8"?>
+<p:sld xmlns:a="http://schemas.openxmlformats.org/drawingml/2006/main" xmlns:r="http://schemas.openxmlformats.org/officeDocument/2006/relationships" xmlns:p="http://schemas.openxmlformats.org/presentationml/2006/main">
+  <p:cSld>
+    <p:spTree>
+      <p:nvGrpSpPr>
+        <p:cNvPr id="1" name=""/>
+        <p:cNvGrpSpPr/>
+        <p:nvPr/>
+      </p:nvGrpSpPr>
+      <p:grpSpPr>
+        <a:xfrm>
+          <a:off x="0" y="0"/>
+          <a:ext cx="0" cy="0"/>
+          <a:chOff x="0" y="0"/>
+          <a:chExt cx="0" cy="0"/>
+        </a:xfrm>
+      </p:grpSpPr>
+      <p:sp>
+        <p:nvSpPr>
+          <p:cNvPr id="2" name="Title 1">
+            <a:extLst>
+              <a:ext uri="{FF2B5EF4-FFF2-40B4-BE49-F238E27FC236}">
+                <a16:creationId xmlns:a16="http://schemas.microsoft.com/office/drawing/2014/main" id="{E6515136-0531-4780-9D05-09D76E9DACAB}"/>
+              </a:ext>
+            </a:extLst>
+          </p:cNvPr>
+          <p:cNvSpPr>
+            <a:spLocks noGrp="1"/>
+          </p:cNvSpPr>
+          <p:nvPr>
+            <p:ph type="title"/>
+          </p:nvPr>
+        </p:nvSpPr>
+        <p:spPr/>
+        <p:txBody>
+          <a:bodyPr/>
+          <a:lstStyle/>
+          <a:p>
+            <a:r>
+              <a:rPr lang="zh-CN" altLang="en-US" dirty="0">
+                <a:solidFill>
+                  <a:srgbClr val="1F4E79"/>
+                </a:solidFill>
+              </a:rPr>
+              <a:t>需求设计：核心方法</a:t>
+            </a:r>
+            <a:r>
+              <a:rPr lang="en-US" altLang="zh-CN" dirty="0">
+                <a:solidFill>
+                  <a:srgbClr val="1F4E79"/>
+                </a:solidFill>
+              </a:rPr>
+              <a:t>check</a:t>
+            </a:r>
+            <a:endParaRPr lang="en-US" dirty="0"/>
+          </a:p>
+        </p:txBody>
+      </p:sp>
+      <p:sp>
+        <p:nvSpPr>
+          <p:cNvPr id="3" name="Content Placeholder 2">
+            <a:extLst>
+              <a:ext uri="{FF2B5EF4-FFF2-40B4-BE49-F238E27FC236}">
+                <a16:creationId xmlns:a16="http://schemas.microsoft.com/office/drawing/2014/main" id="{2CA13C22-7C9C-4D6B-BA9B-713CF7764046}"/>
+              </a:ext>
+            </a:extLst>
+          </p:cNvPr>
+          <p:cNvSpPr>
+            <a:spLocks noGrp="1"/>
+          </p:cNvSpPr>
+          <p:nvPr>
+            <p:ph idx="1"/>
+          </p:nvPr>
+        </p:nvSpPr>
+        <p:spPr/>
+        <p:txBody>
+          <a:bodyPr/>
+          <a:lstStyle/>
+          <a:p>
+            <a:r>
+              <a:rPr lang="zh-CN" altLang="en-US" dirty="0">
+                <a:solidFill>
+                  <a:srgbClr val="FF0000"/>
+                </a:solidFill>
+              </a:rPr>
+              <a:t>检查主题</a:t>
+            </a:r>
+            <a:endParaRPr lang="en-US" altLang="zh-CN" dirty="0">
+              <a:solidFill>
+                <a:srgbClr val="FF0000"/>
+              </a:solidFill>
+            </a:endParaRPr>
+          </a:p>
+          <a:p>
+            <a:r>
+              <a:rPr lang="zh-CN" altLang="en-US" dirty="0"/>
+              <a:t>主语的值</a:t>
+            </a:r>
+            <a:endParaRPr lang="en-US" altLang="zh-CN" dirty="0"/>
+          </a:p>
+          <a:p>
+            <a:r>
+              <a:rPr lang="zh-CN" altLang="en-US" dirty="0"/>
+              <a:t>宾语的值</a:t>
+            </a:r>
+            <a:endParaRPr lang="en-US" altLang="zh-CN" dirty="0"/>
+          </a:p>
+          <a:p>
+            <a:r>
+              <a:rPr lang="zh-CN" altLang="en-US" dirty="0"/>
+              <a:t>句子中所有的词语</a:t>
+            </a:r>
+            <a:endParaRPr lang="en-US" altLang="zh-CN" dirty="0"/>
+          </a:p>
+          <a:p>
+            <a:r>
+              <a:rPr lang="zh-CN" altLang="en-US" dirty="0"/>
+              <a:t>动词的数量</a:t>
+            </a:r>
+            <a:endParaRPr lang="en-US" altLang="zh-CN" dirty="0"/>
+          </a:p>
+          <a:p>
+            <a:r>
+              <a:rPr lang="zh-CN" altLang="en-US" dirty="0"/>
+              <a:t>动词的时态</a:t>
+            </a:r>
+            <a:endParaRPr lang="en-US" altLang="zh-CN" dirty="0"/>
+          </a:p>
+          <a:p>
+            <a:r>
+              <a:rPr lang="zh-CN" altLang="en-US" dirty="0"/>
+              <a:t>情态动词的数量</a:t>
+            </a:r>
+            <a:endParaRPr lang="en-US" altLang="zh-CN" dirty="0"/>
+          </a:p>
+          <a:p>
+            <a:r>
+              <a:rPr lang="en-US" altLang="zh-CN" dirty="0"/>
+              <a:t>……</a:t>
+            </a:r>
+          </a:p>
+          <a:p>
+            <a:endParaRPr lang="en-US" dirty="0"/>
+          </a:p>
+        </p:txBody>
+      </p:sp>
+    </p:spTree>
+    <p:extLst>
+      <p:ext uri="{BB962C8B-B14F-4D97-AF65-F5344CB8AC3E}">
+        <p14:creationId xmlns:p14="http://schemas.microsoft.com/office/powerpoint/2010/main" val="693841770"/>
+      </p:ext>
+    </p:extLst>
+  </p:cSld>
+  <p:clrMapOvr>
+    <a:masterClrMapping/>
+  </p:clrMapOvr>
+</p:sld>
+</file>
+
+<file path=ppt/slides/slide23.xml><?xml version="1.0" encoding="utf-8"?>
+<p:sld xmlns:a="http://schemas.openxmlformats.org/drawingml/2006/main" xmlns:r="http://schemas.openxmlformats.org/officeDocument/2006/relationships" xmlns:p="http://schemas.openxmlformats.org/presentationml/2006/main">
+  <p:cSld>
+    <p:spTree>
+      <p:nvGrpSpPr>
+        <p:cNvPr id="1" name=""/>
+        <p:cNvGrpSpPr/>
+        <p:nvPr/>
+      </p:nvGrpSpPr>
+      <p:grpSpPr>
+        <a:xfrm>
+          <a:off x="0" y="0"/>
+          <a:ext cx="0" cy="0"/>
+          <a:chOff x="0" y="0"/>
+          <a:chExt cx="0" cy="0"/>
+        </a:xfrm>
+      </p:grpSpPr>
+      <p:sp>
+        <p:nvSpPr>
+          <p:cNvPr id="2" name="Title 1">
+            <a:extLst>
+              <a:ext uri="{FF2B5EF4-FFF2-40B4-BE49-F238E27FC236}">
+                <a16:creationId xmlns:a16="http://schemas.microsoft.com/office/drawing/2014/main" id="{606E9FB7-01C6-4006-B665-EDD5C870B0BD}"/>
+              </a:ext>
+            </a:extLst>
+          </p:cNvPr>
+          <p:cNvSpPr>
+            <a:spLocks noGrp="1"/>
+          </p:cNvSpPr>
+          <p:nvPr>
+            <p:ph type="title"/>
+          </p:nvPr>
+        </p:nvSpPr>
+        <p:spPr/>
+        <p:txBody>
+          <a:bodyPr/>
+          <a:lstStyle/>
+          <a:p>
+            <a:r>
+              <a:rPr lang="zh-CN" altLang="en-US" dirty="0">
+                <a:solidFill>
+                  <a:srgbClr val="1F4E79"/>
+                </a:solidFill>
+              </a:rPr>
+              <a:t>需求设计：核心方法</a:t>
+            </a:r>
+            <a:r>
+              <a:rPr lang="en-US" altLang="zh-CN" dirty="0">
+                <a:solidFill>
+                  <a:srgbClr val="1F4E79"/>
+                </a:solidFill>
+              </a:rPr>
+              <a:t>check</a:t>
+            </a:r>
+            <a:endParaRPr lang="en-US" dirty="0"/>
+          </a:p>
+        </p:txBody>
+      </p:sp>
+      <p:sp>
+        <p:nvSpPr>
+          <p:cNvPr id="3" name="Content Placeholder 2">
+            <a:extLst>
+              <a:ext uri="{FF2B5EF4-FFF2-40B4-BE49-F238E27FC236}">
+                <a16:creationId xmlns:a16="http://schemas.microsoft.com/office/drawing/2014/main" id="{B49BA168-C134-42E3-B61F-F8F3C60433C3}"/>
+              </a:ext>
+            </a:extLst>
+          </p:cNvPr>
+          <p:cNvSpPr>
+            <a:spLocks noGrp="1"/>
+          </p:cNvSpPr>
+          <p:nvPr>
+            <p:ph idx="1"/>
+          </p:nvPr>
+        </p:nvSpPr>
+        <p:spPr/>
+        <p:txBody>
+          <a:bodyPr/>
+          <a:lstStyle/>
+          <a:p>
+            <a:r>
+              <a:rPr lang="zh-CN" altLang="en-US" dirty="0">
+                <a:highlight>
+                  <a:srgbClr val="FFFF00"/>
+                </a:highlight>
+              </a:rPr>
+              <a:t>检查约束</a:t>
+            </a:r>
+            <a:endParaRPr lang="en-US" dirty="0">
+              <a:highlight>
+                <a:srgbClr val="FFFF00"/>
+              </a:highlight>
+            </a:endParaRPr>
+          </a:p>
+          <a:p>
+            <a:r>
+              <a:rPr lang="zh-CN" altLang="en-US" dirty="0"/>
+              <a:t>属于</a:t>
+            </a:r>
+            <a:endParaRPr lang="en-US" altLang="zh-CN" dirty="0"/>
+          </a:p>
+          <a:p>
+            <a:r>
+              <a:rPr lang="zh-CN" altLang="en-US" dirty="0"/>
+              <a:t>不属于</a:t>
+            </a:r>
+            <a:endParaRPr lang="en-US" altLang="zh-CN" dirty="0"/>
+          </a:p>
+          <a:p>
+            <a:r>
+              <a:rPr lang="zh-CN" altLang="en-US" dirty="0"/>
+              <a:t>大于，大于等于</a:t>
+            </a:r>
+            <a:endParaRPr lang="en-US" altLang="zh-CN" dirty="0"/>
+          </a:p>
+          <a:p>
+            <a:r>
+              <a:rPr lang="zh-CN" altLang="en-US" dirty="0"/>
+              <a:t>等于，不等于</a:t>
+            </a:r>
+            <a:endParaRPr lang="en-US" altLang="zh-CN" dirty="0"/>
+          </a:p>
+          <a:p>
+            <a:r>
+              <a:rPr lang="zh-CN" altLang="en-US" dirty="0"/>
+              <a:t>小于，小于等于</a:t>
+            </a:r>
+            <a:endParaRPr lang="en-US" altLang="zh-CN" dirty="0"/>
+          </a:p>
+        </p:txBody>
+      </p:sp>
+    </p:spTree>
+    <p:extLst>
+      <p:ext uri="{BB962C8B-B14F-4D97-AF65-F5344CB8AC3E}">
+        <p14:creationId xmlns:p14="http://schemas.microsoft.com/office/powerpoint/2010/main" val="4076893149"/>
+      </p:ext>
+    </p:extLst>
+  </p:cSld>
+  <p:clrMapOvr>
+    <a:masterClrMapping/>
+  </p:clrMapOvr>
+</p:sld>
+</file>
+
+<file path=ppt/slides/slide24.xml><?xml version="1.0" encoding="utf-8"?>
+<p:sld xmlns:a="http://schemas.openxmlformats.org/drawingml/2006/main" xmlns:r="http://schemas.openxmlformats.org/officeDocument/2006/relationships" xmlns:p="http://schemas.openxmlformats.org/presentationml/2006/main">
+  <p:cSld>
+    <p:spTree>
+      <p:nvGrpSpPr>
+        <p:cNvPr id="1" name=""/>
+        <p:cNvGrpSpPr/>
+        <p:nvPr/>
+      </p:nvGrpSpPr>
+      <p:grpSpPr>
+        <a:xfrm>
+          <a:off x="0" y="0"/>
+          <a:ext cx="0" cy="0"/>
+          <a:chOff x="0" y="0"/>
+          <a:chExt cx="0" cy="0"/>
+        </a:xfrm>
+      </p:grpSpPr>
+      <p:sp>
+        <p:nvSpPr>
+          <p:cNvPr id="2" name="Title 1">
+            <a:extLst>
+              <a:ext uri="{FF2B5EF4-FFF2-40B4-BE49-F238E27FC236}">
+                <a16:creationId xmlns:a16="http://schemas.microsoft.com/office/drawing/2014/main" id="{AF8DE6AA-D39B-4174-80B5-CECAE6B7827D}"/>
+              </a:ext>
+            </a:extLst>
+          </p:cNvPr>
+          <p:cNvSpPr>
+            <a:spLocks noGrp="1"/>
+          </p:cNvSpPr>
+          <p:nvPr>
+            <p:ph type="title"/>
+          </p:nvPr>
+        </p:nvSpPr>
+        <p:spPr/>
+        <p:txBody>
+          <a:bodyPr/>
+          <a:lstStyle/>
+          <a:p>
+            <a:r>
+              <a:rPr lang="zh-CN" altLang="en-US" dirty="0">
+                <a:solidFill>
+                  <a:srgbClr val="1F4E79"/>
+                </a:solidFill>
+              </a:rPr>
+              <a:t>需求设计：核心方法</a:t>
+            </a:r>
+            <a:r>
+              <a:rPr lang="en-US" altLang="zh-CN" dirty="0">
+                <a:solidFill>
+                  <a:srgbClr val="1F4E79"/>
+                </a:solidFill>
+              </a:rPr>
+              <a:t>check</a:t>
+            </a:r>
+            <a:endParaRPr lang="en-US" dirty="0"/>
+          </a:p>
+        </p:txBody>
+      </p:sp>
+      <p:sp>
+        <p:nvSpPr>
+          <p:cNvPr id="3" name="Content Placeholder 2">
+            <a:extLst>
+              <a:ext uri="{FF2B5EF4-FFF2-40B4-BE49-F238E27FC236}">
+                <a16:creationId xmlns:a16="http://schemas.microsoft.com/office/drawing/2014/main" id="{3F5DDCA5-A8D3-4F27-B754-F7CC2623898B}"/>
+              </a:ext>
+            </a:extLst>
+          </p:cNvPr>
+          <p:cNvSpPr>
+            <a:spLocks noGrp="1"/>
+          </p:cNvSpPr>
+          <p:nvPr>
+            <p:ph idx="1"/>
+          </p:nvPr>
+        </p:nvSpPr>
+        <p:spPr/>
+        <p:txBody>
+          <a:bodyPr/>
+          <a:lstStyle/>
+          <a:p>
+            <a:r>
+              <a:rPr lang="zh-CN" altLang="en-US" dirty="0"/>
+              <a:t>综合操作</a:t>
+            </a:r>
+            <a:endParaRPr lang="en-US" altLang="zh-CN" dirty="0"/>
+          </a:p>
+          <a:p>
+            <a:r>
+              <a:rPr lang="zh-CN" altLang="en-US" dirty="0"/>
+              <a:t>与</a:t>
+            </a:r>
+            <a:endParaRPr lang="en-US" altLang="zh-CN" dirty="0"/>
+          </a:p>
+          <a:p>
+            <a:r>
+              <a:rPr lang="zh-CN" altLang="en-US" dirty="0"/>
+              <a:t>或</a:t>
+            </a:r>
+            <a:endParaRPr lang="en-US" altLang="zh-CN" dirty="0"/>
+          </a:p>
+          <a:p>
+            <a:r>
+              <a:rPr lang="zh-CN" altLang="en-US" dirty="0"/>
+              <a:t>非</a:t>
+            </a:r>
+            <a:endParaRPr lang="en-US" dirty="0"/>
+          </a:p>
+        </p:txBody>
+      </p:sp>
+      <p:sp>
+        <p:nvSpPr>
+          <p:cNvPr id="6" name="Content Placeholder 2">
+            <a:extLst>
+              <a:ext uri="{FF2B5EF4-FFF2-40B4-BE49-F238E27FC236}">
+                <a16:creationId xmlns:a16="http://schemas.microsoft.com/office/drawing/2014/main" id="{0AD1C5F6-79D7-4126-98E5-E2A50B0B3B19}"/>
+              </a:ext>
+            </a:extLst>
+          </p:cNvPr>
+          <p:cNvSpPr txBox="1">
+            <a:spLocks/>
+          </p:cNvSpPr>
+          <p:nvPr/>
+        </p:nvSpPr>
+        <p:spPr bwMode="auto">
+          <a:xfrm>
+            <a:off x="4715097" y="1825625"/>
+            <a:ext cx="7886700" cy="4351338"/>
+          </a:xfrm>
+          <a:prstGeom prst="rect">
+            <a:avLst/>
+          </a:prstGeom>
+          <a:noFill/>
+          <a:ln>
+            <a:noFill/>
+          </a:ln>
+          <a:extLst>
+            <a:ext uri="{909E8E84-426E-40DD-AFC4-6F175D3DCCD1}">
+              <a14:hiddenFill xmlns:a14="http://schemas.microsoft.com/office/drawing/2010/main">
+                <a:solidFill>
+                  <a:srgbClr val="FFFFFF"/>
+                </a:solidFill>
+              </a14:hiddenFill>
+            </a:ext>
+            <a:ext uri="{91240B29-F687-4F45-9708-019B960494DF}">
+              <a14:hiddenLine xmlns:a14="http://schemas.microsoft.com/office/drawing/2010/main" w="9525">
+                <a:solidFill>
+                  <a:srgbClr val="000000"/>
+                </a:solidFill>
+                <a:miter lim="800000"/>
+                <a:headEnd/>
+                <a:tailEnd/>
+              </a14:hiddenLine>
+            </a:ext>
+          </a:extLst>
+        </p:spPr>
+        <p:txBody>
+          <a:bodyPr vert="horz" wrap="square" lIns="91440" tIns="45720" rIns="91440" bIns="45720" numCol="1" anchor="t" anchorCtr="0" compatLnSpc="1">
+            <a:prstTxWarp prst="textNoShape">
+              <a:avLst/>
+            </a:prstTxWarp>
+          </a:bodyPr>
+          <a:lstStyle>
+            <a:lvl1pPr marL="228600" indent="-228600" algn="l" rtl="0" eaLnBrk="0" fontAlgn="base" hangingPunct="0">
+              <a:lnSpc>
+                <a:spcPct val="90000"/>
+              </a:lnSpc>
+              <a:spcBef>
+                <a:spcPts val="1000"/>
+              </a:spcBef>
+              <a:spcAft>
+                <a:spcPct val="0"/>
+              </a:spcAft>
+              <a:buFont typeface="Arial" panose="020B0604020202020204" pitchFamily="34" charset="0"/>
+              <a:buChar char="•"/>
+              <a:defRPr sz="2800" kern="1200">
+                <a:solidFill>
+                  <a:schemeClr val="tx1"/>
+                </a:solidFill>
+                <a:latin typeface="+mn-lt"/>
+                <a:ea typeface="+mn-ea"/>
+                <a:cs typeface="+mn-cs"/>
+              </a:defRPr>
+            </a:lvl1pPr>
+            <a:lvl2pPr marL="685800" indent="-228600" algn="l" rtl="0" eaLnBrk="0" fontAlgn="base" hangingPunct="0">
+              <a:lnSpc>
+                <a:spcPct val="90000"/>
+              </a:lnSpc>
+              <a:spcBef>
+                <a:spcPts val="500"/>
+              </a:spcBef>
+              <a:spcAft>
+                <a:spcPct val="0"/>
+              </a:spcAft>
+              <a:buFont typeface="Arial" panose="020B0604020202020204" pitchFamily="34" charset="0"/>
+              <a:buChar char="•"/>
+              <a:defRPr sz="2400" kern="1200">
+                <a:solidFill>
+                  <a:schemeClr val="tx1"/>
+                </a:solidFill>
+                <a:latin typeface="+mn-lt"/>
+                <a:ea typeface="+mn-ea"/>
+                <a:cs typeface="+mn-cs"/>
+              </a:defRPr>
+            </a:lvl2pPr>
+            <a:lvl3pPr marL="1143000" indent="-228600" algn="l" rtl="0" eaLnBrk="0" fontAlgn="base" hangingPunct="0">
+              <a:lnSpc>
+                <a:spcPct val="90000"/>
+              </a:lnSpc>
+              <a:spcBef>
+                <a:spcPts val="500"/>
+              </a:spcBef>
+              <a:spcAft>
+                <a:spcPct val="0"/>
+              </a:spcAft>
+              <a:buFont typeface="Arial" panose="020B0604020202020204" pitchFamily="34" charset="0"/>
+              <a:buChar char="•"/>
+              <a:defRPr sz="2000" kern="1200">
+                <a:solidFill>
+                  <a:schemeClr val="tx1"/>
+                </a:solidFill>
+                <a:latin typeface="+mn-lt"/>
+                <a:ea typeface="+mn-ea"/>
+                <a:cs typeface="+mn-cs"/>
+              </a:defRPr>
+            </a:lvl3pPr>
+            <a:lvl4pPr marL="1600200" indent="-228600" algn="l" rtl="0" eaLnBrk="0" fontAlgn="base" hangingPunct="0">
+              <a:lnSpc>
+                <a:spcPct val="90000"/>
+              </a:lnSpc>
+              <a:spcBef>
+                <a:spcPts val="500"/>
+              </a:spcBef>
+              <a:spcAft>
+                <a:spcPct val="0"/>
+              </a:spcAft>
+              <a:buFont typeface="Arial" panose="020B0604020202020204" pitchFamily="34" charset="0"/>
+              <a:buChar char="•"/>
+              <a:defRPr kern="1200">
+                <a:solidFill>
+                  <a:schemeClr val="tx1"/>
+                </a:solidFill>
+                <a:latin typeface="+mn-lt"/>
+                <a:ea typeface="+mn-ea"/>
+                <a:cs typeface="+mn-cs"/>
+              </a:defRPr>
+            </a:lvl4pPr>
+            <a:lvl5pPr marL="2057400" indent="-228600" algn="l" rtl="0" eaLnBrk="0" fontAlgn="base" hangingPunct="0">
+              <a:lnSpc>
+                <a:spcPct val="90000"/>
+              </a:lnSpc>
+              <a:spcBef>
+                <a:spcPts val="500"/>
+              </a:spcBef>
+              <a:spcAft>
+                <a:spcPct val="0"/>
+              </a:spcAft>
+              <a:buFont typeface="Arial" panose="020B0604020202020204" pitchFamily="34" charset="0"/>
+              <a:buChar char="•"/>
+              <a:defRPr kern="1200">
+                <a:solidFill>
+                  <a:schemeClr val="tx1"/>
+                </a:solidFill>
+                <a:latin typeface="+mn-lt"/>
+                <a:ea typeface="+mn-ea"/>
+                <a:cs typeface="+mn-cs"/>
+              </a:defRPr>
+            </a:lvl5pPr>
+            <a:lvl6pPr marL="2514600" indent="-228600" algn="l" defTabSz="914400" rtl="0" eaLnBrk="1" latinLnBrk="0" hangingPunct="1">
+              <a:lnSpc>
+                <a:spcPct val="90000"/>
+              </a:lnSpc>
+              <a:spcBef>
+                <a:spcPts val="500"/>
+              </a:spcBef>
+              <a:buFont typeface="Arial" panose="020B0604020202020204" pitchFamily="34" charset="0"/>
+              <a:buChar char="•"/>
+              <a:defRPr sz="1800" kern="1200">
+                <a:solidFill>
+                  <a:schemeClr val="tx1"/>
+                </a:solidFill>
+                <a:latin typeface="+mn-lt"/>
+                <a:ea typeface="+mn-ea"/>
+                <a:cs typeface="+mn-cs"/>
+              </a:defRPr>
+            </a:lvl6pPr>
+            <a:lvl7pPr marL="2971800" indent="-228600" algn="l" defTabSz="914400" rtl="0" eaLnBrk="1" latinLnBrk="0" hangingPunct="1">
+              <a:lnSpc>
+                <a:spcPct val="90000"/>
+              </a:lnSpc>
+              <a:spcBef>
+                <a:spcPts val="500"/>
+              </a:spcBef>
+              <a:buFont typeface="Arial" panose="020B0604020202020204" pitchFamily="34" charset="0"/>
+              <a:buChar char="•"/>
+              <a:defRPr sz="1800" kern="1200">
+                <a:solidFill>
+                  <a:schemeClr val="tx1"/>
+                </a:solidFill>
+                <a:latin typeface="+mn-lt"/>
+                <a:ea typeface="+mn-ea"/>
+                <a:cs typeface="+mn-cs"/>
+              </a:defRPr>
+            </a:lvl7pPr>
+            <a:lvl8pPr marL="3429000" indent="-228600" algn="l" defTabSz="914400" rtl="0" eaLnBrk="1" latinLnBrk="0" hangingPunct="1">
+              <a:lnSpc>
+                <a:spcPct val="90000"/>
+              </a:lnSpc>
+              <a:spcBef>
+                <a:spcPts val="500"/>
+              </a:spcBef>
+              <a:buFont typeface="Arial" panose="020B0604020202020204" pitchFamily="34" charset="0"/>
+              <a:buChar char="•"/>
+              <a:defRPr sz="1800" kern="1200">
+                <a:solidFill>
+                  <a:schemeClr val="tx1"/>
+                </a:solidFill>
+                <a:latin typeface="+mn-lt"/>
+                <a:ea typeface="+mn-ea"/>
+                <a:cs typeface="+mn-cs"/>
+              </a:defRPr>
+            </a:lvl8pPr>
+            <a:lvl9pPr marL="3886200" indent="-228600" algn="l" defTabSz="914400" rtl="0" eaLnBrk="1" latinLnBrk="0" hangingPunct="1">
+              <a:lnSpc>
+                <a:spcPct val="90000"/>
+              </a:lnSpc>
+              <a:spcBef>
+                <a:spcPts val="500"/>
+              </a:spcBef>
+              <a:buFont typeface="Arial" panose="020B0604020202020204" pitchFamily="34" charset="0"/>
+              <a:buChar char="•"/>
+              <a:defRPr sz="1800" kern="1200">
+                <a:solidFill>
+                  <a:schemeClr val="tx1"/>
+                </a:solidFill>
+                <a:latin typeface="+mn-lt"/>
+                <a:ea typeface="+mn-ea"/>
+                <a:cs typeface="+mn-cs"/>
+              </a:defRPr>
+            </a:lvl9pPr>
+          </a:lstStyle>
+          <a:p>
+            <a:r>
+              <a:rPr lang="zh-CN" altLang="en-US" dirty="0"/>
+              <a:t>检查范围</a:t>
+            </a:r>
+            <a:endParaRPr lang="en-US" altLang="zh-CN" dirty="0"/>
+          </a:p>
+          <a:p>
+            <a:r>
+              <a:rPr lang="zh-CN" altLang="en-US" dirty="0"/>
+              <a:t>所有句子</a:t>
+            </a:r>
+            <a:endParaRPr lang="en-US" altLang="zh-CN" dirty="0"/>
+          </a:p>
+          <a:p>
+            <a:r>
+              <a:rPr lang="zh-CN" altLang="en-US" dirty="0"/>
+              <a:t>动作子句</a:t>
+            </a:r>
+            <a:endParaRPr lang="en-US" dirty="0"/>
+          </a:p>
+        </p:txBody>
+      </p:sp>
+    </p:spTree>
+    <p:extLst>
+      <p:ext uri="{BB962C8B-B14F-4D97-AF65-F5344CB8AC3E}">
+        <p14:creationId xmlns:p14="http://schemas.microsoft.com/office/powerpoint/2010/main" val="3804844242"/>
+      </p:ext>
+    </p:extLst>
+  </p:cSld>
+  <p:clrMapOvr>
+    <a:masterClrMapping/>
+  </p:clrMapOvr>
+</p:sld>
+</file>
+
+<file path=ppt/slides/slide25.xml><?xml version="1.0" encoding="utf-8"?>
+<p:sld xmlns:a="http://schemas.openxmlformats.org/drawingml/2006/main" xmlns:r="http://schemas.openxmlformats.org/officeDocument/2006/relationships" xmlns:p="http://schemas.openxmlformats.org/presentationml/2006/main">
+  <p:cSld>
+    <p:spTree>
+      <p:nvGrpSpPr>
+        <p:cNvPr id="1" name=""/>
+        <p:cNvGrpSpPr/>
+        <p:nvPr/>
+      </p:nvGrpSpPr>
+      <p:grpSpPr>
+        <a:xfrm>
+          <a:off x="0" y="0"/>
+          <a:ext cx="0" cy="0"/>
+          <a:chOff x="0" y="0"/>
+          <a:chExt cx="0" cy="0"/>
+        </a:xfrm>
+      </p:grpSpPr>
+      <p:sp>
+        <p:nvSpPr>
+          <p:cNvPr id="2" name="Title 1">
+            <a:extLst>
+              <a:ext uri="{FF2B5EF4-FFF2-40B4-BE49-F238E27FC236}">
+                <a16:creationId xmlns:a16="http://schemas.microsoft.com/office/drawing/2014/main" id="{F9CBBEBD-AEBF-4669-84FA-AAB43FEC2855}"/>
+              </a:ext>
+            </a:extLst>
+          </p:cNvPr>
+          <p:cNvSpPr>
+            <a:spLocks noGrp="1"/>
+          </p:cNvSpPr>
+          <p:nvPr>
+            <p:ph type="title"/>
+          </p:nvPr>
+        </p:nvSpPr>
+        <p:spPr/>
+        <p:txBody>
+          <a:bodyPr/>
+          <a:lstStyle/>
+          <a:p>
+            <a:r>
+              <a:rPr lang="zh-CN" altLang="en-US" dirty="0">
+                <a:solidFill>
+                  <a:srgbClr val="1F4E79"/>
+                </a:solidFill>
+              </a:rPr>
+              <a:t>需求设计：核心方法</a:t>
+            </a:r>
+            <a:r>
+              <a:rPr lang="en-US" altLang="zh-CN" dirty="0">
+                <a:solidFill>
+                  <a:srgbClr val="1F4E79"/>
+                </a:solidFill>
+              </a:rPr>
+              <a:t>check</a:t>
+            </a:r>
+            <a:endParaRPr lang="en-US" dirty="0"/>
+          </a:p>
+        </p:txBody>
+      </p:sp>
+      <p:pic>
+        <p:nvPicPr>
+          <p:cNvPr id="5" name="Content Placeholder 4">
+            <a:extLst>
+              <a:ext uri="{FF2B5EF4-FFF2-40B4-BE49-F238E27FC236}">
+                <a16:creationId xmlns:a16="http://schemas.microsoft.com/office/drawing/2014/main" id="{7B245C5C-0ABF-45D2-A98C-17A9DB67725E}"/>
+              </a:ext>
+            </a:extLst>
+          </p:cNvPr>
+          <p:cNvPicPr>
+            <a:picLocks noGrp="1" noChangeAspect="1"/>
+          </p:cNvPicPr>
+          <p:nvPr>
+            <p:ph idx="1"/>
+          </p:nvPr>
+        </p:nvPicPr>
+        <p:blipFill>
+          <a:blip r:embed="rId2">
+            <a:extLst>
+              <a:ext uri="{28A0092B-C50C-407E-A947-70E740481C1C}">
+                <a14:useLocalDpi xmlns:a14="http://schemas.microsoft.com/office/drawing/2010/main" val="0"/>
+              </a:ext>
+            </a:extLst>
+          </a:blip>
+          <a:stretch>
+            <a:fillRect/>
+          </a:stretch>
+        </p:blipFill>
+        <p:spPr>
+          <a:xfrm>
+            <a:off x="224612" y="1690688"/>
+            <a:ext cx="10868035" cy="4984116"/>
+          </a:xfrm>
+        </p:spPr>
+      </p:pic>
+    </p:spTree>
+    <p:extLst>
+      <p:ext uri="{BB962C8B-B14F-4D97-AF65-F5344CB8AC3E}">
+        <p14:creationId xmlns:p14="http://schemas.microsoft.com/office/powerpoint/2010/main" val="2539580200"/>
+      </p:ext>
+    </p:extLst>
+  </p:cSld>
+  <p:clrMapOvr>
+    <a:masterClrMapping/>
+  </p:clrMapOvr>
+</p:sld>
+</file>
+
+<file path=ppt/slides/slide26.xml><?xml version="1.0" encoding="utf-8"?>
 <p:sld xmlns:a="http://schemas.openxmlformats.org/drawingml/2006/main" xmlns:r="http://schemas.openxmlformats.org/officeDocument/2006/relationships" xmlns:p="http://schemas.openxmlformats.org/presentationml/2006/main">
   <p:cSld>
     <p:spTree>
@@ -14817,7 +17265,7 @@
 </p:sld>
 </file>
 
-<file path=ppt/slides/slide19.xml><?xml version="1.0" encoding="utf-8"?>
+<file path=ppt/slides/slide27.xml><?xml version="1.0" encoding="utf-8"?>
 <p:sld xmlns:a="http://schemas.openxmlformats.org/drawingml/2006/main" xmlns:r="http://schemas.openxmlformats.org/officeDocument/2006/relationships" xmlns:p="http://schemas.openxmlformats.org/presentationml/2006/main">
   <p:cSld>
     <p:spTree>
@@ -15032,7 +17480,339 @@
 </p:sld>
 </file>
 
-<file path=ppt/slides/slide2.xml><?xml version="1.0" encoding="utf-8"?>
+<file path=ppt/slides/slide28.xml><?xml version="1.0" encoding="utf-8"?>
+<p:sld xmlns:a="http://schemas.openxmlformats.org/drawingml/2006/main" xmlns:r="http://schemas.openxmlformats.org/officeDocument/2006/relationships" xmlns:p="http://schemas.openxmlformats.org/presentationml/2006/main" show="0">
+  <p:cSld>
+    <p:spTree>
+      <p:nvGrpSpPr>
+        <p:cNvPr id="1" name=""/>
+        <p:cNvGrpSpPr/>
+        <p:nvPr/>
+      </p:nvGrpSpPr>
+      <p:grpSpPr>
+        <a:xfrm>
+          <a:off x="0" y="0"/>
+          <a:ext cx="0" cy="0"/>
+          <a:chOff x="0" y="0"/>
+          <a:chExt cx="0" cy="0"/>
+        </a:xfrm>
+      </p:grpSpPr>
+      <p:sp>
+        <p:nvSpPr>
+          <p:cNvPr id="6146" name="标题 1">
+            <a:extLst>
+              <a:ext uri="{FF2B5EF4-FFF2-40B4-BE49-F238E27FC236}">
+                <a16:creationId xmlns:a16="http://schemas.microsoft.com/office/drawing/2014/main" id="{373C69C6-393A-4DDE-BCF7-F046D22398D2}"/>
+              </a:ext>
+            </a:extLst>
+          </p:cNvPr>
+          <p:cNvSpPr>
+            <a:spLocks noGrp="1"/>
+          </p:cNvSpPr>
+          <p:nvPr>
+            <p:ph type="title"/>
+          </p:nvPr>
+        </p:nvSpPr>
+        <p:spPr>
+          <a:xfrm>
+            <a:off x="628650" y="365125"/>
+            <a:ext cx="8126413" cy="1325563"/>
+          </a:xfrm>
+        </p:spPr>
+        <p:txBody>
+          <a:bodyPr/>
+          <a:lstStyle/>
+          <a:p>
+            <a:r>
+              <a:rPr lang="zh-CN" altLang="en-US" sz="5400" dirty="0">
+                <a:solidFill>
+                  <a:srgbClr val="1F4E79"/>
+                </a:solidFill>
+              </a:rPr>
+              <a:t>主要内容</a:t>
+            </a:r>
+            <a:r>
+              <a:rPr lang="en-US" altLang="zh-CN" sz="5400" dirty="0">
+                <a:solidFill>
+                  <a:srgbClr val="1F4E79"/>
+                </a:solidFill>
+              </a:rPr>
+              <a:t> </a:t>
+            </a:r>
+          </a:p>
+        </p:txBody>
+      </p:sp>
+      <p:sp>
+        <p:nvSpPr>
+          <p:cNvPr id="6147" name="内容占位符 2">
+            <a:extLst>
+              <a:ext uri="{FF2B5EF4-FFF2-40B4-BE49-F238E27FC236}">
+                <a16:creationId xmlns:a16="http://schemas.microsoft.com/office/drawing/2014/main" id="{C187586F-9366-4864-8671-9435528FCDF6}"/>
+              </a:ext>
+            </a:extLst>
+          </p:cNvPr>
+          <p:cNvSpPr>
+            <a:spLocks noGrp="1"/>
+          </p:cNvSpPr>
+          <p:nvPr>
+            <p:ph idx="1"/>
+          </p:nvPr>
+        </p:nvSpPr>
+        <p:spPr>
+          <a:xfrm>
+            <a:off x="628650" y="1825625"/>
+            <a:ext cx="8437563" cy="4351338"/>
+          </a:xfrm>
+        </p:spPr>
+        <p:txBody>
+          <a:bodyPr/>
+          <a:lstStyle/>
+          <a:p>
+            <a:pPr>
+              <a:buFont typeface="Wingdings" panose="05000000000000000000" pitchFamily="2" charset="2"/>
+              <a:buChar char="Ø"/>
+            </a:pPr>
+            <a:r>
+              <a:rPr lang="zh-CN" altLang="en-US" b="1" dirty="0"/>
+              <a:t>项目概述</a:t>
+            </a:r>
+            <a:endParaRPr lang="en-US" altLang="zh-CN" b="1" dirty="0"/>
+          </a:p>
+          <a:p>
+            <a:pPr>
+              <a:buFont typeface="Wingdings" panose="05000000000000000000" pitchFamily="2" charset="2"/>
+              <a:buChar char="Ø"/>
+            </a:pPr>
+            <a:r>
+              <a:rPr lang="zh-CN" altLang="en-US" b="1" dirty="0"/>
+              <a:t>需求分析</a:t>
+            </a:r>
+            <a:endParaRPr lang="en-US" altLang="zh-CN" b="1" dirty="0"/>
+          </a:p>
+          <a:p>
+            <a:pPr>
+              <a:buFont typeface="Wingdings" panose="05000000000000000000" pitchFamily="2" charset="2"/>
+              <a:buChar char="Ø"/>
+            </a:pPr>
+            <a:r>
+              <a:rPr lang="zh-CN" altLang="en-US" b="1" dirty="0"/>
+              <a:t>需求设计</a:t>
+            </a:r>
+            <a:endParaRPr lang="en-US" altLang="zh-CN" b="1" dirty="0"/>
+          </a:p>
+          <a:p>
+            <a:pPr>
+              <a:buFont typeface="Wingdings" panose="05000000000000000000" pitchFamily="2" charset="2"/>
+              <a:buChar char="Ø"/>
+            </a:pPr>
+            <a:r>
+              <a:rPr lang="zh-CN" altLang="en-US" b="1" dirty="0">
+                <a:solidFill>
+                  <a:srgbClr val="0070C0"/>
+                </a:solidFill>
+              </a:rPr>
+              <a:t>代码开发</a:t>
+            </a:r>
+            <a:endParaRPr lang="en-US" altLang="zh-CN" b="1" dirty="0">
+              <a:solidFill>
+                <a:srgbClr val="0070C0"/>
+              </a:solidFill>
+            </a:endParaRPr>
+          </a:p>
+          <a:p>
+            <a:pPr>
+              <a:buFont typeface="Wingdings" panose="05000000000000000000" pitchFamily="2" charset="2"/>
+              <a:buChar char="Ø"/>
+            </a:pPr>
+            <a:r>
+              <a:rPr lang="zh-CN" altLang="en-US" b="1" dirty="0"/>
+              <a:t>迭代测试</a:t>
+            </a:r>
+            <a:endParaRPr lang="en-US" altLang="zh-CN" b="1" dirty="0"/>
+          </a:p>
+          <a:p>
+            <a:pPr>
+              <a:buFont typeface="Wingdings" panose="05000000000000000000" pitchFamily="2" charset="2"/>
+              <a:buChar char="Ø"/>
+            </a:pPr>
+            <a:r>
+              <a:rPr lang="zh-CN" altLang="en-US" b="1" dirty="0"/>
+              <a:t>项目总结</a:t>
+            </a:r>
+            <a:endParaRPr lang="en-US" altLang="zh-CN" b="1" dirty="0"/>
+          </a:p>
+        </p:txBody>
+      </p:sp>
+    </p:spTree>
+    <p:extLst>
+      <p:ext uri="{BB962C8B-B14F-4D97-AF65-F5344CB8AC3E}">
+        <p14:creationId xmlns:p14="http://schemas.microsoft.com/office/powerpoint/2010/main" val="4008400813"/>
+      </p:ext>
+    </p:extLst>
+  </p:cSld>
+  <p:clrMapOvr>
+    <a:masterClrMapping/>
+  </p:clrMapOvr>
+</p:sld>
+</file>
+
+<file path=ppt/slides/slide29.xml><?xml version="1.0" encoding="utf-8"?>
+<p:sld xmlns:a="http://schemas.openxmlformats.org/drawingml/2006/main" xmlns:r="http://schemas.openxmlformats.org/officeDocument/2006/relationships" xmlns:p="http://schemas.openxmlformats.org/presentationml/2006/main" show="0">
+  <p:cSld>
+    <p:spTree>
+      <p:nvGrpSpPr>
+        <p:cNvPr id="1" name=""/>
+        <p:cNvGrpSpPr/>
+        <p:nvPr/>
+      </p:nvGrpSpPr>
+      <p:grpSpPr>
+        <a:xfrm>
+          <a:off x="0" y="0"/>
+          <a:ext cx="0" cy="0"/>
+          <a:chOff x="0" y="0"/>
+          <a:chExt cx="0" cy="0"/>
+        </a:xfrm>
+      </p:grpSpPr>
+      <p:sp>
+        <p:nvSpPr>
+          <p:cNvPr id="11266" name="Title 1">
+            <a:extLst>
+              <a:ext uri="{FF2B5EF4-FFF2-40B4-BE49-F238E27FC236}">
+                <a16:creationId xmlns:a16="http://schemas.microsoft.com/office/drawing/2014/main" id="{DE2A2B24-CECA-41CB-B0DF-95AEC9A73671}"/>
+              </a:ext>
+            </a:extLst>
+          </p:cNvPr>
+          <p:cNvSpPr>
+            <a:spLocks noGrp="1"/>
+          </p:cNvSpPr>
+          <p:nvPr>
+            <p:ph type="title"/>
+          </p:nvPr>
+        </p:nvSpPr>
+        <p:spPr>
+          <a:xfrm>
+            <a:off x="247650" y="-30163"/>
+            <a:ext cx="8491538" cy="1144588"/>
+          </a:xfrm>
+        </p:spPr>
+        <p:txBody>
+          <a:bodyPr/>
+          <a:lstStyle/>
+          <a:p>
+            <a:r>
+              <a:rPr lang="zh-CN" altLang="en-US" dirty="0">
+                <a:solidFill>
+                  <a:srgbClr val="1F4E79"/>
+                </a:solidFill>
+              </a:rPr>
+              <a:t>代码开发</a:t>
+            </a:r>
+            <a:endParaRPr lang="en-US" altLang="zh-CN" dirty="0">
+              <a:solidFill>
+                <a:srgbClr val="1F4E79"/>
+              </a:solidFill>
+            </a:endParaRPr>
+          </a:p>
+        </p:txBody>
+      </p:sp>
+      <p:sp>
+        <p:nvSpPr>
+          <p:cNvPr id="5" name="文本框 4">
+            <a:extLst>
+              <a:ext uri="{FF2B5EF4-FFF2-40B4-BE49-F238E27FC236}">
+                <a16:creationId xmlns:a16="http://schemas.microsoft.com/office/drawing/2014/main" id="{1343A9A8-D792-4105-B071-94BE21B153D3}"/>
+              </a:ext>
+            </a:extLst>
+          </p:cNvPr>
+          <p:cNvSpPr txBox="1"/>
+          <p:nvPr/>
+        </p:nvSpPr>
+        <p:spPr>
+          <a:xfrm>
+            <a:off x="643564" y="1114425"/>
+            <a:ext cx="7856872" cy="1963102"/>
+          </a:xfrm>
+          <a:prstGeom prst="rect">
+            <a:avLst/>
+          </a:prstGeom>
+          <a:noFill/>
+        </p:spPr>
+        <p:txBody>
+          <a:bodyPr wrap="square">
+            <a:spAutoFit/>
+          </a:bodyPr>
+          <a:lstStyle/>
+          <a:p>
+            <a:pPr marL="414726" indent="-414726">
+              <a:lnSpc>
+                <a:spcPct val="150000"/>
+              </a:lnSpc>
+              <a:buFont typeface="Wingdings" panose="05000000000000000000" pitchFamily="2" charset="2"/>
+              <a:buChar char="Ø"/>
+              <a:defRPr/>
+            </a:pPr>
+            <a:r>
+              <a:rPr lang="zh-CN" altLang="en-US" sz="2800" dirty="0">
+                <a:latin typeface="+mj-lt"/>
+              </a:rPr>
+              <a:t>相关技术</a:t>
+            </a:r>
+            <a:endParaRPr lang="en-US" altLang="zh-CN" sz="2800" dirty="0">
+              <a:latin typeface="+mj-lt"/>
+            </a:endParaRPr>
+          </a:p>
+          <a:p>
+            <a:pPr marL="414726" indent="-414726">
+              <a:lnSpc>
+                <a:spcPct val="150000"/>
+              </a:lnSpc>
+              <a:buFont typeface="Wingdings" panose="05000000000000000000" pitchFamily="2" charset="2"/>
+              <a:buChar char="Ø"/>
+              <a:defRPr/>
+            </a:pPr>
+            <a:r>
+              <a:rPr lang="zh-CN" altLang="en-US" sz="2800" dirty="0">
+                <a:latin typeface="+mj-lt"/>
+              </a:rPr>
+              <a:t>开发协作流程</a:t>
+            </a:r>
+            <a:endParaRPr lang="en-US" altLang="zh-CN" sz="2800" dirty="0">
+              <a:latin typeface="+mj-lt"/>
+            </a:endParaRPr>
+          </a:p>
+          <a:p>
+            <a:pPr marL="414726" indent="-414726">
+              <a:lnSpc>
+                <a:spcPct val="150000"/>
+              </a:lnSpc>
+              <a:buFont typeface="Wingdings" panose="05000000000000000000" pitchFamily="2" charset="2"/>
+              <a:buChar char="Ø"/>
+              <a:defRPr/>
+            </a:pPr>
+            <a:r>
+              <a:rPr lang="zh-CN" altLang="en-US" sz="2800" dirty="0">
+                <a:latin typeface="+mj-lt"/>
+              </a:rPr>
+              <a:t>问题与解决办法</a:t>
+            </a:r>
+          </a:p>
+        </p:txBody>
+      </p:sp>
+    </p:spTree>
+    <p:extLst>
+      <p:ext uri="{BB962C8B-B14F-4D97-AF65-F5344CB8AC3E}">
+        <p14:creationId xmlns:p14="http://schemas.microsoft.com/office/powerpoint/2010/main" val="9171129"/>
+      </p:ext>
+    </p:extLst>
+  </p:cSld>
+  <p:clrMapOvr>
+    <a:masterClrMapping/>
+  </p:clrMapOvr>
+  <p:transition spd="slow"/>
+</p:sld>
+</file>
+
+<file path=ppt/slides/slide3.xml><?xml version="1.0" encoding="utf-8"?>
 <p:sld xmlns:a="http://schemas.openxmlformats.org/drawingml/2006/main" xmlns:r="http://schemas.openxmlformats.org/officeDocument/2006/relationships" xmlns:p="http://schemas.openxmlformats.org/presentationml/2006/main">
   <p:cSld>
     <p:spTree>
@@ -15051,172 +17831,6 @@
       </p:grpSpPr>
       <p:sp>
         <p:nvSpPr>
-          <p:cNvPr id="2" name="标题 1">
-            <a:extLst>
-              <a:ext uri="{FF2B5EF4-FFF2-40B4-BE49-F238E27FC236}">
-                <a16:creationId xmlns:a16="http://schemas.microsoft.com/office/drawing/2014/main" id="{C904A2F8-F51B-4DC9-9FAF-03193387DE9A}"/>
-              </a:ext>
-            </a:extLst>
-          </p:cNvPr>
-          <p:cNvSpPr>
-            <a:spLocks noGrp="1"/>
-          </p:cNvSpPr>
-          <p:nvPr>
-            <p:ph type="title"/>
-          </p:nvPr>
-        </p:nvSpPr>
-        <p:spPr/>
-        <p:txBody>
-          <a:bodyPr/>
-          <a:lstStyle/>
-          <a:p>
-            <a:r>
-              <a:rPr lang="zh-CN" altLang="en-US" dirty="0"/>
-              <a:t>团队构成</a:t>
-            </a:r>
-          </a:p>
-        </p:txBody>
-      </p:sp>
-      <p:sp>
-        <p:nvSpPr>
-          <p:cNvPr id="3" name="内容占位符 2">
-            <a:extLst>
-              <a:ext uri="{FF2B5EF4-FFF2-40B4-BE49-F238E27FC236}">
-                <a16:creationId xmlns:a16="http://schemas.microsoft.com/office/drawing/2014/main" id="{1602FBE1-4DEE-4ABE-920C-A3D6D4006152}"/>
-              </a:ext>
-            </a:extLst>
-          </p:cNvPr>
-          <p:cNvSpPr>
-            <a:spLocks noGrp="1"/>
-          </p:cNvSpPr>
-          <p:nvPr>
-            <p:ph idx="1"/>
-          </p:nvPr>
-        </p:nvSpPr>
-        <p:spPr/>
-        <p:txBody>
-          <a:bodyPr/>
-          <a:lstStyle/>
-          <a:p>
-            <a:pPr>
-              <a:buFont typeface="Wingdings" panose="05000000000000000000" pitchFamily="2" charset="2"/>
-              <a:buChar char="Ø"/>
-            </a:pPr>
-            <a:r>
-              <a:rPr lang="en-US" altLang="zh-CN" sz="3600" dirty="0"/>
-              <a:t>Mentor</a:t>
-            </a:r>
-            <a:r>
-              <a:rPr lang="zh-CN" altLang="en-US" sz="3600" dirty="0"/>
-              <a:t>：刘凯齐师兄</a:t>
-            </a:r>
-            <a:endParaRPr lang="en-US" altLang="zh-CN" sz="3600" dirty="0"/>
-          </a:p>
-          <a:p>
-            <a:pPr>
-              <a:buFont typeface="Wingdings" panose="05000000000000000000" pitchFamily="2" charset="2"/>
-              <a:buChar char="Ø"/>
-            </a:pPr>
-            <a:r>
-              <a:rPr lang="zh-CN" altLang="en-US" sz="3600" dirty="0"/>
-              <a:t>成员：</a:t>
-            </a:r>
-            <a:endParaRPr lang="en-US" altLang="zh-CN" sz="3600" dirty="0"/>
-          </a:p>
-          <a:p>
-            <a:pPr lvl="1"/>
-            <a:r>
-              <a:rPr lang="en-US" altLang="zh-CN" sz="3200" dirty="0"/>
-              <a:t>ZY1806707 </a:t>
-            </a:r>
-            <a:r>
-              <a:rPr lang="zh-CN" altLang="en-US" sz="3200" dirty="0"/>
-              <a:t>石发强</a:t>
-            </a:r>
-            <a:endParaRPr lang="en-US" altLang="zh-CN" sz="3200" dirty="0"/>
-          </a:p>
-          <a:p>
-            <a:pPr lvl="1"/>
-            <a:r>
-              <a:rPr lang="en-US" altLang="zh-CN" sz="3200" dirty="0"/>
-              <a:t>ZY1806402 </a:t>
-            </a:r>
-            <a:r>
-              <a:rPr lang="zh-CN" altLang="en-US" sz="3200" dirty="0"/>
-              <a:t>陈泽年</a:t>
-            </a:r>
-            <a:endParaRPr lang="en-US" altLang="zh-CN" sz="3200" dirty="0"/>
-          </a:p>
-          <a:p>
-            <a:pPr lvl="1"/>
-            <a:r>
-              <a:rPr lang="en-US" altLang="zh-CN" sz="3200" dirty="0"/>
-              <a:t>ZY1806705 </a:t>
-            </a:r>
-            <a:r>
-              <a:rPr lang="zh-CN" altLang="en-US" sz="3200" dirty="0"/>
-              <a:t>梁保宇</a:t>
-            </a:r>
-            <a:endParaRPr lang="en-US" altLang="zh-CN" sz="3200" dirty="0"/>
-          </a:p>
-          <a:p>
-            <a:pPr lvl="1"/>
-            <a:r>
-              <a:rPr lang="en-US" altLang="zh-CN" sz="3200" dirty="0"/>
-              <a:t>ZY1806711 </a:t>
-            </a:r>
-            <a:r>
-              <a:rPr lang="zh-CN" altLang="en-US" sz="3200" dirty="0"/>
-              <a:t>杨    森</a:t>
-            </a:r>
-            <a:endParaRPr lang="en-US" altLang="zh-CN" sz="3200" dirty="0"/>
-          </a:p>
-          <a:p>
-            <a:pPr lvl="1"/>
-            <a:r>
-              <a:rPr lang="en-US" altLang="zh-CN" sz="3200" dirty="0"/>
-              <a:t>ZY1806501 </a:t>
-            </a:r>
-            <a:r>
-              <a:rPr lang="zh-CN" altLang="en-US" sz="3200" dirty="0"/>
-              <a:t>黄子粤</a:t>
-            </a:r>
-            <a:endParaRPr lang="en-US" altLang="zh-CN" sz="3200" dirty="0"/>
-          </a:p>
-        </p:txBody>
-      </p:sp>
-    </p:spTree>
-    <p:extLst>
-      <p:ext uri="{BB962C8B-B14F-4D97-AF65-F5344CB8AC3E}">
-        <p14:creationId xmlns:p14="http://schemas.microsoft.com/office/powerpoint/2010/main" val="913399379"/>
-      </p:ext>
-    </p:extLst>
-  </p:cSld>
-  <p:clrMapOvr>
-    <a:masterClrMapping/>
-  </p:clrMapOvr>
-</p:sld>
-</file>
-
-<file path=ppt/slides/slide20.xml><?xml version="1.0" encoding="utf-8"?>
-<p:sld xmlns:a="http://schemas.openxmlformats.org/drawingml/2006/main" xmlns:r="http://schemas.openxmlformats.org/officeDocument/2006/relationships" xmlns:p="http://schemas.openxmlformats.org/presentationml/2006/main" show="0">
-  <p:cSld>
-    <p:spTree>
-      <p:nvGrpSpPr>
-        <p:cNvPr id="1" name=""/>
-        <p:cNvGrpSpPr/>
-        <p:nvPr/>
-      </p:nvGrpSpPr>
-      <p:grpSpPr>
-        <a:xfrm>
-          <a:off x="0" y="0"/>
-          <a:ext cx="0" cy="0"/>
-          <a:chOff x="0" y="0"/>
-          <a:chExt cx="0" cy="0"/>
-        </a:xfrm>
-      </p:grpSpPr>
-      <p:sp>
-        <p:nvSpPr>
           <p:cNvPr id="6146" name="标题 1">
             <a:extLst>
               <a:ext uri="{FF2B5EF4-FFF2-40B4-BE49-F238E27FC236}">
@@ -15314,7 +17928,7 @@
             </a:pPr>
             <a:r>
               <a:rPr lang="zh-CN" altLang="en-US" b="1" dirty="0"/>
-              <a:t>需求设计</a:t>
+              <a:t>项目设计</a:t>
             </a:r>
             <a:endParaRPr lang="en-US" altLang="zh-CN" b="1" dirty="0"/>
           </a:p>
@@ -15324,18 +17938,10 @@
               <a:buChar char="Ø"/>
             </a:pPr>
             <a:r>
-              <a:rPr lang="zh-CN" altLang="en-US" b="1" dirty="0">
-                <a:solidFill>
-                  <a:srgbClr val="0070C0"/>
-                </a:solidFill>
-              </a:rPr>
+              <a:rPr lang="zh-CN" altLang="en-US" b="1" dirty="0"/>
               <a:t>代码开发</a:t>
             </a:r>
-            <a:endParaRPr lang="en-US" altLang="zh-CN" b="1" dirty="0">
-              <a:solidFill>
-                <a:srgbClr val="0070C0"/>
-              </a:solidFill>
-            </a:endParaRPr>
+            <a:endParaRPr lang="en-US" altLang="zh-CN" b="1" dirty="0"/>
           </a:p>
           <a:p>
             <a:pPr>
@@ -15344,7 +17950,7 @@
             </a:pPr>
             <a:r>
               <a:rPr lang="zh-CN" altLang="en-US" b="1" dirty="0"/>
-              <a:t>迭代测试</a:t>
+              <a:t>一致性验证</a:t>
             </a:r>
             <a:endParaRPr lang="en-US" altLang="zh-CN" b="1" dirty="0"/>
           </a:p>
@@ -15362,11 +17968,6 @@
         </p:txBody>
       </p:sp>
     </p:spTree>
-    <p:extLst>
-      <p:ext uri="{BB962C8B-B14F-4D97-AF65-F5344CB8AC3E}">
-        <p14:creationId xmlns:p14="http://schemas.microsoft.com/office/powerpoint/2010/main" val="4008400813"/>
-      </p:ext>
-    </p:extLst>
   </p:cSld>
   <p:clrMapOvr>
     <a:masterClrMapping/>
@@ -15374,163 +17975,7 @@
 </p:sld>
 </file>
 
-<file path=ppt/slides/slide21.xml><?xml version="1.0" encoding="utf-8"?>
-<p:sld xmlns:a="http://schemas.openxmlformats.org/drawingml/2006/main" xmlns:r="http://schemas.openxmlformats.org/officeDocument/2006/relationships" xmlns:p="http://schemas.openxmlformats.org/presentationml/2006/main" show="0">
-  <p:cSld>
-    <p:spTree>
-      <p:nvGrpSpPr>
-        <p:cNvPr id="1" name=""/>
-        <p:cNvGrpSpPr/>
-        <p:nvPr/>
-      </p:nvGrpSpPr>
-      <p:grpSpPr>
-        <a:xfrm>
-          <a:off x="0" y="0"/>
-          <a:ext cx="0" cy="0"/>
-          <a:chOff x="0" y="0"/>
-          <a:chExt cx="0" cy="0"/>
-        </a:xfrm>
-      </p:grpSpPr>
-      <p:sp>
-        <p:nvSpPr>
-          <p:cNvPr id="11266" name="Title 1">
-            <a:extLst>
-              <a:ext uri="{FF2B5EF4-FFF2-40B4-BE49-F238E27FC236}">
-                <a16:creationId xmlns:a16="http://schemas.microsoft.com/office/drawing/2014/main" id="{DE2A2B24-CECA-41CB-B0DF-95AEC9A73671}"/>
-              </a:ext>
-            </a:extLst>
-          </p:cNvPr>
-          <p:cNvSpPr>
-            <a:spLocks noGrp="1"/>
-          </p:cNvSpPr>
-          <p:nvPr>
-            <p:ph type="title"/>
-          </p:nvPr>
-        </p:nvSpPr>
-        <p:spPr>
-          <a:xfrm>
-            <a:off x="247650" y="-30163"/>
-            <a:ext cx="8491538" cy="1144588"/>
-          </a:xfrm>
-        </p:spPr>
-        <p:txBody>
-          <a:bodyPr/>
-          <a:lstStyle/>
-          <a:p>
-            <a:r>
-              <a:rPr lang="zh-CN" altLang="en-US" dirty="0">
-                <a:solidFill>
-                  <a:srgbClr val="1F4E79"/>
-                </a:solidFill>
-              </a:rPr>
-              <a:t>代码开发</a:t>
-            </a:r>
-            <a:endParaRPr lang="en-US" altLang="zh-CN" dirty="0">
-              <a:solidFill>
-                <a:srgbClr val="1F4E79"/>
-              </a:solidFill>
-            </a:endParaRPr>
-          </a:p>
-        </p:txBody>
-      </p:sp>
-      <p:sp>
-        <p:nvSpPr>
-          <p:cNvPr id="5" name="文本框 4">
-            <a:extLst>
-              <a:ext uri="{FF2B5EF4-FFF2-40B4-BE49-F238E27FC236}">
-                <a16:creationId xmlns:a16="http://schemas.microsoft.com/office/drawing/2014/main" id="{1343A9A8-D792-4105-B071-94BE21B153D3}"/>
-              </a:ext>
-            </a:extLst>
-          </p:cNvPr>
-          <p:cNvSpPr txBox="1"/>
-          <p:nvPr/>
-        </p:nvSpPr>
-        <p:spPr>
-          <a:xfrm>
-            <a:off x="643564" y="1114425"/>
-            <a:ext cx="7856872" cy="1963102"/>
-          </a:xfrm>
-          <a:prstGeom prst="rect">
-            <a:avLst/>
-          </a:prstGeom>
-          <a:noFill/>
-        </p:spPr>
-        <p:txBody>
-          <a:bodyPr wrap="square">
-            <a:spAutoFit/>
-          </a:bodyPr>
-          <a:lstStyle/>
-          <a:p>
-            <a:pPr marL="414726" indent="-414726">
-              <a:lnSpc>
-                <a:spcPct val="150000"/>
-              </a:lnSpc>
-              <a:buFont typeface="Wingdings" panose="05000000000000000000" pitchFamily="2" charset="2"/>
-              <a:buChar char="Ø"/>
-              <a:defRPr/>
-            </a:pPr>
-            <a:r>
-              <a:rPr lang="zh-CN" altLang="en-US" sz="2800" dirty="0">
-                <a:latin typeface="+mj-lt"/>
-              </a:rPr>
-              <a:t>相关技术</a:t>
-            </a:r>
-            <a:endParaRPr lang="en-US" altLang="zh-CN" sz="2800" dirty="0">
-              <a:latin typeface="+mj-lt"/>
-            </a:endParaRPr>
-          </a:p>
-          <a:p>
-            <a:pPr marL="414726" indent="-414726">
-              <a:lnSpc>
-                <a:spcPct val="150000"/>
-              </a:lnSpc>
-              <a:buFont typeface="Wingdings" panose="05000000000000000000" pitchFamily="2" charset="2"/>
-              <a:buChar char="Ø"/>
-              <a:defRPr/>
-            </a:pPr>
-            <a:r>
-              <a:rPr lang="zh-CN" altLang="en-US" sz="2800" dirty="0">
-                <a:latin typeface="+mj-lt"/>
-              </a:rPr>
-              <a:t>开发协作流程</a:t>
-            </a:r>
-            <a:endParaRPr lang="en-US" altLang="zh-CN" sz="2800" dirty="0">
-              <a:latin typeface="+mj-lt"/>
-            </a:endParaRPr>
-          </a:p>
-          <a:p>
-            <a:pPr marL="414726" indent="-414726">
-              <a:lnSpc>
-                <a:spcPct val="150000"/>
-              </a:lnSpc>
-              <a:buFont typeface="Wingdings" panose="05000000000000000000" pitchFamily="2" charset="2"/>
-              <a:buChar char="Ø"/>
-              <a:defRPr/>
-            </a:pPr>
-            <a:r>
-              <a:rPr lang="zh-CN" altLang="en-US" sz="2800" dirty="0">
-                <a:latin typeface="+mj-lt"/>
-              </a:rPr>
-              <a:t>问题与解决办法</a:t>
-            </a:r>
-          </a:p>
-        </p:txBody>
-      </p:sp>
-    </p:spTree>
-    <p:extLst>
-      <p:ext uri="{BB962C8B-B14F-4D97-AF65-F5344CB8AC3E}">
-        <p14:creationId xmlns:p14="http://schemas.microsoft.com/office/powerpoint/2010/main" val="9171129"/>
-      </p:ext>
-    </p:extLst>
-  </p:cSld>
-  <p:clrMapOvr>
-    <a:masterClrMapping/>
-  </p:clrMapOvr>
-  <p:transition spd="slow"/>
-</p:sld>
-</file>
-
-<file path=ppt/slides/slide22.xml><?xml version="1.0" encoding="utf-8"?>
+<file path=ppt/slides/slide30.xml><?xml version="1.0" encoding="utf-8"?>
 <p:sld xmlns:a="http://schemas.openxmlformats.org/drawingml/2006/main" xmlns:r="http://schemas.openxmlformats.org/officeDocument/2006/relationships" xmlns:p="http://schemas.openxmlformats.org/presentationml/2006/main" show="0">
   <p:cSld>
     <p:spTree>
@@ -15735,7 +18180,7 @@
 </p:sld>
 </file>
 
-<file path=ppt/slides/slide23.xml><?xml version="1.0" encoding="utf-8"?>
+<file path=ppt/slides/slide31.xml><?xml version="1.0" encoding="utf-8"?>
 <p:sld xmlns:a="http://schemas.openxmlformats.org/drawingml/2006/main" xmlns:r="http://schemas.openxmlformats.org/officeDocument/2006/relationships" xmlns:p="http://schemas.openxmlformats.org/presentationml/2006/main" show="0">
   <p:cSld>
     <p:spTree>
@@ -15868,7 +18313,7 @@
 </p:sld>
 </file>
 
-<file path=ppt/slides/slide24.xml><?xml version="1.0" encoding="utf-8"?>
+<file path=ppt/slides/slide32.xml><?xml version="1.0" encoding="utf-8"?>
 <p:sld xmlns:a="http://schemas.openxmlformats.org/drawingml/2006/main" xmlns:r="http://schemas.openxmlformats.org/officeDocument/2006/relationships" xmlns:p="http://schemas.openxmlformats.org/presentationml/2006/main" show="0">
   <p:cSld>
     <p:spTree>
@@ -16050,7 +18495,7 @@
 </p:sld>
 </file>
 
-<file path=ppt/slides/slide25.xml><?xml version="1.0" encoding="utf-8"?>
+<file path=ppt/slides/slide33.xml><?xml version="1.0" encoding="utf-8"?>
 <p:sld xmlns:a="http://schemas.openxmlformats.org/drawingml/2006/main" xmlns:r="http://schemas.openxmlformats.org/officeDocument/2006/relationships" xmlns:p="http://schemas.openxmlformats.org/presentationml/2006/main" show="0">
   <p:cSld>
     <p:spTree>
@@ -16226,7 +18671,7 @@
 </p:sld>
 </file>
 
-<file path=ppt/slides/slide26.xml><?xml version="1.0" encoding="utf-8"?>
+<file path=ppt/slides/slide34.xml><?xml version="1.0" encoding="utf-8"?>
 <p:sld xmlns:a="http://schemas.openxmlformats.org/drawingml/2006/main" xmlns:r="http://schemas.openxmlformats.org/officeDocument/2006/relationships" xmlns:p="http://schemas.openxmlformats.org/presentationml/2006/main" show="0">
   <p:cSld>
     <p:spTree>
@@ -16461,7 +18906,7 @@
 </p:sld>
 </file>
 
-<file path=ppt/slides/slide27.xml><?xml version="1.0" encoding="utf-8"?>
+<file path=ppt/slides/slide35.xml><?xml version="1.0" encoding="utf-8"?>
 <p:sld xmlns:a="http://schemas.openxmlformats.org/drawingml/2006/main" xmlns:r="http://schemas.openxmlformats.org/officeDocument/2006/relationships" xmlns:p="http://schemas.openxmlformats.org/presentationml/2006/main" show="0">
   <p:cSld>
     <p:spTree>
@@ -16630,7 +19075,7 @@
 </p:sld>
 </file>
 
-<file path=ppt/slides/slide28.xml><?xml version="1.0" encoding="utf-8"?>
+<file path=ppt/slides/slide36.xml><?xml version="1.0" encoding="utf-8"?>
 <p:sld xmlns:a="http://schemas.openxmlformats.org/drawingml/2006/main" xmlns:r="http://schemas.openxmlformats.org/officeDocument/2006/relationships" xmlns:p="http://schemas.openxmlformats.org/presentationml/2006/main" show="0">
   <p:cSld>
     <p:spTree>
@@ -16767,7 +19212,7 @@
 </p:sld>
 </file>
 
-<file path=ppt/slides/slide29.xml><?xml version="1.0" encoding="utf-8"?>
+<file path=ppt/slides/slide37.xml><?xml version="1.0" encoding="utf-8"?>
 <p:sld xmlns:a="http://schemas.openxmlformats.org/drawingml/2006/main" xmlns:r="http://schemas.openxmlformats.org/officeDocument/2006/relationships" xmlns:p="http://schemas.openxmlformats.org/presentationml/2006/main" show="0">
   <p:cSld>
     <p:spTree>
@@ -17568,170 +20013,7 @@
 </p:sld>
 </file>
 
-<file path=ppt/slides/slide3.xml><?xml version="1.0" encoding="utf-8"?>
-<p:sld xmlns:a="http://schemas.openxmlformats.org/drawingml/2006/main" xmlns:r="http://schemas.openxmlformats.org/officeDocument/2006/relationships" xmlns:p="http://schemas.openxmlformats.org/presentationml/2006/main">
-  <p:cSld>
-    <p:spTree>
-      <p:nvGrpSpPr>
-        <p:cNvPr id="1" name=""/>
-        <p:cNvGrpSpPr/>
-        <p:nvPr/>
-      </p:nvGrpSpPr>
-      <p:grpSpPr>
-        <a:xfrm>
-          <a:off x="0" y="0"/>
-          <a:ext cx="0" cy="0"/>
-          <a:chOff x="0" y="0"/>
-          <a:chExt cx="0" cy="0"/>
-        </a:xfrm>
-      </p:grpSpPr>
-      <p:sp>
-        <p:nvSpPr>
-          <p:cNvPr id="6146" name="标题 1">
-            <a:extLst>
-              <a:ext uri="{FF2B5EF4-FFF2-40B4-BE49-F238E27FC236}">
-                <a16:creationId xmlns:a16="http://schemas.microsoft.com/office/drawing/2014/main" id="{373C69C6-393A-4DDE-BCF7-F046D22398D2}"/>
-              </a:ext>
-            </a:extLst>
-          </p:cNvPr>
-          <p:cNvSpPr>
-            <a:spLocks noGrp="1"/>
-          </p:cNvSpPr>
-          <p:nvPr>
-            <p:ph type="title"/>
-          </p:nvPr>
-        </p:nvSpPr>
-        <p:spPr>
-          <a:xfrm>
-            <a:off x="628650" y="365125"/>
-            <a:ext cx="8126413" cy="1325563"/>
-          </a:xfrm>
-        </p:spPr>
-        <p:txBody>
-          <a:bodyPr/>
-          <a:lstStyle/>
-          <a:p>
-            <a:r>
-              <a:rPr lang="zh-CN" altLang="en-US" sz="5400" dirty="0">
-                <a:solidFill>
-                  <a:srgbClr val="1F4E79"/>
-                </a:solidFill>
-              </a:rPr>
-              <a:t>主要内容</a:t>
-            </a:r>
-            <a:r>
-              <a:rPr lang="en-US" altLang="zh-CN" sz="5400" dirty="0">
-                <a:solidFill>
-                  <a:srgbClr val="1F4E79"/>
-                </a:solidFill>
-              </a:rPr>
-              <a:t> </a:t>
-            </a:r>
-          </a:p>
-        </p:txBody>
-      </p:sp>
-      <p:sp>
-        <p:nvSpPr>
-          <p:cNvPr id="6147" name="内容占位符 2">
-            <a:extLst>
-              <a:ext uri="{FF2B5EF4-FFF2-40B4-BE49-F238E27FC236}">
-                <a16:creationId xmlns:a16="http://schemas.microsoft.com/office/drawing/2014/main" id="{C187586F-9366-4864-8671-9435528FCDF6}"/>
-              </a:ext>
-            </a:extLst>
-          </p:cNvPr>
-          <p:cNvSpPr>
-            <a:spLocks noGrp="1"/>
-          </p:cNvSpPr>
-          <p:nvPr>
-            <p:ph idx="1"/>
-          </p:nvPr>
-        </p:nvSpPr>
-        <p:spPr>
-          <a:xfrm>
-            <a:off x="628650" y="1825625"/>
-            <a:ext cx="8437563" cy="4351338"/>
-          </a:xfrm>
-        </p:spPr>
-        <p:txBody>
-          <a:bodyPr/>
-          <a:lstStyle/>
-          <a:p>
-            <a:pPr>
-              <a:buFont typeface="Wingdings" panose="05000000000000000000" pitchFamily="2" charset="2"/>
-              <a:buChar char="Ø"/>
-            </a:pPr>
-            <a:r>
-              <a:rPr lang="zh-CN" altLang="en-US" b="1" dirty="0"/>
-              <a:t>项目概述</a:t>
-            </a:r>
-            <a:endParaRPr lang="en-US" altLang="zh-CN" b="1" dirty="0"/>
-          </a:p>
-          <a:p>
-            <a:pPr>
-              <a:buFont typeface="Wingdings" panose="05000000000000000000" pitchFamily="2" charset="2"/>
-              <a:buChar char="Ø"/>
-            </a:pPr>
-            <a:r>
-              <a:rPr lang="zh-CN" altLang="en-US" b="1" dirty="0"/>
-              <a:t>需求分析</a:t>
-            </a:r>
-            <a:endParaRPr lang="en-US" altLang="zh-CN" b="1" dirty="0"/>
-          </a:p>
-          <a:p>
-            <a:pPr>
-              <a:buFont typeface="Wingdings" panose="05000000000000000000" pitchFamily="2" charset="2"/>
-              <a:buChar char="Ø"/>
-            </a:pPr>
-            <a:r>
-              <a:rPr lang="zh-CN" altLang="en-US" b="1" dirty="0"/>
-              <a:t>项目设计</a:t>
-            </a:r>
-            <a:endParaRPr lang="en-US" altLang="zh-CN" b="1" dirty="0"/>
-          </a:p>
-          <a:p>
-            <a:pPr>
-              <a:buFont typeface="Wingdings" panose="05000000000000000000" pitchFamily="2" charset="2"/>
-              <a:buChar char="Ø"/>
-            </a:pPr>
-            <a:r>
-              <a:rPr lang="zh-CN" altLang="en-US" b="1" dirty="0"/>
-              <a:t>代码开发</a:t>
-            </a:r>
-            <a:endParaRPr lang="en-US" altLang="zh-CN" b="1" dirty="0"/>
-          </a:p>
-          <a:p>
-            <a:pPr>
-              <a:buFont typeface="Wingdings" panose="05000000000000000000" pitchFamily="2" charset="2"/>
-              <a:buChar char="Ø"/>
-            </a:pPr>
-            <a:r>
-              <a:rPr lang="zh-CN" altLang="en-US" b="1" dirty="0"/>
-              <a:t>一致性验证</a:t>
-            </a:r>
-            <a:endParaRPr lang="en-US" altLang="zh-CN" b="1" dirty="0"/>
-          </a:p>
-          <a:p>
-            <a:pPr>
-              <a:buFont typeface="Wingdings" panose="05000000000000000000" pitchFamily="2" charset="2"/>
-              <a:buChar char="Ø"/>
-            </a:pPr>
-            <a:r>
-              <a:rPr lang="zh-CN" altLang="en-US" b="1" dirty="0"/>
-              <a:t>项目总结</a:t>
-            </a:r>
-            <a:endParaRPr lang="en-US" altLang="zh-CN" b="1" dirty="0"/>
-          </a:p>
-        </p:txBody>
-      </p:sp>
-    </p:spTree>
-  </p:cSld>
-  <p:clrMapOvr>
-    <a:masterClrMapping/>
-  </p:clrMapOvr>
-</p:sld>
-</file>
-
-<file path=ppt/slides/slide30.xml><?xml version="1.0" encoding="utf-8"?>
+<file path=ppt/slides/slide38.xml><?xml version="1.0" encoding="utf-8"?>
 <p:sld xmlns:a="http://schemas.openxmlformats.org/drawingml/2006/main" xmlns:r="http://schemas.openxmlformats.org/officeDocument/2006/relationships" xmlns:p="http://schemas.openxmlformats.org/presentationml/2006/main" show="0">
   <p:cSld>
     <p:spTree>
@@ -17882,7 +20164,7 @@
 </p:sld>
 </file>
 
-<file path=ppt/slides/slide31.xml><?xml version="1.0" encoding="utf-8"?>
+<file path=ppt/slides/slide39.xml><?xml version="1.0" encoding="utf-8"?>
 <p:sld xmlns:a="http://schemas.openxmlformats.org/drawingml/2006/main" xmlns:r="http://schemas.openxmlformats.org/officeDocument/2006/relationships" xmlns:p="http://schemas.openxmlformats.org/presentationml/2006/main" show="0">
   <p:cSld>
     <p:spTree>
@@ -17994,7 +20276,183 @@
 </p:sld>
 </file>
 
-<file path=ppt/slides/slide32.xml><?xml version="1.0" encoding="utf-8"?>
+<file path=ppt/slides/slide4.xml><?xml version="1.0" encoding="utf-8"?>
+<p:sld xmlns:a="http://schemas.openxmlformats.org/drawingml/2006/main" xmlns:r="http://schemas.openxmlformats.org/officeDocument/2006/relationships" xmlns:p="http://schemas.openxmlformats.org/presentationml/2006/main">
+  <p:cSld>
+    <p:spTree>
+      <p:nvGrpSpPr>
+        <p:cNvPr id="1" name=""/>
+        <p:cNvGrpSpPr/>
+        <p:nvPr/>
+      </p:nvGrpSpPr>
+      <p:grpSpPr>
+        <a:xfrm>
+          <a:off x="0" y="0"/>
+          <a:ext cx="0" cy="0"/>
+          <a:chOff x="0" y="0"/>
+          <a:chExt cx="0" cy="0"/>
+        </a:xfrm>
+      </p:grpSpPr>
+      <p:sp>
+        <p:nvSpPr>
+          <p:cNvPr id="6146" name="标题 1">
+            <a:extLst>
+              <a:ext uri="{FF2B5EF4-FFF2-40B4-BE49-F238E27FC236}">
+                <a16:creationId xmlns:a16="http://schemas.microsoft.com/office/drawing/2014/main" id="{373C69C6-393A-4DDE-BCF7-F046D22398D2}"/>
+              </a:ext>
+            </a:extLst>
+          </p:cNvPr>
+          <p:cNvSpPr>
+            <a:spLocks noGrp="1"/>
+          </p:cNvSpPr>
+          <p:nvPr>
+            <p:ph type="title"/>
+          </p:nvPr>
+        </p:nvSpPr>
+        <p:spPr>
+          <a:xfrm>
+            <a:off x="628650" y="365125"/>
+            <a:ext cx="8126413" cy="1325563"/>
+          </a:xfrm>
+        </p:spPr>
+        <p:txBody>
+          <a:bodyPr/>
+          <a:lstStyle/>
+          <a:p>
+            <a:r>
+              <a:rPr lang="zh-CN" altLang="en-US" sz="5400" dirty="0">
+                <a:solidFill>
+                  <a:srgbClr val="1F4E79"/>
+                </a:solidFill>
+              </a:rPr>
+              <a:t>主要内容</a:t>
+            </a:r>
+            <a:r>
+              <a:rPr lang="en-US" altLang="zh-CN" sz="5400" dirty="0">
+                <a:solidFill>
+                  <a:srgbClr val="1F4E79"/>
+                </a:solidFill>
+              </a:rPr>
+              <a:t> </a:t>
+            </a:r>
+          </a:p>
+        </p:txBody>
+      </p:sp>
+      <p:sp>
+        <p:nvSpPr>
+          <p:cNvPr id="6147" name="内容占位符 2">
+            <a:extLst>
+              <a:ext uri="{FF2B5EF4-FFF2-40B4-BE49-F238E27FC236}">
+                <a16:creationId xmlns:a16="http://schemas.microsoft.com/office/drawing/2014/main" id="{C187586F-9366-4864-8671-9435528FCDF6}"/>
+              </a:ext>
+            </a:extLst>
+          </p:cNvPr>
+          <p:cNvSpPr>
+            <a:spLocks noGrp="1"/>
+          </p:cNvSpPr>
+          <p:nvPr>
+            <p:ph idx="1"/>
+          </p:nvPr>
+        </p:nvSpPr>
+        <p:spPr>
+          <a:xfrm>
+            <a:off x="628650" y="1825625"/>
+            <a:ext cx="8437563" cy="4351338"/>
+          </a:xfrm>
+        </p:spPr>
+        <p:txBody>
+          <a:bodyPr/>
+          <a:lstStyle/>
+          <a:p>
+            <a:pPr>
+              <a:buFont typeface="Wingdings" panose="05000000000000000000" pitchFamily="2" charset="2"/>
+              <a:buChar char="Ø"/>
+            </a:pPr>
+            <a:r>
+              <a:rPr lang="zh-CN" altLang="en-US" b="1" dirty="0">
+                <a:solidFill>
+                  <a:srgbClr val="0070C0"/>
+                </a:solidFill>
+              </a:rPr>
+              <a:t>项目概述</a:t>
+            </a:r>
+            <a:endParaRPr lang="en-US" altLang="zh-CN" b="1" dirty="0">
+              <a:solidFill>
+                <a:srgbClr val="0070C0"/>
+              </a:solidFill>
+            </a:endParaRPr>
+          </a:p>
+          <a:p>
+            <a:pPr>
+              <a:buFont typeface="Wingdings" panose="05000000000000000000" pitchFamily="2" charset="2"/>
+              <a:buChar char="Ø"/>
+            </a:pPr>
+            <a:r>
+              <a:rPr lang="zh-CN" altLang="en-US" b="1" dirty="0"/>
+              <a:t>需求分析</a:t>
+            </a:r>
+            <a:endParaRPr lang="en-US" altLang="zh-CN" b="1" dirty="0"/>
+          </a:p>
+          <a:p>
+            <a:pPr>
+              <a:buFont typeface="Wingdings" panose="05000000000000000000" pitchFamily="2" charset="2"/>
+              <a:buChar char="Ø"/>
+            </a:pPr>
+            <a:r>
+              <a:rPr lang="zh-CN" altLang="en-US" b="1" dirty="0"/>
+              <a:t>项目设计</a:t>
+            </a:r>
+            <a:endParaRPr lang="en-US" altLang="zh-CN" b="1" dirty="0"/>
+          </a:p>
+          <a:p>
+            <a:pPr>
+              <a:buFont typeface="Wingdings" panose="05000000000000000000" pitchFamily="2" charset="2"/>
+              <a:buChar char="Ø"/>
+            </a:pPr>
+            <a:r>
+              <a:rPr lang="zh-CN" altLang="en-US" b="1" dirty="0"/>
+              <a:t>代码开发</a:t>
+            </a:r>
+            <a:endParaRPr lang="en-US" altLang="zh-CN" b="1" dirty="0"/>
+          </a:p>
+          <a:p>
+            <a:pPr>
+              <a:buFont typeface="Wingdings" panose="05000000000000000000" pitchFamily="2" charset="2"/>
+              <a:buChar char="Ø"/>
+            </a:pPr>
+            <a:r>
+              <a:rPr lang="zh-CN" altLang="en-US" b="1" dirty="0"/>
+              <a:t>一致性验证</a:t>
+            </a:r>
+            <a:endParaRPr lang="en-US" altLang="zh-CN" b="1" dirty="0"/>
+          </a:p>
+          <a:p>
+            <a:pPr>
+              <a:buFont typeface="Wingdings" panose="05000000000000000000" pitchFamily="2" charset="2"/>
+              <a:buChar char="Ø"/>
+            </a:pPr>
+            <a:r>
+              <a:rPr lang="zh-CN" altLang="en-US" b="1" dirty="0"/>
+              <a:t>项目总结</a:t>
+            </a:r>
+            <a:endParaRPr lang="en-US" altLang="zh-CN" b="1" dirty="0"/>
+          </a:p>
+        </p:txBody>
+      </p:sp>
+    </p:spTree>
+    <p:extLst>
+      <p:ext uri="{BB962C8B-B14F-4D97-AF65-F5344CB8AC3E}">
+        <p14:creationId xmlns:p14="http://schemas.microsoft.com/office/powerpoint/2010/main" val="2472185527"/>
+      </p:ext>
+    </p:extLst>
+  </p:cSld>
+  <p:clrMapOvr>
+    <a:masterClrMapping/>
+  </p:clrMapOvr>
+</p:sld>
+</file>
+
+<file path=ppt/slides/slide40.xml><?xml version="1.0" encoding="utf-8"?>
 <p:sld xmlns:a="http://schemas.openxmlformats.org/drawingml/2006/main" xmlns:r="http://schemas.openxmlformats.org/officeDocument/2006/relationships" xmlns:p="http://schemas.openxmlformats.org/presentationml/2006/main" show="0">
   <p:cSld>
     <p:spTree>
@@ -18095,7 +20553,7 @@
 </p:sld>
 </file>
 
-<file path=ppt/slides/slide33.xml><?xml version="1.0" encoding="utf-8"?>
+<file path=ppt/slides/slide41.xml><?xml version="1.0" encoding="utf-8"?>
 <p:sld xmlns:a="http://schemas.openxmlformats.org/drawingml/2006/main" xmlns:r="http://schemas.openxmlformats.org/officeDocument/2006/relationships" xmlns:p="http://schemas.openxmlformats.org/presentationml/2006/main" show="0">
   <p:cSld>
     <p:spTree>
@@ -18196,7 +20654,7 @@
 </p:sld>
 </file>
 
-<file path=ppt/slides/slide34.xml><?xml version="1.0" encoding="utf-8"?>
+<file path=ppt/slides/slide42.xml><?xml version="1.0" encoding="utf-8"?>
 <p:sld xmlns:a="http://schemas.openxmlformats.org/drawingml/2006/main" xmlns:r="http://schemas.openxmlformats.org/officeDocument/2006/relationships" xmlns:p="http://schemas.openxmlformats.org/presentationml/2006/main" show="0">
   <p:cSld>
     <p:spTree>
@@ -18317,7 +20775,7 @@
 </p:sld>
 </file>
 
-<file path=ppt/slides/slide35.xml><?xml version="1.0" encoding="utf-8"?>
+<file path=ppt/slides/slide43.xml><?xml version="1.0" encoding="utf-8"?>
 <p:sld xmlns:a="http://schemas.openxmlformats.org/drawingml/2006/main" xmlns:r="http://schemas.openxmlformats.org/officeDocument/2006/relationships" xmlns:p="http://schemas.openxmlformats.org/presentationml/2006/main" show="0">
   <p:cSld>
     <p:spTree>
@@ -18542,7 +21000,7 @@
 </p:sld>
 </file>
 
-<file path=ppt/slides/slide36.xml><?xml version="1.0" encoding="utf-8"?>
+<file path=ppt/slides/slide44.xml><?xml version="1.0" encoding="utf-8"?>
 <p:sld xmlns:a="http://schemas.openxmlformats.org/drawingml/2006/main" xmlns:r="http://schemas.openxmlformats.org/officeDocument/2006/relationships" xmlns:p="http://schemas.openxmlformats.org/presentationml/2006/main">
   <p:cSld>
     <p:spTree>
@@ -18714,7 +21172,7 @@
 </p:sld>
 </file>
 
-<file path=ppt/slides/slide37.xml><?xml version="1.0" encoding="utf-8"?>
+<file path=ppt/slides/slide45.xml><?xml version="1.0" encoding="utf-8"?>
 <p:sld xmlns:a="http://schemas.openxmlformats.org/drawingml/2006/main" xmlns:r="http://schemas.openxmlformats.org/officeDocument/2006/relationships" xmlns:p="http://schemas.openxmlformats.org/presentationml/2006/main">
   <p:cSld>
     <p:spTree>
@@ -18921,7 +21379,7 @@
 </p:sld>
 </file>
 
-<file path=ppt/slides/slide38.xml><?xml version="1.0" encoding="utf-8"?>
+<file path=ppt/slides/slide46.xml><?xml version="1.0" encoding="utf-8"?>
 <p:sld xmlns:a="http://schemas.openxmlformats.org/drawingml/2006/main" xmlns:r="http://schemas.openxmlformats.org/officeDocument/2006/relationships" xmlns:p="http://schemas.openxmlformats.org/presentationml/2006/main">
   <p:cSld>
     <p:spTree>
@@ -19042,7 +21500,7 @@
 </p:sld>
 </file>
 
-<file path=ppt/slides/slide39.xml><?xml version="1.0" encoding="utf-8"?>
+<file path=ppt/slides/slide47.xml><?xml version="1.0" encoding="utf-8"?>
 <p:sld xmlns:a="http://schemas.openxmlformats.org/drawingml/2006/main" xmlns:r="http://schemas.openxmlformats.org/officeDocument/2006/relationships" xmlns:p="http://schemas.openxmlformats.org/presentationml/2006/main">
   <p:cSld>
     <p:spTree>
@@ -19163,7 +21621,7 @@
 </p:sld>
 </file>
 
-<file path=ppt/slides/slide4.xml><?xml version="1.0" encoding="utf-8"?>
+<file path=ppt/slides/slide48.xml><?xml version="1.0" encoding="utf-8"?>
 <p:sld xmlns:a="http://schemas.openxmlformats.org/drawingml/2006/main" xmlns:r="http://schemas.openxmlformats.org/officeDocument/2006/relationships" xmlns:p="http://schemas.openxmlformats.org/presentationml/2006/main">
   <p:cSld>
     <p:spTree>
@@ -19256,12 +21714,67 @@
               <a:buChar char="Ø"/>
             </a:pPr>
             <a:r>
+              <a:rPr lang="zh-CN" altLang="en-US" b="1" dirty="0"/>
+              <a:t>项目概述</a:t>
+            </a:r>
+            <a:endParaRPr lang="en-US" altLang="zh-CN" b="1" dirty="0"/>
+          </a:p>
+          <a:p>
+            <a:pPr>
+              <a:buFont typeface="Wingdings" panose="05000000000000000000" pitchFamily="2" charset="2"/>
+              <a:buChar char="Ø"/>
+            </a:pPr>
+            <a:r>
+              <a:rPr lang="zh-CN" altLang="en-US" b="1" dirty="0"/>
+              <a:t>需求分析</a:t>
+            </a:r>
+            <a:endParaRPr lang="en-US" altLang="zh-CN" b="1" dirty="0"/>
+          </a:p>
+          <a:p>
+            <a:pPr>
+              <a:buFont typeface="Wingdings" panose="05000000000000000000" pitchFamily="2" charset="2"/>
+              <a:buChar char="Ø"/>
+            </a:pPr>
+            <a:r>
+              <a:rPr lang="zh-CN" altLang="en-US" b="1" dirty="0"/>
+              <a:t>需求设计</a:t>
+            </a:r>
+            <a:endParaRPr lang="en-US" altLang="zh-CN" b="1" dirty="0"/>
+          </a:p>
+          <a:p>
+            <a:pPr>
+              <a:buFont typeface="Wingdings" panose="05000000000000000000" pitchFamily="2" charset="2"/>
+              <a:buChar char="Ø"/>
+            </a:pPr>
+            <a:r>
+              <a:rPr lang="zh-CN" altLang="en-US" b="1" dirty="0"/>
+              <a:t>代码开发</a:t>
+            </a:r>
+            <a:endParaRPr lang="en-US" altLang="zh-CN" b="1" dirty="0"/>
+          </a:p>
+          <a:p>
+            <a:pPr>
+              <a:buFont typeface="Wingdings" panose="05000000000000000000" pitchFamily="2" charset="2"/>
+              <a:buChar char="Ø"/>
+            </a:pPr>
+            <a:r>
+              <a:rPr lang="zh-CN" altLang="en-US" b="1" dirty="0"/>
+              <a:t>迭代测试</a:t>
+            </a:r>
+            <a:endParaRPr lang="en-US" altLang="zh-CN" b="1" dirty="0"/>
+          </a:p>
+          <a:p>
+            <a:pPr>
+              <a:buFont typeface="Wingdings" panose="05000000000000000000" pitchFamily="2" charset="2"/>
+              <a:buChar char="Ø"/>
+            </a:pPr>
+            <a:r>
               <a:rPr lang="zh-CN" altLang="en-US" b="1" dirty="0">
                 <a:solidFill>
                   <a:srgbClr val="0070C0"/>
                 </a:solidFill>
               </a:rPr>
-              <a:t>项目概述</a:t>
+              <a:t>项目总结</a:t>
             </a:r>
             <a:endParaRPr lang="en-US" altLang="zh-CN" b="1" dirty="0">
               <a:solidFill>
@@ -19269,67 +21782,12 @@
               </a:solidFill>
             </a:endParaRPr>
           </a:p>
-          <a:p>
-            <a:pPr>
-              <a:buFont typeface="Wingdings" panose="05000000000000000000" pitchFamily="2" charset="2"/>
-              <a:buChar char="Ø"/>
-            </a:pPr>
-            <a:r>
-              <a:rPr lang="zh-CN" altLang="en-US" b="1" dirty="0"/>
-              <a:t>需求分析</a:t>
-            </a:r>
-            <a:endParaRPr lang="en-US" altLang="zh-CN" b="1" dirty="0"/>
-          </a:p>
-          <a:p>
-            <a:pPr>
-              <a:buFont typeface="Wingdings" panose="05000000000000000000" pitchFamily="2" charset="2"/>
-              <a:buChar char="Ø"/>
-            </a:pPr>
-            <a:r>
-              <a:rPr lang="zh-CN" altLang="en-US" b="1" dirty="0"/>
-              <a:t>项目设计</a:t>
-            </a:r>
-            <a:endParaRPr lang="en-US" altLang="zh-CN" b="1" dirty="0"/>
-          </a:p>
-          <a:p>
-            <a:pPr>
-              <a:buFont typeface="Wingdings" panose="05000000000000000000" pitchFamily="2" charset="2"/>
-              <a:buChar char="Ø"/>
-            </a:pPr>
-            <a:r>
-              <a:rPr lang="zh-CN" altLang="en-US" b="1" dirty="0"/>
-              <a:t>代码开发</a:t>
-            </a:r>
-            <a:endParaRPr lang="en-US" altLang="zh-CN" b="1" dirty="0"/>
-          </a:p>
-          <a:p>
-            <a:pPr>
-              <a:buFont typeface="Wingdings" panose="05000000000000000000" pitchFamily="2" charset="2"/>
-              <a:buChar char="Ø"/>
-            </a:pPr>
-            <a:r>
-              <a:rPr lang="zh-CN" altLang="en-US" b="1" dirty="0"/>
-              <a:t>一致性验证</a:t>
-            </a:r>
-            <a:endParaRPr lang="en-US" altLang="zh-CN" b="1" dirty="0"/>
-          </a:p>
-          <a:p>
-            <a:pPr>
-              <a:buFont typeface="Wingdings" panose="05000000000000000000" pitchFamily="2" charset="2"/>
-              <a:buChar char="Ø"/>
-            </a:pPr>
-            <a:r>
-              <a:rPr lang="zh-CN" altLang="en-US" b="1" dirty="0"/>
-              <a:t>项目总结</a:t>
-            </a:r>
-            <a:endParaRPr lang="en-US" altLang="zh-CN" b="1" dirty="0"/>
-          </a:p>
         </p:txBody>
       </p:sp>
     </p:spTree>
     <p:extLst>
       <p:ext uri="{BB962C8B-B14F-4D97-AF65-F5344CB8AC3E}">
-        <p14:creationId xmlns:p14="http://schemas.microsoft.com/office/powerpoint/2010/main" val="2472185527"/>
+        <p14:creationId xmlns:p14="http://schemas.microsoft.com/office/powerpoint/2010/main" val="3260559637"/>
       </p:ext>
     </p:extLst>
   </p:cSld>
@@ -19339,7 +21797,7 @@
 </p:sld>
 </file>
 
-<file path=ppt/slides/slide40.xml><?xml version="1.0" encoding="utf-8"?>
+<file path=ppt/slides/slide49.xml><?xml version="1.0" encoding="utf-8"?>
 <p:sld xmlns:a="http://schemas.openxmlformats.org/drawingml/2006/main" xmlns:r="http://schemas.openxmlformats.org/officeDocument/2006/relationships" xmlns:p="http://schemas.openxmlformats.org/presentationml/2006/main">
   <p:cSld>
     <p:spTree>
@@ -19358,10 +21816,10 @@
       </p:grpSpPr>
       <p:sp>
         <p:nvSpPr>
-          <p:cNvPr id="6146" name="标题 1">
+          <p:cNvPr id="11266" name="Title 1">
             <a:extLst>
               <a:ext uri="{FF2B5EF4-FFF2-40B4-BE49-F238E27FC236}">
-                <a16:creationId xmlns:a16="http://schemas.microsoft.com/office/drawing/2014/main" id="{373C69C6-393A-4DDE-BCF7-F046D22398D2}"/>
+                <a16:creationId xmlns:a16="http://schemas.microsoft.com/office/drawing/2014/main" id="{DE2A2B24-CECA-41CB-B0DF-95AEC9A73671}"/>
               </a:ext>
             </a:extLst>
           </p:cNvPr>
@@ -19374,8 +21832,8 @@
         </p:nvSpPr>
         <p:spPr>
           <a:xfrm>
-            <a:off x="628650" y="365125"/>
-            <a:ext cx="8126413" cy="1325563"/>
+            <a:off x="247650" y="-30163"/>
+            <a:ext cx="8491538" cy="1144588"/>
           </a:xfrm>
         </p:spPr>
         <p:txBody>
@@ -19383,121 +21841,267 @@
           <a:lstStyle/>
           <a:p>
             <a:r>
-              <a:rPr lang="zh-CN" altLang="en-US" sz="5400" dirty="0">
+              <a:rPr lang="zh-CN" altLang="en-US" dirty="0">
                 <a:solidFill>
                   <a:srgbClr val="1F4E79"/>
                 </a:solidFill>
               </a:rPr>
-              <a:t>主要内容</a:t>
-            </a:r>
-            <a:r>
-              <a:rPr lang="en-US" altLang="zh-CN" sz="5400" dirty="0">
-                <a:solidFill>
-                  <a:srgbClr val="1F4E79"/>
-                </a:solidFill>
-              </a:rPr>
-              <a:t> </a:t>
-            </a:r>
+              <a:t>项目总结</a:t>
+            </a:r>
+            <a:endParaRPr lang="en-US" altLang="zh-CN" dirty="0">
+              <a:solidFill>
+                <a:srgbClr val="1F4E79"/>
+              </a:solidFill>
+            </a:endParaRPr>
           </a:p>
         </p:txBody>
       </p:sp>
       <p:sp>
         <p:nvSpPr>
-          <p:cNvPr id="6147" name="内容占位符 2">
+          <p:cNvPr id="5" name="文本框 4">
             <a:extLst>
               <a:ext uri="{FF2B5EF4-FFF2-40B4-BE49-F238E27FC236}">
-                <a16:creationId xmlns:a16="http://schemas.microsoft.com/office/drawing/2014/main" id="{C187586F-9366-4864-8671-9435528FCDF6}"/>
+                <a16:creationId xmlns:a16="http://schemas.microsoft.com/office/drawing/2014/main" id="{1343A9A8-D792-4105-B071-94BE21B153D3}"/>
               </a:ext>
             </a:extLst>
           </p:cNvPr>
-          <p:cNvSpPr>
-            <a:spLocks noGrp="1"/>
-          </p:cNvSpPr>
-          <p:nvPr>
-            <p:ph idx="1"/>
-          </p:nvPr>
+          <p:cNvSpPr txBox="1"/>
+          <p:nvPr/>
         </p:nvSpPr>
         <p:spPr>
           <a:xfrm>
-            <a:off x="628650" y="1825625"/>
-            <a:ext cx="8437563" cy="4351338"/>
+            <a:off x="564982" y="831622"/>
+            <a:ext cx="8331367" cy="6016519"/>
           </a:xfrm>
+          <a:prstGeom prst="rect">
+            <a:avLst/>
+          </a:prstGeom>
+          <a:noFill/>
         </p:spPr>
         <p:txBody>
-          <a:bodyPr/>
+          <a:bodyPr wrap="square">
+            <a:spAutoFit/>
+          </a:bodyPr>
           <a:lstStyle/>
           <a:p>
-            <a:pPr>
+            <a:pPr marL="414726" indent="-414726">
+              <a:lnSpc>
+                <a:spcPct val="150000"/>
+              </a:lnSpc>
               <a:buFont typeface="Wingdings" panose="05000000000000000000" pitchFamily="2" charset="2"/>
               <a:buChar char="Ø"/>
+              <a:defRPr/>
             </a:pPr>
             <a:r>
-              <a:rPr lang="zh-CN" altLang="en-US" b="1" dirty="0"/>
-              <a:t>项目概述</a:t>
-            </a:r>
-            <a:endParaRPr lang="en-US" altLang="zh-CN" b="1" dirty="0"/>
-          </a:p>
-          <a:p>
-            <a:pPr>
+              <a:rPr lang="zh-CN" altLang="en-US" sz="2800" dirty="0">
+                <a:latin typeface="+mj-lt"/>
+              </a:rPr>
+              <a:t>基于</a:t>
+            </a:r>
+            <a:r>
+              <a:rPr lang="en-US" altLang="zh-CN" sz="2800" dirty="0">
+                <a:latin typeface="+mj-lt"/>
+              </a:rPr>
+              <a:t>GUI</a:t>
+            </a:r>
+            <a:r>
+              <a:rPr lang="zh-CN" altLang="en-US" sz="2800" dirty="0">
+                <a:latin typeface="+mj-lt"/>
+              </a:rPr>
+              <a:t>交互的</a:t>
+            </a:r>
+            <a:r>
+              <a:rPr lang="en-US" altLang="zh-CN" sz="2800" dirty="0">
+                <a:latin typeface="+mj-lt"/>
+              </a:rPr>
+              <a:t>RUCM</a:t>
+            </a:r>
+            <a:r>
+              <a:rPr lang="zh-CN" altLang="en-US" sz="2800" dirty="0">
+                <a:latin typeface="+mj-lt"/>
+              </a:rPr>
+              <a:t>合规性检查工具</a:t>
+            </a:r>
+            <a:endParaRPr lang="en-US" altLang="zh-CN" sz="2800" dirty="0">
+              <a:latin typeface="+mj-lt"/>
+            </a:endParaRPr>
+          </a:p>
+          <a:p>
+            <a:pPr marL="414726" indent="-414726">
+              <a:lnSpc>
+                <a:spcPct val="150000"/>
+              </a:lnSpc>
               <a:buFont typeface="Wingdings" panose="05000000000000000000" pitchFamily="2" charset="2"/>
               <a:buChar char="Ø"/>
+              <a:defRPr/>
             </a:pPr>
             <a:r>
-              <a:rPr lang="zh-CN" altLang="en-US" b="1" dirty="0"/>
-              <a:t>需求分析</a:t>
-            </a:r>
-            <a:endParaRPr lang="en-US" altLang="zh-CN" b="1" dirty="0"/>
-          </a:p>
-          <a:p>
-            <a:pPr>
+              <a:rPr lang="zh-CN" altLang="en-US" sz="2800" dirty="0">
+                <a:latin typeface="+mj-lt"/>
+              </a:rPr>
+              <a:t>主要工作</a:t>
+            </a:r>
+            <a:endParaRPr lang="en-US" altLang="zh-CN" sz="2800" dirty="0">
+              <a:latin typeface="+mj-lt"/>
+            </a:endParaRPr>
+          </a:p>
+          <a:p>
+            <a:pPr marL="871926" lvl="1" indent="-414726">
+              <a:lnSpc>
+                <a:spcPct val="150000"/>
+              </a:lnSpc>
               <a:buFont typeface="Wingdings" panose="05000000000000000000" pitchFamily="2" charset="2"/>
               <a:buChar char="Ø"/>
+              <a:defRPr/>
             </a:pPr>
             <a:r>
-              <a:rPr lang="zh-CN" altLang="en-US" b="1" dirty="0"/>
-              <a:t>需求设计</a:t>
-            </a:r>
-            <a:endParaRPr lang="en-US" altLang="zh-CN" b="1" dirty="0"/>
-          </a:p>
-          <a:p>
-            <a:pPr>
+              <a:rPr lang="zh-CN" altLang="en-US" sz="2000" dirty="0">
+                <a:latin typeface="+mj-lt"/>
+              </a:rPr>
+              <a:t>领域分析</a:t>
+            </a:r>
+            <a:endParaRPr lang="en-US" altLang="zh-CN" sz="2000" dirty="0">
+              <a:latin typeface="+mj-lt"/>
+            </a:endParaRPr>
+          </a:p>
+          <a:p>
+            <a:pPr marL="871926" lvl="1" indent="-414726">
+              <a:lnSpc>
+                <a:spcPct val="150000"/>
+              </a:lnSpc>
               <a:buFont typeface="Wingdings" panose="05000000000000000000" pitchFamily="2" charset="2"/>
               <a:buChar char="Ø"/>
+              <a:defRPr/>
             </a:pPr>
             <a:r>
-              <a:rPr lang="zh-CN" altLang="en-US" b="1" dirty="0"/>
-              <a:t>代码开发</a:t>
-            </a:r>
-            <a:endParaRPr lang="en-US" altLang="zh-CN" b="1" dirty="0"/>
-          </a:p>
-          <a:p>
-            <a:pPr>
+              <a:rPr lang="zh-CN" altLang="en-US" sz="2000" dirty="0">
+                <a:latin typeface="+mj-lt"/>
+              </a:rPr>
+              <a:t>需求分析</a:t>
+            </a:r>
+            <a:endParaRPr lang="en-US" altLang="zh-CN" sz="2000" dirty="0">
+              <a:latin typeface="+mj-lt"/>
+            </a:endParaRPr>
+          </a:p>
+          <a:p>
+            <a:pPr marL="871926" lvl="1" indent="-414726">
+              <a:lnSpc>
+                <a:spcPct val="150000"/>
+              </a:lnSpc>
               <a:buFont typeface="Wingdings" panose="05000000000000000000" pitchFamily="2" charset="2"/>
               <a:buChar char="Ø"/>
+              <a:defRPr/>
             </a:pPr>
             <a:r>
-              <a:rPr lang="zh-CN" altLang="en-US" b="1" dirty="0"/>
-              <a:t>迭代测试</a:t>
-            </a:r>
-            <a:endParaRPr lang="en-US" altLang="zh-CN" b="1" dirty="0"/>
-          </a:p>
-          <a:p>
-            <a:pPr>
+              <a:rPr lang="zh-CN" altLang="en-US" sz="2000" dirty="0">
+                <a:latin typeface="+mj-lt"/>
+              </a:rPr>
+              <a:t>模型设计</a:t>
+            </a:r>
+            <a:endParaRPr lang="en-US" altLang="zh-CN" sz="2000" dirty="0">
+              <a:latin typeface="+mj-lt"/>
+            </a:endParaRPr>
+          </a:p>
+          <a:p>
+            <a:pPr marL="871926" lvl="1" indent="-414726">
+              <a:lnSpc>
+                <a:spcPct val="150000"/>
+              </a:lnSpc>
               <a:buFont typeface="Wingdings" panose="05000000000000000000" pitchFamily="2" charset="2"/>
               <a:buChar char="Ø"/>
+              <a:defRPr/>
             </a:pPr>
             <a:r>
-              <a:rPr lang="zh-CN" altLang="en-US" b="1" dirty="0">
+              <a:rPr lang="zh-CN" altLang="en-US" sz="2000" dirty="0">
+                <a:latin typeface="+mj-lt"/>
+              </a:rPr>
+              <a:t>代码开发</a:t>
+            </a:r>
+            <a:endParaRPr lang="en-US" altLang="zh-CN" sz="2000" dirty="0">
+              <a:latin typeface="+mj-lt"/>
+            </a:endParaRPr>
+          </a:p>
+          <a:p>
+            <a:pPr marL="871926" lvl="1" indent="-414726">
+              <a:lnSpc>
+                <a:spcPct val="150000"/>
+              </a:lnSpc>
+              <a:buFont typeface="Wingdings" panose="05000000000000000000" pitchFamily="2" charset="2"/>
+              <a:buChar char="Ø"/>
+              <a:defRPr/>
+            </a:pPr>
+            <a:r>
+              <a:rPr lang="zh-CN" altLang="en-US" sz="2000" dirty="0">
+                <a:latin typeface="+mj-lt"/>
+              </a:rPr>
+              <a:t>覆盖性测试</a:t>
+            </a:r>
+            <a:endParaRPr lang="en-US" altLang="zh-CN" sz="2000" dirty="0">
+              <a:latin typeface="+mj-lt"/>
+            </a:endParaRPr>
+          </a:p>
+          <a:p>
+            <a:pPr marL="871926" lvl="1" indent="-414726">
+              <a:lnSpc>
+                <a:spcPct val="150000"/>
+              </a:lnSpc>
+              <a:buFont typeface="Wingdings" panose="05000000000000000000" pitchFamily="2" charset="2"/>
+              <a:buChar char="Ø"/>
+              <a:defRPr/>
+            </a:pPr>
+            <a:r>
+              <a:rPr lang="zh-CN" altLang="en-US" sz="2000" dirty="0">
+                <a:latin typeface="+mj-lt"/>
+              </a:rPr>
+              <a:t>一致性验证</a:t>
+            </a:r>
+            <a:endParaRPr lang="en-US" altLang="zh-CN" sz="2000" dirty="0">
+              <a:latin typeface="+mj-lt"/>
+            </a:endParaRPr>
+          </a:p>
+          <a:p>
+            <a:pPr marL="414726" indent="-414726">
+              <a:lnSpc>
+                <a:spcPct val="150000"/>
+              </a:lnSpc>
+              <a:buFont typeface="Wingdings" panose="05000000000000000000" pitchFamily="2" charset="2"/>
+              <a:buChar char="Ø"/>
+              <a:defRPr/>
+            </a:pPr>
+            <a:r>
+              <a:rPr lang="zh-CN" altLang="en-US" sz="2800" dirty="0">
+                <a:latin typeface="+mj-lt"/>
+              </a:rPr>
+              <a:t>从几十行代码到几千行代码，</a:t>
+            </a:r>
+            <a:r>
+              <a:rPr lang="zh-CN" altLang="en-US" sz="2800" b="1" dirty="0">
                 <a:solidFill>
-                  <a:srgbClr val="0070C0"/>
+                  <a:srgbClr val="FF0000"/>
                 </a:solidFill>
-              </a:rPr>
-              <a:t>项目总结</a:t>
-            </a:r>
-            <a:endParaRPr lang="en-US" altLang="zh-CN" b="1" dirty="0">
-              <a:solidFill>
-                <a:srgbClr val="0070C0"/>
-              </a:solidFill>
+                <a:latin typeface="+mj-lt"/>
+              </a:rPr>
+              <a:t>团队协作能力</a:t>
+            </a:r>
+            <a:r>
+              <a:rPr lang="zh-CN" altLang="en-US" sz="2800" dirty="0">
+                <a:latin typeface="+mj-lt"/>
+              </a:rPr>
+              <a:t>的考验与提升</a:t>
+            </a:r>
+            <a:endParaRPr lang="en-US" altLang="zh-CN" sz="2800" dirty="0">
+              <a:latin typeface="+mj-lt"/>
+            </a:endParaRPr>
+          </a:p>
+          <a:p>
+            <a:pPr>
+              <a:lnSpc>
+                <a:spcPct val="150000"/>
+              </a:lnSpc>
+              <a:defRPr/>
+            </a:pPr>
+            <a:endParaRPr lang="en-US" altLang="zh-CN" sz="2800" dirty="0">
+              <a:latin typeface="+mj-lt"/>
             </a:endParaRPr>
           </a:p>
         </p:txBody>
@@ -19505,17 +22109,18 @@
     </p:spTree>
     <p:extLst>
       <p:ext uri="{BB962C8B-B14F-4D97-AF65-F5344CB8AC3E}">
-        <p14:creationId xmlns:p14="http://schemas.microsoft.com/office/powerpoint/2010/main" val="3260559637"/>
+        <p14:creationId xmlns:p14="http://schemas.microsoft.com/office/powerpoint/2010/main" val="1742572834"/>
       </p:ext>
     </p:extLst>
   </p:cSld>
   <p:clrMapOvr>
     <a:masterClrMapping/>
   </p:clrMapOvr>
+  <p:transition spd="slow"/>
 </p:sld>
 </file>
 
-<file path=ppt/slides/slide41.xml><?xml version="1.0" encoding="utf-8"?>
+<file path=ppt/slides/slide5.xml><?xml version="1.0" encoding="utf-8"?>
 <p:sld xmlns:a="http://schemas.openxmlformats.org/drawingml/2006/main" xmlns:r="http://schemas.openxmlformats.org/officeDocument/2006/relationships" xmlns:p="http://schemas.openxmlformats.org/presentationml/2006/main">
   <p:cSld>
     <p:spTree>
@@ -19564,7 +22169,7 @@
                   <a:srgbClr val="1F4E79"/>
                 </a:solidFill>
               </a:rPr>
-              <a:t>项目总结</a:t>
+              <a:t>项目概述</a:t>
             </a:r>
             <a:endParaRPr lang="en-US" altLang="zh-CN" dirty="0">
               <a:solidFill>
@@ -19579,7 +22184,7 @@
           <p:cNvPr id="5" name="文本框 4">
             <a:extLst>
               <a:ext uri="{FF2B5EF4-FFF2-40B4-BE49-F238E27FC236}">
-                <a16:creationId xmlns:a16="http://schemas.microsoft.com/office/drawing/2014/main" id="{1343A9A8-D792-4105-B071-94BE21B153D3}"/>
+                <a16:creationId xmlns:a16="http://schemas.microsoft.com/office/drawing/2014/main" id="{3751AC9C-218D-4EC5-AB4D-AC78D75343F3}"/>
               </a:ext>
             </a:extLst>
           </p:cNvPr>
@@ -19588,8 +22193,8 @@
         </p:nvSpPr>
         <p:spPr>
           <a:xfrm>
-            <a:off x="564982" y="831622"/>
-            <a:ext cx="8331367" cy="6016519"/>
+            <a:off x="247650" y="1301750"/>
+            <a:ext cx="8491538" cy="4550989"/>
           </a:xfrm>
           <a:prstGeom prst="rect">
             <a:avLst/>
@@ -19611,34 +22216,16 @@
               <a:defRPr/>
             </a:pPr>
             <a:r>
+              <a:rPr lang="en-US" altLang="zh-CN" sz="2800" dirty="0">
+                <a:latin typeface="+mj-lt"/>
+              </a:rPr>
+              <a:t>RUCM</a:t>
+            </a:r>
+            <a:r>
               <a:rPr lang="zh-CN" altLang="en-US" sz="2800" dirty="0">
                 <a:latin typeface="+mj-lt"/>
               </a:rPr>
-              <a:t>基于</a:t>
-            </a:r>
-            <a:r>
-              <a:rPr lang="en-US" altLang="zh-CN" sz="2800" dirty="0">
-                <a:latin typeface="+mj-lt"/>
-              </a:rPr>
-              <a:t>GUI</a:t>
-            </a:r>
-            <a:r>
-              <a:rPr lang="zh-CN" altLang="en-US" sz="2800" dirty="0">
-                <a:latin typeface="+mj-lt"/>
-              </a:rPr>
-              <a:t>交互的</a:t>
-            </a:r>
-            <a:r>
-              <a:rPr lang="en-US" altLang="zh-CN" sz="2800" dirty="0">
-                <a:latin typeface="+mj-lt"/>
-              </a:rPr>
-              <a:t>RUCM</a:t>
-            </a:r>
-            <a:r>
-              <a:rPr lang="zh-CN" altLang="en-US" sz="2800" dirty="0">
-                <a:latin typeface="+mj-lt"/>
-              </a:rPr>
-              <a:t>合规性检查工具</a:t>
+              <a:t>是一种结构化和模板化的需求规格，引入了流程、结构化句型和流程控制机制。</a:t>
             </a:r>
             <a:endParaRPr lang="en-US" altLang="zh-CN" sz="2800" dirty="0">
               <a:latin typeface="+mj-lt"/>
@@ -19653,127 +22240,7 @@
               <a:buChar char="Ø"/>
               <a:defRPr/>
             </a:pPr>
-            <a:r>
-              <a:rPr lang="zh-CN" altLang="en-US" sz="2800" dirty="0">
-                <a:latin typeface="+mj-lt"/>
-              </a:rPr>
-              <a:t>主要工作</a:t>
-            </a:r>
             <a:endParaRPr lang="en-US" altLang="zh-CN" sz="2800" dirty="0">
-              <a:latin typeface="+mj-lt"/>
-            </a:endParaRPr>
-          </a:p>
-          <a:p>
-            <a:pPr marL="871926" lvl="1" indent="-414726">
-              <a:lnSpc>
-                <a:spcPct val="150000"/>
-              </a:lnSpc>
-              <a:buFont typeface="Wingdings" panose="05000000000000000000" pitchFamily="2" charset="2"/>
-              <a:buChar char="Ø"/>
-              <a:defRPr/>
-            </a:pPr>
-            <a:r>
-              <a:rPr lang="zh-CN" altLang="en-US" sz="2000" dirty="0">
-                <a:latin typeface="+mj-lt"/>
-              </a:rPr>
-              <a:t>领域分析</a:t>
-            </a:r>
-            <a:endParaRPr lang="en-US" altLang="zh-CN" sz="2000" dirty="0">
-              <a:latin typeface="+mj-lt"/>
-            </a:endParaRPr>
-          </a:p>
-          <a:p>
-            <a:pPr marL="871926" lvl="1" indent="-414726">
-              <a:lnSpc>
-                <a:spcPct val="150000"/>
-              </a:lnSpc>
-              <a:buFont typeface="Wingdings" panose="05000000000000000000" pitchFamily="2" charset="2"/>
-              <a:buChar char="Ø"/>
-              <a:defRPr/>
-            </a:pPr>
-            <a:r>
-              <a:rPr lang="zh-CN" altLang="en-US" sz="2000" dirty="0">
-                <a:latin typeface="+mj-lt"/>
-              </a:rPr>
-              <a:t>需求分析</a:t>
-            </a:r>
-            <a:endParaRPr lang="en-US" altLang="zh-CN" sz="2000" dirty="0">
-              <a:latin typeface="+mj-lt"/>
-            </a:endParaRPr>
-          </a:p>
-          <a:p>
-            <a:pPr marL="871926" lvl="1" indent="-414726">
-              <a:lnSpc>
-                <a:spcPct val="150000"/>
-              </a:lnSpc>
-              <a:buFont typeface="Wingdings" panose="05000000000000000000" pitchFamily="2" charset="2"/>
-              <a:buChar char="Ø"/>
-              <a:defRPr/>
-            </a:pPr>
-            <a:r>
-              <a:rPr lang="zh-CN" altLang="en-US" sz="2000" dirty="0">
-                <a:latin typeface="+mj-lt"/>
-              </a:rPr>
-              <a:t>模型设计</a:t>
-            </a:r>
-            <a:endParaRPr lang="en-US" altLang="zh-CN" sz="2000" dirty="0">
-              <a:latin typeface="+mj-lt"/>
-            </a:endParaRPr>
-          </a:p>
-          <a:p>
-            <a:pPr marL="871926" lvl="1" indent="-414726">
-              <a:lnSpc>
-                <a:spcPct val="150000"/>
-              </a:lnSpc>
-              <a:buFont typeface="Wingdings" panose="05000000000000000000" pitchFamily="2" charset="2"/>
-              <a:buChar char="Ø"/>
-              <a:defRPr/>
-            </a:pPr>
-            <a:r>
-              <a:rPr lang="zh-CN" altLang="en-US" sz="2000" dirty="0">
-                <a:latin typeface="+mj-lt"/>
-              </a:rPr>
-              <a:t>代码开发</a:t>
-            </a:r>
-            <a:endParaRPr lang="en-US" altLang="zh-CN" sz="2000" dirty="0">
-              <a:latin typeface="+mj-lt"/>
-            </a:endParaRPr>
-          </a:p>
-          <a:p>
-            <a:pPr marL="871926" lvl="1" indent="-414726">
-              <a:lnSpc>
-                <a:spcPct val="150000"/>
-              </a:lnSpc>
-              <a:buFont typeface="Wingdings" panose="05000000000000000000" pitchFamily="2" charset="2"/>
-              <a:buChar char="Ø"/>
-              <a:defRPr/>
-            </a:pPr>
-            <a:r>
-              <a:rPr lang="zh-CN" altLang="en-US" sz="2000" dirty="0">
-                <a:latin typeface="+mj-lt"/>
-              </a:rPr>
-              <a:t>覆盖性测试</a:t>
-            </a:r>
-            <a:endParaRPr lang="en-US" altLang="zh-CN" sz="2000" dirty="0">
-              <a:latin typeface="+mj-lt"/>
-            </a:endParaRPr>
-          </a:p>
-          <a:p>
-            <a:pPr marL="871926" lvl="1" indent="-414726">
-              <a:lnSpc>
-                <a:spcPct val="150000"/>
-              </a:lnSpc>
-              <a:buFont typeface="Wingdings" panose="05000000000000000000" pitchFamily="2" charset="2"/>
-              <a:buChar char="Ø"/>
-              <a:defRPr/>
-            </a:pPr>
-            <a:r>
-              <a:rPr lang="zh-CN" altLang="en-US" sz="2000" dirty="0">
-                <a:latin typeface="+mj-lt"/>
-              </a:rPr>
-              <a:t>一致性验证</a:t>
-            </a:r>
-            <a:endParaRPr lang="en-US" altLang="zh-CN" sz="2000" dirty="0">
               <a:latin typeface="+mj-lt"/>
             </a:endParaRPr>
           </a:p>
@@ -19790,46 +22257,57 @@
               <a:rPr lang="zh-CN" altLang="en-US" sz="2800" dirty="0">
                 <a:latin typeface="+mj-lt"/>
               </a:rPr>
-              <a:t>从几十行代码到几千行代码，</a:t>
-            </a:r>
-            <a:r>
-              <a:rPr lang="zh-CN" altLang="en-US" sz="2800" b="1" dirty="0">
-                <a:solidFill>
-                  <a:srgbClr val="FF0000"/>
-                </a:solidFill>
+              <a:t>本项目以</a:t>
+            </a:r>
+            <a:r>
+              <a:rPr lang="en-US" altLang="zh-CN" sz="2800" dirty="0">
                 <a:latin typeface="+mj-lt"/>
               </a:rPr>
-              <a:t>团队协作能力</a:t>
+              <a:t>RUCM</a:t>
             </a:r>
             <a:r>
               <a:rPr lang="zh-CN" altLang="en-US" sz="2800" dirty="0">
                 <a:latin typeface="+mj-lt"/>
               </a:rPr>
-              <a:t>的考验与提升</a:t>
-            </a:r>
-            <a:endParaRPr lang="en-US" altLang="zh-CN" sz="2800" dirty="0">
+              <a:t>编辑器产生的</a:t>
+            </a:r>
+            <a:r>
+              <a:rPr lang="en-US" altLang="zh-CN" sz="2800" dirty="0" err="1">
+                <a:latin typeface="+mj-lt"/>
+              </a:rPr>
+              <a:t>rucm</a:t>
+            </a:r>
+            <a:r>
+              <a:rPr lang="zh-CN" altLang="en-US" sz="2800" dirty="0">
+                <a:latin typeface="+mj-lt"/>
+              </a:rPr>
+              <a:t>文件作为输入，依据课堂所讲授的</a:t>
+            </a:r>
+            <a:r>
+              <a:rPr lang="en-US" altLang="zh-CN" sz="2800" dirty="0">
+                <a:latin typeface="+mj-lt"/>
+              </a:rPr>
+              <a:t>RUCM</a:t>
+            </a:r>
+            <a:r>
+              <a:rPr lang="zh-CN" altLang="en-US" sz="2800" dirty="0">
+                <a:latin typeface="+mj-lt"/>
+              </a:rPr>
+              <a:t>规范指定相应的规则，并按照规则来自动检查一个具体的需求违反了哪些规则，同时能够支持规则的设置</a:t>
+            </a:r>
+            <a:r>
+              <a:rPr lang="zh-CN" altLang="en-US" sz="2540" dirty="0">
+                <a:latin typeface="+mj-lt"/>
+              </a:rPr>
+              <a:t>。</a:t>
+            </a:r>
+            <a:endParaRPr lang="en-US" altLang="zh-CN" sz="2540" dirty="0">
               <a:latin typeface="+mj-lt"/>
             </a:endParaRPr>
           </a:p>
-          <a:p>
-            <a:pPr>
-              <a:lnSpc>
-                <a:spcPct val="150000"/>
-              </a:lnSpc>
-              <a:defRPr/>
-            </a:pPr>
-            <a:endParaRPr lang="en-US" altLang="zh-CN" sz="2800" dirty="0">
-              <a:latin typeface="+mj-lt"/>
-            </a:endParaRPr>
-          </a:p>
         </p:txBody>
       </p:sp>
     </p:spTree>
-    <p:extLst>
-      <p:ext uri="{BB962C8B-B14F-4D97-AF65-F5344CB8AC3E}">
-        <p14:creationId xmlns:p14="http://schemas.microsoft.com/office/powerpoint/2010/main" val="1742572834"/>
-      </p:ext>
-    </p:extLst>
   </p:cSld>
   <p:clrMapOvr>
     <a:masterClrMapping/>
@@ -19838,7 +22316,7 @@
 </p:sld>
 </file>
 
-<file path=ppt/slides/slide42.xml><?xml version="1.0" encoding="utf-8"?>
+<file path=ppt/slides/slide50.xml><?xml version="1.0" encoding="utf-8"?>
 <p:sld xmlns:a="http://schemas.openxmlformats.org/drawingml/2006/main" xmlns:r="http://schemas.openxmlformats.org/officeDocument/2006/relationships" xmlns:p="http://schemas.openxmlformats.org/presentationml/2006/main">
   <p:cSld>
     <p:spTree>
@@ -20177,7 +22655,7 @@
 </p:sld>
 </file>
 
-<file path=ppt/slides/slide43.xml><?xml version="1.0" encoding="utf-8"?>
+<file path=ppt/slides/slide51.xml><?xml version="1.0" encoding="utf-8"?>
 <p:sld xmlns:a="http://schemas.openxmlformats.org/drawingml/2006/main" xmlns:r="http://schemas.openxmlformats.org/officeDocument/2006/relationships" xmlns:p="http://schemas.openxmlformats.org/presentationml/2006/main">
   <p:cSld>
     <p:spTree>
@@ -20419,7 +22897,7 @@
 </p:sld>
 </file>
 
-<file path=ppt/slides/slide44.xml><?xml version="1.0" encoding="utf-8"?>
+<file path=ppt/slides/slide52.xml><?xml version="1.0" encoding="utf-8"?>
 <p:sld xmlns:a="http://schemas.openxmlformats.org/drawingml/2006/main" xmlns:r="http://schemas.openxmlformats.org/officeDocument/2006/relationships" xmlns:p="http://schemas.openxmlformats.org/presentationml/2006/main">
   <p:cSld>
     <p:spTree>
@@ -20934,7 +23412,7 @@
 </p:sld>
 </file>
 
-<file path=ppt/slides/slide45.xml><?xml version="1.0" encoding="utf-8"?>
+<file path=ppt/slides/slide53.xml><?xml version="1.0" encoding="utf-8"?>
 <p:sld xmlns:a="http://schemas.openxmlformats.org/drawingml/2006/main" xmlns:r="http://schemas.openxmlformats.org/officeDocument/2006/relationships" xmlns:p="http://schemas.openxmlformats.org/presentationml/2006/main">
   <p:cSld>
     <p:spTree>
@@ -21215,7 +23693,7 @@
 </p:sld>
 </file>
 
-<file path=ppt/slides/slide46.xml><?xml version="1.0" encoding="utf-8"?>
+<file path=ppt/slides/slide54.xml><?xml version="1.0" encoding="utf-8"?>
 <p:sld xmlns:a="http://schemas.openxmlformats.org/drawingml/2006/main" xmlns:r="http://schemas.openxmlformats.org/officeDocument/2006/relationships" xmlns:p="http://schemas.openxmlformats.org/presentationml/2006/main">
   <p:cSld>
     <p:spTree>
@@ -21482,202 +23960,6 @@
         <p14:creationId xmlns:p14="http://schemas.microsoft.com/office/powerpoint/2010/main" val="2546204517"/>
       </p:ext>
     </p:extLst>
-  </p:cSld>
-  <p:clrMapOvr>
-    <a:masterClrMapping/>
-  </p:clrMapOvr>
-  <p:transition spd="slow"/>
-</p:sld>
-</file>
-
-<file path=ppt/slides/slide5.xml><?xml version="1.0" encoding="utf-8"?>
-<p:sld xmlns:a="http://schemas.openxmlformats.org/drawingml/2006/main" xmlns:r="http://schemas.openxmlformats.org/officeDocument/2006/relationships" xmlns:p="http://schemas.openxmlformats.org/presentationml/2006/main">
-  <p:cSld>
-    <p:spTree>
-      <p:nvGrpSpPr>
-        <p:cNvPr id="1" name=""/>
-        <p:cNvGrpSpPr/>
-        <p:nvPr/>
-      </p:nvGrpSpPr>
-      <p:grpSpPr>
-        <a:xfrm>
-          <a:off x="0" y="0"/>
-          <a:ext cx="0" cy="0"/>
-          <a:chOff x="0" y="0"/>
-          <a:chExt cx="0" cy="0"/>
-        </a:xfrm>
-      </p:grpSpPr>
-      <p:sp>
-        <p:nvSpPr>
-          <p:cNvPr id="11266" name="Title 1">
-            <a:extLst>
-              <a:ext uri="{FF2B5EF4-FFF2-40B4-BE49-F238E27FC236}">
-                <a16:creationId xmlns:a16="http://schemas.microsoft.com/office/drawing/2014/main" id="{DE2A2B24-CECA-41CB-B0DF-95AEC9A73671}"/>
-              </a:ext>
-            </a:extLst>
-          </p:cNvPr>
-          <p:cNvSpPr>
-            <a:spLocks noGrp="1"/>
-          </p:cNvSpPr>
-          <p:nvPr>
-            <p:ph type="title"/>
-          </p:nvPr>
-        </p:nvSpPr>
-        <p:spPr>
-          <a:xfrm>
-            <a:off x="247650" y="-30163"/>
-            <a:ext cx="8491538" cy="1144588"/>
-          </a:xfrm>
-        </p:spPr>
-        <p:txBody>
-          <a:bodyPr/>
-          <a:lstStyle/>
-          <a:p>
-            <a:r>
-              <a:rPr lang="zh-CN" altLang="en-US" dirty="0">
-                <a:solidFill>
-                  <a:srgbClr val="1F4E79"/>
-                </a:solidFill>
-              </a:rPr>
-              <a:t>项目概述</a:t>
-            </a:r>
-            <a:endParaRPr lang="en-US" altLang="zh-CN" dirty="0">
-              <a:solidFill>
-                <a:srgbClr val="1F4E79"/>
-              </a:solidFill>
-            </a:endParaRPr>
-          </a:p>
-        </p:txBody>
-      </p:sp>
-      <p:sp>
-        <p:nvSpPr>
-          <p:cNvPr id="5" name="文本框 4">
-            <a:extLst>
-              <a:ext uri="{FF2B5EF4-FFF2-40B4-BE49-F238E27FC236}">
-                <a16:creationId xmlns:a16="http://schemas.microsoft.com/office/drawing/2014/main" id="{3751AC9C-218D-4EC5-AB4D-AC78D75343F3}"/>
-              </a:ext>
-            </a:extLst>
-          </p:cNvPr>
-          <p:cNvSpPr txBox="1"/>
-          <p:nvPr/>
-        </p:nvSpPr>
-        <p:spPr>
-          <a:xfrm>
-            <a:off x="247650" y="1301750"/>
-            <a:ext cx="8491538" cy="4550989"/>
-          </a:xfrm>
-          <a:prstGeom prst="rect">
-            <a:avLst/>
-          </a:prstGeom>
-          <a:noFill/>
-        </p:spPr>
-        <p:txBody>
-          <a:bodyPr wrap="square">
-            <a:spAutoFit/>
-          </a:bodyPr>
-          <a:lstStyle/>
-          <a:p>
-            <a:pPr marL="414726" indent="-414726">
-              <a:lnSpc>
-                <a:spcPct val="150000"/>
-              </a:lnSpc>
-              <a:buFont typeface="Wingdings" panose="05000000000000000000" pitchFamily="2" charset="2"/>
-              <a:buChar char="Ø"/>
-              <a:defRPr/>
-            </a:pPr>
-            <a:r>
-              <a:rPr lang="en-US" altLang="zh-CN" sz="2800" dirty="0">
-                <a:latin typeface="+mj-lt"/>
-              </a:rPr>
-              <a:t>RUCM</a:t>
-            </a:r>
-            <a:r>
-              <a:rPr lang="zh-CN" altLang="en-US" sz="2800" dirty="0">
-                <a:latin typeface="+mj-lt"/>
-              </a:rPr>
-              <a:t>是一种结构化和模板化的需求规格，引入了流程、结构化句型和流程控制机制。</a:t>
-            </a:r>
-            <a:endParaRPr lang="en-US" altLang="zh-CN" sz="2800" dirty="0">
-              <a:latin typeface="+mj-lt"/>
-            </a:endParaRPr>
-          </a:p>
-          <a:p>
-            <a:pPr marL="414726" indent="-414726">
-              <a:lnSpc>
-                <a:spcPct val="150000"/>
-              </a:lnSpc>
-              <a:buFont typeface="Wingdings" panose="05000000000000000000" pitchFamily="2" charset="2"/>
-              <a:buChar char="Ø"/>
-              <a:defRPr/>
-            </a:pPr>
-            <a:endParaRPr lang="en-US" altLang="zh-CN" sz="2800" dirty="0">
-              <a:latin typeface="+mj-lt"/>
-            </a:endParaRPr>
-          </a:p>
-          <a:p>
-            <a:pPr marL="414726" indent="-414726">
-              <a:lnSpc>
-                <a:spcPct val="150000"/>
-              </a:lnSpc>
-              <a:buFont typeface="Wingdings" panose="05000000000000000000" pitchFamily="2" charset="2"/>
-              <a:buChar char="Ø"/>
-              <a:defRPr/>
-            </a:pPr>
-            <a:r>
-              <a:rPr lang="zh-CN" altLang="en-US" sz="2800" dirty="0">
-                <a:latin typeface="+mj-lt"/>
-              </a:rPr>
-              <a:t>本项目以</a:t>
-            </a:r>
-            <a:r>
-              <a:rPr lang="en-US" altLang="zh-CN" sz="2800" dirty="0">
-                <a:latin typeface="+mj-lt"/>
-              </a:rPr>
-              <a:t>RUCM</a:t>
-            </a:r>
-            <a:r>
-              <a:rPr lang="zh-CN" altLang="en-US" sz="2800" dirty="0">
-                <a:latin typeface="+mj-lt"/>
-              </a:rPr>
-              <a:t>编辑器产生的</a:t>
-            </a:r>
-            <a:r>
-              <a:rPr lang="en-US" altLang="zh-CN" sz="2800" dirty="0" err="1">
-                <a:latin typeface="+mj-lt"/>
-              </a:rPr>
-              <a:t>rucm</a:t>
-            </a:r>
-            <a:r>
-              <a:rPr lang="zh-CN" altLang="en-US" sz="2800" dirty="0">
-                <a:latin typeface="+mj-lt"/>
-              </a:rPr>
-              <a:t>文件作为输入，依据课堂所讲授的</a:t>
-            </a:r>
-            <a:r>
-              <a:rPr lang="en-US" altLang="zh-CN" sz="2800" dirty="0">
-                <a:latin typeface="+mj-lt"/>
-              </a:rPr>
-              <a:t>RUCM</a:t>
-            </a:r>
-            <a:r>
-              <a:rPr lang="zh-CN" altLang="en-US" sz="2800" dirty="0">
-                <a:latin typeface="+mj-lt"/>
-              </a:rPr>
-              <a:t>规范指定相应的规则，并按照规则来自动检查一个具体的需求违反了哪些规则，同时能够支持规则的设置</a:t>
-            </a:r>
-            <a:r>
-              <a:rPr lang="zh-CN" altLang="en-US" sz="2540" dirty="0">
-                <a:latin typeface="+mj-lt"/>
-              </a:rPr>
-              <a:t>。</a:t>
-            </a:r>
-            <a:endParaRPr lang="en-US" altLang="zh-CN" sz="2540" dirty="0">
-              <a:latin typeface="+mj-lt"/>
-            </a:endParaRPr>
-          </a:p>
-        </p:txBody>
-      </p:sp>
-    </p:spTree>
   </p:cSld>
   <p:clrMapOvr>
     <a:masterClrMapping/>

--- a/finalReport/RUCMChecker_final_report.pptx
+++ b/finalReport/RUCMChecker_final_report.pptx
@@ -4939,7 +4939,7 @@
               <a:pPr>
                 <a:defRPr/>
               </a:pPr>
-              <a:t>1/2/2019</a:t>
+              <a:t>1/2/19</a:t>
             </a:fld>
             <a:endParaRPr lang="en-US"/>
           </a:p>
@@ -10308,7 +10308,7 @@
               <a:pPr>
                 <a:defRPr/>
               </a:pPr>
-              <a:t>1/2/2019</a:t>
+              <a:t>1/2/19</a:t>
             </a:fld>
             <a:endParaRPr lang="en-US"/>
           </a:p>
@@ -10533,7 +10533,7 @@
               <a:pPr>
                 <a:defRPr/>
               </a:pPr>
-              <a:t>1/2/2019</a:t>
+              <a:t>1/2/19</a:t>
             </a:fld>
             <a:endParaRPr lang="en-US"/>
           </a:p>
@@ -11063,7 +11063,7 @@
               <a:pPr>
                 <a:defRPr/>
               </a:pPr>
-              <a:t>1/2/2019</a:t>
+              <a:t>1/2/19</a:t>
             </a:fld>
             <a:endParaRPr lang="en-US"/>
           </a:p>
@@ -11340,7 +11340,7 @@
               <a:pPr>
                 <a:defRPr/>
               </a:pPr>
-              <a:t>1/2/2019</a:t>
+              <a:t>1/2/19</a:t>
             </a:fld>
             <a:endParaRPr lang="en-US"/>
           </a:p>
@@ -11752,7 +11752,7 @@
               <a:pPr>
                 <a:defRPr/>
               </a:pPr>
-              <a:t>1/2/2019</a:t>
+              <a:t>1/2/19</a:t>
             </a:fld>
             <a:endParaRPr lang="en-US"/>
           </a:p>
@@ -11915,7 +11915,7 @@
               <a:pPr>
                 <a:defRPr/>
               </a:pPr>
-              <a:t>1/2/2019</a:t>
+              <a:t>1/2/19</a:t>
             </a:fld>
             <a:endParaRPr lang="en-US"/>
           </a:p>
@@ -12055,7 +12055,7 @@
               <a:pPr>
                 <a:defRPr/>
               </a:pPr>
-              <a:t>1/2/2019</a:t>
+              <a:t>1/2/19</a:t>
             </a:fld>
             <a:endParaRPr lang="en-US"/>
           </a:p>
@@ -12377,7 +12377,7 @@
               <a:pPr>
                 <a:defRPr/>
               </a:pPr>
-              <a:t>1/2/2019</a:t>
+              <a:t>1/2/19</a:t>
             </a:fld>
             <a:endParaRPr lang="en-US"/>
           </a:p>
@@ -12682,7 +12682,7 @@
               <a:pPr>
                 <a:defRPr/>
               </a:pPr>
-              <a:t>1/2/2019</a:t>
+              <a:t>1/2/19</a:t>
             </a:fld>
             <a:endParaRPr lang="en-US"/>
           </a:p>
@@ -13010,7 +13010,7 @@
               <a:pPr>
                 <a:defRPr/>
               </a:pPr>
-              <a:t>1/2/2019</a:t>
+              <a:t>1/2/19</a:t>
             </a:fld>
             <a:endParaRPr lang="en-US"/>
           </a:p>
@@ -17443,7 +17443,7 @@
               <a:rPr lang="en-US" altLang="zh-CN" sz="2800" dirty="0" err="1">
                 <a:latin typeface="+mj-lt"/>
               </a:rPr>
-              <a:t>nulputils</a:t>
+              <a:t>nlputils</a:t>
             </a:r>
             <a:r>
               <a:rPr lang="zh-CN" altLang="en-US" sz="2800" dirty="0">
@@ -21573,8 +21573,8 @@
         </p:nvSpPr>
         <p:spPr>
           <a:xfrm>
-            <a:off x="404812" y="933814"/>
-            <a:ext cx="7856872" cy="670440"/>
+            <a:off x="247650" y="993518"/>
+            <a:ext cx="7856872" cy="5841023"/>
           </a:xfrm>
           <a:prstGeom prst="rect">
             <a:avLst/>
@@ -21599,7 +21599,156 @@
               <a:rPr lang="zh-CN" altLang="en-US" sz="2800" dirty="0">
                 <a:latin typeface="+mj-lt"/>
               </a:rPr>
-              <a:t>杨森。。。。</a:t>
+              <a:t>分词 与 词性</a:t>
+            </a:r>
+            <a:endParaRPr lang="en-US" altLang="zh-CN" sz="2800" dirty="0">
+              <a:latin typeface="+mj-lt"/>
+            </a:endParaRPr>
+          </a:p>
+          <a:p>
+            <a:pPr marL="871926" lvl="1" indent="-414726">
+              <a:lnSpc>
+                <a:spcPct val="150000"/>
+              </a:lnSpc>
+              <a:buFont typeface="Wingdings" panose="05000000000000000000" pitchFamily="2" charset="2"/>
+              <a:buChar char="Ø"/>
+              <a:defRPr/>
+            </a:pPr>
+            <a:r>
+              <a:rPr lang="zh-CN" altLang="en-US" sz="2800" dirty="0">
+                <a:latin typeface="+mj-lt"/>
+              </a:rPr>
+              <a:t>结巴分词</a:t>
+            </a:r>
+            <a:endParaRPr lang="en-US" altLang="zh-CN" sz="2800" dirty="0">
+              <a:latin typeface="+mj-lt"/>
+            </a:endParaRPr>
+          </a:p>
+          <a:p>
+            <a:pPr marL="414726" indent="-414726">
+              <a:lnSpc>
+                <a:spcPct val="150000"/>
+              </a:lnSpc>
+              <a:buFont typeface="Wingdings" panose="05000000000000000000" pitchFamily="2" charset="2"/>
+              <a:buChar char="Ø"/>
+              <a:defRPr/>
+            </a:pPr>
+            <a:r>
+              <a:rPr lang="zh-CN" altLang="en-US" sz="2800" dirty="0">
+                <a:latin typeface="+mj-lt"/>
+              </a:rPr>
+              <a:t>语法分析</a:t>
+            </a:r>
+            <a:endParaRPr lang="en-US" altLang="zh-CN" sz="2800" dirty="0">
+              <a:latin typeface="+mj-lt"/>
+            </a:endParaRPr>
+          </a:p>
+          <a:p>
+            <a:pPr marL="871926" lvl="1" indent="-414726">
+              <a:lnSpc>
+                <a:spcPct val="150000"/>
+              </a:lnSpc>
+              <a:buFont typeface="Wingdings" panose="05000000000000000000" pitchFamily="2" charset="2"/>
+              <a:buChar char="Ø"/>
+              <a:defRPr/>
+            </a:pPr>
+            <a:r>
+              <a:rPr lang="en-US" altLang="zh-CN" sz="2800" dirty="0">
+                <a:latin typeface="+mj-lt"/>
+              </a:rPr>
+              <a:t>Stanford parser for Chinese</a:t>
+            </a:r>
+          </a:p>
+          <a:p>
+            <a:pPr marL="414726" indent="-414726">
+              <a:lnSpc>
+                <a:spcPct val="150000"/>
+              </a:lnSpc>
+              <a:buFont typeface="Wingdings" panose="05000000000000000000" pitchFamily="2" charset="2"/>
+              <a:buChar char="Ø"/>
+              <a:defRPr/>
+            </a:pPr>
+            <a:r>
+              <a:rPr lang="zh-CN" altLang="en-US" sz="2800" dirty="0">
+                <a:latin typeface="+mj-lt"/>
+              </a:rPr>
+              <a:t>针对中文的默认规则的重新定义</a:t>
+            </a:r>
+            <a:endParaRPr lang="en-US" altLang="zh-CN" sz="2800" dirty="0">
+              <a:latin typeface="+mj-lt"/>
+            </a:endParaRPr>
+          </a:p>
+          <a:p>
+            <a:pPr marL="414726" indent="-414726">
+              <a:lnSpc>
+                <a:spcPct val="150000"/>
+              </a:lnSpc>
+              <a:buFont typeface="Wingdings" panose="05000000000000000000" pitchFamily="2" charset="2"/>
+              <a:buChar char="Ø"/>
+              <a:defRPr/>
+            </a:pPr>
+            <a:r>
+              <a:rPr lang="zh-CN" altLang="en-US" sz="2800" dirty="0">
+                <a:latin typeface="+mj-lt"/>
+              </a:rPr>
+              <a:t>中英文混合</a:t>
+            </a:r>
+            <a:endParaRPr lang="en-US" altLang="zh-CN" sz="2800" dirty="0">
+              <a:latin typeface="+mj-lt"/>
+            </a:endParaRPr>
+          </a:p>
+          <a:p>
+            <a:pPr marL="871926" lvl="1" indent="-414726">
+              <a:lnSpc>
+                <a:spcPct val="150000"/>
+              </a:lnSpc>
+              <a:buFont typeface="Wingdings" panose="05000000000000000000" pitchFamily="2" charset="2"/>
+              <a:buChar char="Ø"/>
+              <a:defRPr/>
+            </a:pPr>
+            <a:r>
+              <a:rPr lang="zh-CN" altLang="en-US" sz="2800" dirty="0">
+                <a:latin typeface="+mj-lt"/>
+              </a:rPr>
+              <a:t>自动识别中英文</a:t>
+            </a:r>
+            <a:endParaRPr lang="en-US" altLang="zh-CN" sz="2800" dirty="0">
+              <a:latin typeface="+mj-lt"/>
+            </a:endParaRPr>
+          </a:p>
+          <a:p>
+            <a:pPr marL="871926" lvl="1" indent="-414726">
+              <a:lnSpc>
+                <a:spcPct val="150000"/>
+              </a:lnSpc>
+              <a:buFont typeface="Wingdings" panose="05000000000000000000" pitchFamily="2" charset="2"/>
+              <a:buChar char="Ø"/>
+              <a:defRPr/>
+            </a:pPr>
+            <a:r>
+              <a:rPr lang="zh-CN" altLang="en-US" sz="2800" dirty="0">
+                <a:latin typeface="+mj-lt"/>
+              </a:rPr>
+              <a:t>允许句间的混合</a:t>
+            </a:r>
+            <a:endParaRPr lang="en-US" altLang="zh-CN" sz="2800" dirty="0">
+              <a:latin typeface="+mj-lt"/>
+            </a:endParaRPr>
+          </a:p>
+          <a:p>
+            <a:pPr marL="871926" lvl="1" indent="-414726">
+              <a:lnSpc>
+                <a:spcPct val="150000"/>
+              </a:lnSpc>
+              <a:buFont typeface="Wingdings" panose="05000000000000000000" pitchFamily="2" charset="2"/>
+              <a:buChar char="Ø"/>
+              <a:defRPr/>
+            </a:pPr>
+            <a:r>
+              <a:rPr lang="zh-CN" altLang="en-US" sz="2800" dirty="0">
+                <a:latin typeface="+mj-lt"/>
+              </a:rPr>
+              <a:t>不允许句内的混合</a:t>
             </a:r>
             <a:endParaRPr lang="en-US" altLang="zh-CN" sz="2800" dirty="0">
               <a:latin typeface="+mj-lt"/>

--- a/finalReport/RUCMChecker_final_report.pptx
+++ b/finalReport/RUCMChecker_final_report.pptx
@@ -5,7 +5,7 @@
     <p:sldMasterId id="2147483660" r:id="rId1"/>
   </p:sldMasterIdLst>
   <p:notesMasterIdLst>
-    <p:notesMasterId r:id="rId56"/>
+    <p:notesMasterId r:id="rId55"/>
   </p:notesMasterIdLst>
   <p:sldIdLst>
     <p:sldId id="256" r:id="rId2"/>
@@ -53,15 +53,14 @@
     <p:sldId id="691" r:id="rId44"/>
     <p:sldId id="670" r:id="rId45"/>
     <p:sldId id="695" r:id="rId46"/>
-    <p:sldId id="697" r:id="rId47"/>
-    <p:sldId id="698" r:id="rId48"/>
-    <p:sldId id="681" r:id="rId49"/>
-    <p:sldId id="683" r:id="rId50"/>
-    <p:sldId id="701" r:id="rId51"/>
-    <p:sldId id="702" r:id="rId52"/>
-    <p:sldId id="703" r:id="rId53"/>
-    <p:sldId id="332" r:id="rId54"/>
-    <p:sldId id="649" r:id="rId55"/>
+    <p:sldId id="698" r:id="rId47"/>
+    <p:sldId id="681" r:id="rId48"/>
+    <p:sldId id="683" r:id="rId49"/>
+    <p:sldId id="702" r:id="rId50"/>
+    <p:sldId id="703" r:id="rId51"/>
+    <p:sldId id="332" r:id="rId52"/>
+    <p:sldId id="712" r:id="rId53"/>
+    <p:sldId id="649" r:id="rId54"/>
   </p:sldIdLst>
   <p:sldSz cx="9144000" cy="6858000" type="screen4x3"/>
   <p:notesSz cx="6858000" cy="9144000"/>
@@ -201,7 +200,7 @@
 <file path=ppt/charts/chart1.xml><?xml version="1.0" encoding="utf-8"?>
 <c:chartSpace xmlns:c="http://schemas.openxmlformats.org/drawingml/2006/chart" xmlns:a="http://schemas.openxmlformats.org/drawingml/2006/main" xmlns:r="http://schemas.openxmlformats.org/officeDocument/2006/relationships" xmlns:c16r2="http://schemas.microsoft.com/office/drawing/2015/06/chart">
   <c:date1904 val="0"/>
-  <c:lang val="en-US"/>
+  <c:lang val="zh-CN"/>
   <c:roundedCorners val="0"/>
   <mc:AlternateContent xmlns:mc="http://schemas.openxmlformats.org/markup-compatibility/2006">
     <mc:Choice xmlns:c14="http://schemas.microsoft.com/office/drawing/2007/8/2/chart" Requires="c14">
@@ -278,7 +277,7 @@
               <a:cs typeface="+mn-cs"/>
             </a:defRPr>
           </a:pPr>
-          <a:endParaRPr lang="en-US"/>
+          <a:endParaRPr lang="zh-CN"/>
         </a:p>
       </c:txPr>
     </c:title>
@@ -636,7 +635,7 @@
                 <a:cs typeface="+mn-cs"/>
               </a:defRPr>
             </a:pPr>
-            <a:endParaRPr lang="en-US"/>
+            <a:endParaRPr lang="zh-CN"/>
           </a:p>
         </c:txPr>
         <c:crossAx val="462948888"/>
@@ -695,7 +694,7 @@
                 <a:cs typeface="+mn-cs"/>
               </a:defRPr>
             </a:pPr>
-            <a:endParaRPr lang="en-US"/>
+            <a:endParaRPr lang="zh-CN"/>
           </a:p>
         </c:txPr>
         <c:crossAx val="462947576"/>
@@ -737,7 +736,7 @@
               <a:cs typeface="+mn-cs"/>
             </a:defRPr>
           </a:pPr>
-          <a:endParaRPr lang="en-US"/>
+          <a:endParaRPr lang="zh-CN"/>
         </a:p>
       </c:txPr>
     </c:legend>
@@ -766,7 +765,7 @@
       <a:pPr>
         <a:defRPr/>
       </a:pPr>
-      <a:endParaRPr lang="en-US"/>
+      <a:endParaRPr lang="zh-CN"/>
     </a:p>
   </c:txPr>
   <c:externalData r:id="rId3">
@@ -778,7 +777,7 @@
 <file path=ppt/charts/chart2.xml><?xml version="1.0" encoding="utf-8"?>
 <c:chartSpace xmlns:c="http://schemas.openxmlformats.org/drawingml/2006/chart" xmlns:a="http://schemas.openxmlformats.org/drawingml/2006/main" xmlns:r="http://schemas.openxmlformats.org/officeDocument/2006/relationships" xmlns:c16r2="http://schemas.microsoft.com/office/drawing/2015/06/chart">
   <c:date1904 val="0"/>
-  <c:lang val="en-US"/>
+  <c:lang val="zh-CN"/>
   <c:roundedCorners val="0"/>
   <mc:AlternateContent xmlns:mc="http://schemas.openxmlformats.org/markup-compatibility/2006">
     <mc:Choice xmlns:c14="http://schemas.microsoft.com/office/drawing/2007/8/2/chart" Requires="c14">
@@ -815,7 +814,7 @@
               <a:cs typeface="+mn-cs"/>
             </a:defRPr>
           </a:pPr>
-          <a:endParaRPr lang="en-US"/>
+          <a:endParaRPr lang="zh-CN"/>
         </a:p>
       </c:txPr>
     </c:title>
@@ -1011,7 +1010,7 @@
               <a:cs typeface="+mn-cs"/>
             </a:defRPr>
           </a:pPr>
-          <a:endParaRPr lang="en-US"/>
+          <a:endParaRPr lang="zh-CN"/>
         </a:p>
       </c:txPr>
     </c:legend>
@@ -1040,7 +1039,7 @@
       <a:pPr>
         <a:defRPr/>
       </a:pPr>
-      <a:endParaRPr lang="en-US"/>
+      <a:endParaRPr lang="zh-CN"/>
     </a:p>
   </c:txPr>
   <c:externalData r:id="rId3">
@@ -4939,7 +4938,7 @@
               <a:pPr>
                 <a:defRPr/>
               </a:pPr>
-              <a:t>1/2/19</a:t>
+              <a:t>1/3/2019</a:t>
             </a:fld>
             <a:endParaRPr lang="en-US"/>
           </a:p>
@@ -8381,7 +8380,7 @@
     </p:spTree>
     <p:extLst>
       <p:ext uri="{BB962C8B-B14F-4D97-AF65-F5344CB8AC3E}">
-        <p14:creationId xmlns:p14="http://schemas.microsoft.com/office/powerpoint/2010/main" val="2371731440"/>
+        <p14:creationId xmlns:p14="http://schemas.microsoft.com/office/powerpoint/2010/main" val="327987258"/>
       </p:ext>
     </p:extLst>
   </p:cSld>
@@ -8452,6 +8451,18 @@
               <a:tabLst/>
               <a:defRPr/>
             </a:pPr>
+            <a:r>
+              <a:rPr lang="zh-CN" altLang="en-US" sz="1200" kern="1200" dirty="0">
+                <a:solidFill>
+                  <a:schemeClr val="tx1"/>
+                </a:solidFill>
+                <a:effectLst/>
+                <a:latin typeface="+mn-lt"/>
+                <a:ea typeface="+mn-ea"/>
+                <a:cs typeface="+mn-cs"/>
+              </a:rPr>
+              <a:t>团队协作能力、吵架能力的提升</a:t>
+            </a:r>
             <a:endParaRPr lang="zh-CN" altLang="zh-CN" sz="1200" kern="1200" dirty="0">
               <a:solidFill>
                 <a:schemeClr val="tx1"/>
@@ -8487,7 +8498,7 @@
               <a:pPr>
                 <a:defRPr/>
               </a:pPr>
-              <a:t>47</a:t>
+              <a:t>48</a:t>
             </a:fld>
             <a:endParaRPr lang="en-US"/>
           </a:p>
@@ -8496,7 +8507,7 @@
     </p:spTree>
     <p:extLst>
       <p:ext uri="{BB962C8B-B14F-4D97-AF65-F5344CB8AC3E}">
-        <p14:creationId xmlns:p14="http://schemas.microsoft.com/office/powerpoint/2010/main" val="327987258"/>
+        <p14:creationId xmlns:p14="http://schemas.microsoft.com/office/powerpoint/2010/main" val="2138529283"/>
       </p:ext>
     </p:extLst>
   </p:cSld>
@@ -8623,7 +8634,7 @@
     </p:spTree>
     <p:extLst>
       <p:ext uri="{BB962C8B-B14F-4D97-AF65-F5344CB8AC3E}">
-        <p14:creationId xmlns:p14="http://schemas.microsoft.com/office/powerpoint/2010/main" val="2138529283"/>
+        <p14:creationId xmlns:p14="http://schemas.microsoft.com/office/powerpoint/2010/main" val="644760793"/>
       </p:ext>
     </p:extLst>
   </p:cSld>
@@ -8742,260 +8753,6 @@
                 <a:defRPr/>
               </a:pPr>
               <a:t>50</a:t>
-            </a:fld>
-            <a:endParaRPr lang="en-US"/>
-          </a:p>
-        </p:txBody>
-      </p:sp>
-    </p:spTree>
-    <p:extLst>
-      <p:ext uri="{BB962C8B-B14F-4D97-AF65-F5344CB8AC3E}">
-        <p14:creationId xmlns:p14="http://schemas.microsoft.com/office/powerpoint/2010/main" val="2870062466"/>
-      </p:ext>
-    </p:extLst>
-  </p:cSld>
-  <p:clrMapOvr>
-    <a:masterClrMapping/>
-  </p:clrMapOvr>
-</p:notes>
-</file>
-
-<file path=ppt/notesSlides/notesSlide34.xml><?xml version="1.0" encoding="utf-8"?>
-<p:notes xmlns:a="http://schemas.openxmlformats.org/drawingml/2006/main" xmlns:r="http://schemas.openxmlformats.org/officeDocument/2006/relationships" xmlns:p="http://schemas.openxmlformats.org/presentationml/2006/main">
-  <p:cSld>
-    <p:spTree>
-      <p:nvGrpSpPr>
-        <p:cNvPr id="1" name=""/>
-        <p:cNvGrpSpPr/>
-        <p:nvPr/>
-      </p:nvGrpSpPr>
-      <p:grpSpPr>
-        <a:xfrm>
-          <a:off x="0" y="0"/>
-          <a:ext cx="0" cy="0"/>
-          <a:chOff x="0" y="0"/>
-          <a:chExt cx="0" cy="0"/>
-        </a:xfrm>
-      </p:grpSpPr>
-      <p:sp>
-        <p:nvSpPr>
-          <p:cNvPr id="2" name="幻灯片图像占位符 1"/>
-          <p:cNvSpPr>
-            <a:spLocks noGrp="1" noRot="1" noChangeAspect="1"/>
-          </p:cNvSpPr>
-          <p:nvPr>
-            <p:ph type="sldImg"/>
-          </p:nvPr>
-        </p:nvSpPr>
-        <p:spPr/>
-      </p:sp>
-      <p:sp>
-        <p:nvSpPr>
-          <p:cNvPr id="3" name="备注占位符 2"/>
-          <p:cNvSpPr>
-            <a:spLocks noGrp="1"/>
-          </p:cNvSpPr>
-          <p:nvPr>
-            <p:ph type="body" idx="1"/>
-          </p:nvPr>
-        </p:nvSpPr>
-        <p:spPr/>
-        <p:txBody>
-          <a:bodyPr/>
-          <a:lstStyle/>
-          <a:p>
-            <a:pPr marL="0" marR="0" lvl="0" indent="0" algn="l" defTabSz="914400" rtl="0" eaLnBrk="0" fontAlgn="base" latinLnBrk="0" hangingPunct="0">
-              <a:lnSpc>
-                <a:spcPct val="100000"/>
-              </a:lnSpc>
-              <a:spcBef>
-                <a:spcPct val="30000"/>
-              </a:spcBef>
-              <a:spcAft>
-                <a:spcPct val="0"/>
-              </a:spcAft>
-              <a:buClrTx/>
-              <a:buSzTx/>
-              <a:buFontTx/>
-              <a:buNone/>
-              <a:tabLst/>
-              <a:defRPr/>
-            </a:pPr>
-            <a:r>
-              <a:rPr lang="zh-CN" altLang="en-US" sz="1200" kern="1200" dirty="0">
-                <a:solidFill>
-                  <a:schemeClr val="tx1"/>
-                </a:solidFill>
-                <a:effectLst/>
-                <a:latin typeface="+mn-lt"/>
-                <a:ea typeface="+mn-ea"/>
-                <a:cs typeface="+mn-cs"/>
-              </a:rPr>
-              <a:t>团队协作能力、吵架能力的提升</a:t>
-            </a:r>
-            <a:endParaRPr lang="zh-CN" altLang="zh-CN" sz="1200" kern="1200" dirty="0">
-              <a:solidFill>
-                <a:schemeClr val="tx1"/>
-              </a:solidFill>
-              <a:effectLst/>
-              <a:latin typeface="+mn-lt"/>
-              <a:ea typeface="+mn-ea"/>
-              <a:cs typeface="+mn-cs"/>
-            </a:endParaRPr>
-          </a:p>
-        </p:txBody>
-      </p:sp>
-      <p:sp>
-        <p:nvSpPr>
-          <p:cNvPr id="4" name="灯片编号占位符 3"/>
-          <p:cNvSpPr>
-            <a:spLocks noGrp="1"/>
-          </p:cNvSpPr>
-          <p:nvPr>
-            <p:ph type="sldNum" sz="quarter" idx="5"/>
-          </p:nvPr>
-        </p:nvSpPr>
-        <p:spPr/>
-        <p:txBody>
-          <a:bodyPr/>
-          <a:lstStyle/>
-          <a:p>
-            <a:pPr>
-              <a:defRPr/>
-            </a:pPr>
-            <a:fld id="{DFECE1C4-3D55-403B-8670-DF732B473E43}" type="slidenum">
-              <a:rPr lang="en-US" smtClean="0"/>
-              <a:pPr>
-                <a:defRPr/>
-              </a:pPr>
-              <a:t>51</a:t>
-            </a:fld>
-            <a:endParaRPr lang="en-US"/>
-          </a:p>
-        </p:txBody>
-      </p:sp>
-    </p:spTree>
-    <p:extLst>
-      <p:ext uri="{BB962C8B-B14F-4D97-AF65-F5344CB8AC3E}">
-        <p14:creationId xmlns:p14="http://schemas.microsoft.com/office/powerpoint/2010/main" val="644760793"/>
-      </p:ext>
-    </p:extLst>
-  </p:cSld>
-  <p:clrMapOvr>
-    <a:masterClrMapping/>
-  </p:clrMapOvr>
-</p:notes>
-</file>
-
-<file path=ppt/notesSlides/notesSlide35.xml><?xml version="1.0" encoding="utf-8"?>
-<p:notes xmlns:a="http://schemas.openxmlformats.org/drawingml/2006/main" xmlns:r="http://schemas.openxmlformats.org/officeDocument/2006/relationships" xmlns:p="http://schemas.openxmlformats.org/presentationml/2006/main">
-  <p:cSld>
-    <p:spTree>
-      <p:nvGrpSpPr>
-        <p:cNvPr id="1" name=""/>
-        <p:cNvGrpSpPr/>
-        <p:nvPr/>
-      </p:nvGrpSpPr>
-      <p:grpSpPr>
-        <a:xfrm>
-          <a:off x="0" y="0"/>
-          <a:ext cx="0" cy="0"/>
-          <a:chOff x="0" y="0"/>
-          <a:chExt cx="0" cy="0"/>
-        </a:xfrm>
-      </p:grpSpPr>
-      <p:sp>
-        <p:nvSpPr>
-          <p:cNvPr id="2" name="幻灯片图像占位符 1"/>
-          <p:cNvSpPr>
-            <a:spLocks noGrp="1" noRot="1" noChangeAspect="1"/>
-          </p:cNvSpPr>
-          <p:nvPr>
-            <p:ph type="sldImg"/>
-          </p:nvPr>
-        </p:nvSpPr>
-        <p:spPr/>
-      </p:sp>
-      <p:sp>
-        <p:nvSpPr>
-          <p:cNvPr id="3" name="备注占位符 2"/>
-          <p:cNvSpPr>
-            <a:spLocks noGrp="1"/>
-          </p:cNvSpPr>
-          <p:nvPr>
-            <p:ph type="body" idx="1"/>
-          </p:nvPr>
-        </p:nvSpPr>
-        <p:spPr/>
-        <p:txBody>
-          <a:bodyPr/>
-          <a:lstStyle/>
-          <a:p>
-            <a:pPr marL="0" marR="0" lvl="0" indent="0" algn="l" defTabSz="914400" rtl="0" eaLnBrk="0" fontAlgn="base" latinLnBrk="0" hangingPunct="0">
-              <a:lnSpc>
-                <a:spcPct val="100000"/>
-              </a:lnSpc>
-              <a:spcBef>
-                <a:spcPct val="30000"/>
-              </a:spcBef>
-              <a:spcAft>
-                <a:spcPct val="0"/>
-              </a:spcAft>
-              <a:buClrTx/>
-              <a:buSzTx/>
-              <a:buFontTx/>
-              <a:buNone/>
-              <a:tabLst/>
-              <a:defRPr/>
-            </a:pPr>
-            <a:r>
-              <a:rPr lang="zh-CN" altLang="en-US" sz="1200" kern="1200" dirty="0">
-                <a:solidFill>
-                  <a:schemeClr val="tx1"/>
-                </a:solidFill>
-                <a:effectLst/>
-                <a:latin typeface="+mn-lt"/>
-                <a:ea typeface="+mn-ea"/>
-                <a:cs typeface="+mn-cs"/>
-              </a:rPr>
-              <a:t>团队协作能力、吵架能力的提升</a:t>
-            </a:r>
-            <a:endParaRPr lang="zh-CN" altLang="zh-CN" sz="1200" kern="1200" dirty="0">
-              <a:solidFill>
-                <a:schemeClr val="tx1"/>
-              </a:solidFill>
-              <a:effectLst/>
-              <a:latin typeface="+mn-lt"/>
-              <a:ea typeface="+mn-ea"/>
-              <a:cs typeface="+mn-cs"/>
-            </a:endParaRPr>
-          </a:p>
-        </p:txBody>
-      </p:sp>
-      <p:sp>
-        <p:nvSpPr>
-          <p:cNvPr id="4" name="灯片编号占位符 3"/>
-          <p:cNvSpPr>
-            <a:spLocks noGrp="1"/>
-          </p:cNvSpPr>
-          <p:nvPr>
-            <p:ph type="sldNum" sz="quarter" idx="5"/>
-          </p:nvPr>
-        </p:nvSpPr>
-        <p:spPr/>
-        <p:txBody>
-          <a:bodyPr/>
-          <a:lstStyle/>
-          <a:p>
-            <a:pPr>
-              <a:defRPr/>
-            </a:pPr>
-            <a:fld id="{DFECE1C4-3D55-403B-8670-DF732B473E43}" type="slidenum">
-              <a:rPr lang="en-US" smtClean="0"/>
-              <a:pPr>
-                <a:defRPr/>
-              </a:pPr>
-              <a:t>52</a:t>
             </a:fld>
             <a:endParaRPr lang="en-US"/>
           </a:p>
@@ -10308,7 +10065,7 @@
               <a:pPr>
                 <a:defRPr/>
               </a:pPr>
-              <a:t>1/2/19</a:t>
+              <a:t>1/3/2019</a:t>
             </a:fld>
             <a:endParaRPr lang="en-US"/>
           </a:p>
@@ -10533,7 +10290,7 @@
               <a:pPr>
                 <a:defRPr/>
               </a:pPr>
-              <a:t>1/2/19</a:t>
+              <a:t>1/3/2019</a:t>
             </a:fld>
             <a:endParaRPr lang="en-US"/>
           </a:p>
@@ -11063,7 +10820,7 @@
               <a:pPr>
                 <a:defRPr/>
               </a:pPr>
-              <a:t>1/2/19</a:t>
+              <a:t>1/3/2019</a:t>
             </a:fld>
             <a:endParaRPr lang="en-US"/>
           </a:p>
@@ -11340,7 +11097,7 @@
               <a:pPr>
                 <a:defRPr/>
               </a:pPr>
-              <a:t>1/2/19</a:t>
+              <a:t>1/3/2019</a:t>
             </a:fld>
             <a:endParaRPr lang="en-US"/>
           </a:p>
@@ -11752,7 +11509,7 @@
               <a:pPr>
                 <a:defRPr/>
               </a:pPr>
-              <a:t>1/2/19</a:t>
+              <a:t>1/3/2019</a:t>
             </a:fld>
             <a:endParaRPr lang="en-US"/>
           </a:p>
@@ -11915,7 +11672,7 @@
               <a:pPr>
                 <a:defRPr/>
               </a:pPr>
-              <a:t>1/2/19</a:t>
+              <a:t>1/3/2019</a:t>
             </a:fld>
             <a:endParaRPr lang="en-US"/>
           </a:p>
@@ -12055,7 +11812,7 @@
               <a:pPr>
                 <a:defRPr/>
               </a:pPr>
-              <a:t>1/2/19</a:t>
+              <a:t>1/3/2019</a:t>
             </a:fld>
             <a:endParaRPr lang="en-US"/>
           </a:p>
@@ -12377,7 +12134,7 @@
               <a:pPr>
                 <a:defRPr/>
               </a:pPr>
-              <a:t>1/2/19</a:t>
+              <a:t>1/3/2019</a:t>
             </a:fld>
             <a:endParaRPr lang="en-US"/>
           </a:p>
@@ -12682,7 +12439,7 @@
               <a:pPr>
                 <a:defRPr/>
               </a:pPr>
-              <a:t>1/2/19</a:t>
+              <a:t>1/3/2019</a:t>
             </a:fld>
             <a:endParaRPr lang="en-US"/>
           </a:p>
@@ -13010,7 +12767,7 @@
               <a:pPr>
                 <a:defRPr/>
               </a:pPr>
-              <a:t>1/2/19</a:t>
+              <a:t>1/3/2019</a:t>
             </a:fld>
             <a:endParaRPr lang="en-US"/>
           </a:p>
@@ -21432,7 +21189,7 @@
             </a:pPr>
             <a:r>
               <a:rPr lang="zh-CN" altLang="en-US" dirty="0"/>
-              <a:t>用户规则设计</a:t>
+              <a:t>中文适配</a:t>
             </a:r>
             <a:endParaRPr lang="en-US" altLang="zh-CN" dirty="0"/>
           </a:p>
@@ -21452,8 +21209,8 @@
         </p:nvSpPr>
         <p:spPr>
           <a:xfrm>
-            <a:off x="404812" y="933814"/>
-            <a:ext cx="7856872" cy="670440"/>
+            <a:off x="247650" y="993518"/>
+            <a:ext cx="7856872" cy="5841023"/>
           </a:xfrm>
           <a:prstGeom prst="rect">
             <a:avLst/>
@@ -21478,18 +21235,167 @@
               <a:rPr lang="zh-CN" altLang="en-US" sz="2800" dirty="0">
                 <a:latin typeface="+mj-lt"/>
               </a:rPr>
-              <a:t>泽年。。。。</a:t>
+              <a:t>分词 与 词性</a:t>
             </a:r>
             <a:endParaRPr lang="en-US" altLang="zh-CN" sz="2800" dirty="0">
               <a:latin typeface="+mj-lt"/>
             </a:endParaRPr>
           </a:p>
+          <a:p>
+            <a:pPr marL="871926" lvl="1" indent="-414726">
+              <a:lnSpc>
+                <a:spcPct val="150000"/>
+              </a:lnSpc>
+              <a:buFont typeface="Wingdings" panose="05000000000000000000" pitchFamily="2" charset="2"/>
+              <a:buChar char="Ø"/>
+              <a:defRPr/>
+            </a:pPr>
+            <a:r>
+              <a:rPr lang="zh-CN" altLang="en-US" sz="2800" dirty="0">
+                <a:latin typeface="+mj-lt"/>
+              </a:rPr>
+              <a:t>结巴分词</a:t>
+            </a:r>
+            <a:endParaRPr lang="en-US" altLang="zh-CN" sz="2800" dirty="0">
+              <a:latin typeface="+mj-lt"/>
+            </a:endParaRPr>
+          </a:p>
+          <a:p>
+            <a:pPr marL="414726" indent="-414726">
+              <a:lnSpc>
+                <a:spcPct val="150000"/>
+              </a:lnSpc>
+              <a:buFont typeface="Wingdings" panose="05000000000000000000" pitchFamily="2" charset="2"/>
+              <a:buChar char="Ø"/>
+              <a:defRPr/>
+            </a:pPr>
+            <a:r>
+              <a:rPr lang="zh-CN" altLang="en-US" sz="2800" dirty="0">
+                <a:latin typeface="+mj-lt"/>
+              </a:rPr>
+              <a:t>语法分析</a:t>
+            </a:r>
+            <a:endParaRPr lang="en-US" altLang="zh-CN" sz="2800" dirty="0">
+              <a:latin typeface="+mj-lt"/>
+            </a:endParaRPr>
+          </a:p>
+          <a:p>
+            <a:pPr marL="871926" lvl="1" indent="-414726">
+              <a:lnSpc>
+                <a:spcPct val="150000"/>
+              </a:lnSpc>
+              <a:buFont typeface="Wingdings" panose="05000000000000000000" pitchFamily="2" charset="2"/>
+              <a:buChar char="Ø"/>
+              <a:defRPr/>
+            </a:pPr>
+            <a:r>
+              <a:rPr lang="en-US" altLang="zh-CN" sz="2800" dirty="0">
+                <a:latin typeface="+mj-lt"/>
+              </a:rPr>
+              <a:t>Stanford parser for Chinese</a:t>
+            </a:r>
+          </a:p>
+          <a:p>
+            <a:pPr marL="414726" indent="-414726">
+              <a:lnSpc>
+                <a:spcPct val="150000"/>
+              </a:lnSpc>
+              <a:buFont typeface="Wingdings" panose="05000000000000000000" pitchFamily="2" charset="2"/>
+              <a:buChar char="Ø"/>
+              <a:defRPr/>
+            </a:pPr>
+            <a:r>
+              <a:rPr lang="zh-CN" altLang="en-US" sz="2800" dirty="0">
+                <a:latin typeface="+mj-lt"/>
+              </a:rPr>
+              <a:t>针对中文的默认规则的重新定义</a:t>
+            </a:r>
+            <a:endParaRPr lang="en-US" altLang="zh-CN" sz="2800" dirty="0">
+              <a:latin typeface="+mj-lt"/>
+            </a:endParaRPr>
+          </a:p>
+          <a:p>
+            <a:pPr marL="414726" indent="-414726">
+              <a:lnSpc>
+                <a:spcPct val="150000"/>
+              </a:lnSpc>
+              <a:buFont typeface="Wingdings" panose="05000000000000000000" pitchFamily="2" charset="2"/>
+              <a:buChar char="Ø"/>
+              <a:defRPr/>
+            </a:pPr>
+            <a:r>
+              <a:rPr lang="zh-CN" altLang="en-US" sz="2800" dirty="0">
+                <a:latin typeface="+mj-lt"/>
+              </a:rPr>
+              <a:t>中英文混合</a:t>
+            </a:r>
+            <a:endParaRPr lang="en-US" altLang="zh-CN" sz="2800" dirty="0">
+              <a:latin typeface="+mj-lt"/>
+            </a:endParaRPr>
+          </a:p>
+          <a:p>
+            <a:pPr marL="871926" lvl="1" indent="-414726">
+              <a:lnSpc>
+                <a:spcPct val="150000"/>
+              </a:lnSpc>
+              <a:buFont typeface="Wingdings" panose="05000000000000000000" pitchFamily="2" charset="2"/>
+              <a:buChar char="Ø"/>
+              <a:defRPr/>
+            </a:pPr>
+            <a:r>
+              <a:rPr lang="zh-CN" altLang="en-US" sz="2800" dirty="0">
+                <a:latin typeface="+mj-lt"/>
+              </a:rPr>
+              <a:t>自动识别中英文</a:t>
+            </a:r>
+            <a:endParaRPr lang="en-US" altLang="zh-CN" sz="2800" dirty="0">
+              <a:latin typeface="+mj-lt"/>
+            </a:endParaRPr>
+          </a:p>
+          <a:p>
+            <a:pPr marL="871926" lvl="1" indent="-414726">
+              <a:lnSpc>
+                <a:spcPct val="150000"/>
+              </a:lnSpc>
+              <a:buFont typeface="Wingdings" panose="05000000000000000000" pitchFamily="2" charset="2"/>
+              <a:buChar char="Ø"/>
+              <a:defRPr/>
+            </a:pPr>
+            <a:r>
+              <a:rPr lang="zh-CN" altLang="en-US" sz="2800" dirty="0">
+                <a:latin typeface="+mj-lt"/>
+              </a:rPr>
+              <a:t>允许句间的混合</a:t>
+            </a:r>
+            <a:endParaRPr lang="en-US" altLang="zh-CN" sz="2800" dirty="0">
+              <a:latin typeface="+mj-lt"/>
+            </a:endParaRPr>
+          </a:p>
+          <a:p>
+            <a:pPr marL="871926" lvl="1" indent="-414726">
+              <a:lnSpc>
+                <a:spcPct val="150000"/>
+              </a:lnSpc>
+              <a:buFont typeface="Wingdings" panose="05000000000000000000" pitchFamily="2" charset="2"/>
+              <a:buChar char="Ø"/>
+              <a:defRPr/>
+            </a:pPr>
+            <a:r>
+              <a:rPr lang="zh-CN" altLang="en-US" sz="2800" dirty="0">
+                <a:latin typeface="+mj-lt"/>
+              </a:rPr>
+              <a:t>不允许句内的混合</a:t>
+            </a:r>
+            <a:endParaRPr lang="en-US" altLang="zh-CN" sz="2800" dirty="0">
+              <a:latin typeface="+mj-lt"/>
+            </a:endParaRPr>
+          </a:p>
         </p:txBody>
       </p:sp>
     </p:spTree>
     <p:extLst>
       <p:ext uri="{BB962C8B-B14F-4D97-AF65-F5344CB8AC3E}">
-        <p14:creationId xmlns:p14="http://schemas.microsoft.com/office/powerpoint/2010/main" val="1666743941"/>
+        <p14:creationId xmlns:p14="http://schemas.microsoft.com/office/powerpoint/2010/main" val="943984934"/>
       </p:ext>
     </p:extLst>
   </p:cSld>
@@ -21519,10 +21425,10 @@
       </p:grpSpPr>
       <p:sp>
         <p:nvSpPr>
-          <p:cNvPr id="11266" name="Title 1">
+          <p:cNvPr id="6146" name="标题 1">
             <a:extLst>
               <a:ext uri="{FF2B5EF4-FFF2-40B4-BE49-F238E27FC236}">
-                <a16:creationId xmlns:a16="http://schemas.microsoft.com/office/drawing/2014/main" id="{DE2A2B24-CECA-41CB-B0DF-95AEC9A73671}"/>
+                <a16:creationId xmlns:a16="http://schemas.microsoft.com/office/drawing/2014/main" id="{373C69C6-393A-4DDE-BCF7-F046D22398D2}"/>
               </a:ext>
             </a:extLst>
           </p:cNvPr>
@@ -21535,223 +21441,130 @@
         </p:nvSpPr>
         <p:spPr>
           <a:xfrm>
-            <a:off x="247650" y="-30163"/>
-            <a:ext cx="8491538" cy="1144588"/>
+            <a:off x="628650" y="365125"/>
+            <a:ext cx="8126413" cy="1325563"/>
           </a:xfrm>
         </p:spPr>
         <p:txBody>
           <a:bodyPr/>
           <a:lstStyle/>
           <a:p>
-            <a:pPr marL="414726" indent="-414726">
-              <a:lnSpc>
-                <a:spcPct val="150000"/>
-              </a:lnSpc>
-              <a:buFont typeface="Wingdings" panose="05000000000000000000" pitchFamily="2" charset="2"/>
-              <a:buChar char="Ø"/>
-              <a:defRPr/>
-            </a:pPr>
-            <a:r>
-              <a:rPr lang="zh-CN" altLang="en-US" dirty="0"/>
-              <a:t>中文适配</a:t>
-            </a:r>
-            <a:endParaRPr lang="en-US" altLang="zh-CN" dirty="0"/>
+            <a:r>
+              <a:rPr lang="zh-CN" altLang="en-US" sz="5400" dirty="0">
+                <a:solidFill>
+                  <a:srgbClr val="1F4E79"/>
+                </a:solidFill>
+              </a:rPr>
+              <a:t>主要内容</a:t>
+            </a:r>
+            <a:r>
+              <a:rPr lang="en-US" altLang="zh-CN" sz="5400" dirty="0">
+                <a:solidFill>
+                  <a:srgbClr val="1F4E79"/>
+                </a:solidFill>
+              </a:rPr>
+              <a:t> </a:t>
+            </a:r>
           </a:p>
         </p:txBody>
       </p:sp>
       <p:sp>
         <p:nvSpPr>
-          <p:cNvPr id="5" name="文本框 4">
+          <p:cNvPr id="6147" name="内容占位符 2">
             <a:extLst>
               <a:ext uri="{FF2B5EF4-FFF2-40B4-BE49-F238E27FC236}">
-                <a16:creationId xmlns:a16="http://schemas.microsoft.com/office/drawing/2014/main" id="{913005E3-11D5-4FA9-9FD0-70631FA5F77E}"/>
+                <a16:creationId xmlns:a16="http://schemas.microsoft.com/office/drawing/2014/main" id="{C187586F-9366-4864-8671-9435528FCDF6}"/>
               </a:ext>
             </a:extLst>
           </p:cNvPr>
-          <p:cNvSpPr txBox="1"/>
-          <p:nvPr/>
+          <p:cNvSpPr>
+            <a:spLocks noGrp="1"/>
+          </p:cNvSpPr>
+          <p:nvPr>
+            <p:ph idx="1"/>
+          </p:nvPr>
         </p:nvSpPr>
         <p:spPr>
           <a:xfrm>
-            <a:off x="247650" y="993518"/>
-            <a:ext cx="7856872" cy="5841023"/>
+            <a:off x="628650" y="1825625"/>
+            <a:ext cx="8437563" cy="4351338"/>
           </a:xfrm>
-          <a:prstGeom prst="rect">
-            <a:avLst/>
-          </a:prstGeom>
-          <a:noFill/>
         </p:spPr>
         <p:txBody>
-          <a:bodyPr wrap="square">
-            <a:spAutoFit/>
-          </a:bodyPr>
+          <a:bodyPr/>
           <a:lstStyle/>
           <a:p>
-            <a:pPr marL="414726" indent="-414726">
-              <a:lnSpc>
-                <a:spcPct val="150000"/>
-              </a:lnSpc>
+            <a:pPr>
               <a:buFont typeface="Wingdings" panose="05000000000000000000" pitchFamily="2" charset="2"/>
               <a:buChar char="Ø"/>
-              <a:defRPr/>
             </a:pPr>
             <a:r>
-              <a:rPr lang="zh-CN" altLang="en-US" sz="2800" dirty="0">
-                <a:latin typeface="+mj-lt"/>
-              </a:rPr>
-              <a:t>分词 与 词性</a:t>
-            </a:r>
-            <a:endParaRPr lang="en-US" altLang="zh-CN" sz="2800" dirty="0">
-              <a:latin typeface="+mj-lt"/>
-            </a:endParaRPr>
-          </a:p>
-          <a:p>
-            <a:pPr marL="871926" lvl="1" indent="-414726">
-              <a:lnSpc>
-                <a:spcPct val="150000"/>
-              </a:lnSpc>
+              <a:rPr lang="zh-CN" altLang="en-US" b="1" dirty="0"/>
+              <a:t>项目概述</a:t>
+            </a:r>
+            <a:endParaRPr lang="en-US" altLang="zh-CN" b="1" dirty="0"/>
+          </a:p>
+          <a:p>
+            <a:pPr>
               <a:buFont typeface="Wingdings" panose="05000000000000000000" pitchFamily="2" charset="2"/>
               <a:buChar char="Ø"/>
-              <a:defRPr/>
             </a:pPr>
             <a:r>
-              <a:rPr lang="zh-CN" altLang="en-US" sz="2800" dirty="0">
-                <a:latin typeface="+mj-lt"/>
-              </a:rPr>
-              <a:t>结巴分词</a:t>
-            </a:r>
-            <a:endParaRPr lang="en-US" altLang="zh-CN" sz="2800" dirty="0">
-              <a:latin typeface="+mj-lt"/>
-            </a:endParaRPr>
-          </a:p>
-          <a:p>
-            <a:pPr marL="414726" indent="-414726">
-              <a:lnSpc>
-                <a:spcPct val="150000"/>
-              </a:lnSpc>
+              <a:rPr lang="zh-CN" altLang="en-US" b="1" dirty="0"/>
+              <a:t>需求分析</a:t>
+            </a:r>
+            <a:endParaRPr lang="en-US" altLang="zh-CN" b="1" dirty="0"/>
+          </a:p>
+          <a:p>
+            <a:pPr>
               <a:buFont typeface="Wingdings" panose="05000000000000000000" pitchFamily="2" charset="2"/>
               <a:buChar char="Ø"/>
-              <a:defRPr/>
             </a:pPr>
             <a:r>
-              <a:rPr lang="zh-CN" altLang="en-US" sz="2800" dirty="0">
-                <a:latin typeface="+mj-lt"/>
-              </a:rPr>
-              <a:t>语法分析</a:t>
-            </a:r>
-            <a:endParaRPr lang="en-US" altLang="zh-CN" sz="2800" dirty="0">
-              <a:latin typeface="+mj-lt"/>
-            </a:endParaRPr>
-          </a:p>
-          <a:p>
-            <a:pPr marL="871926" lvl="1" indent="-414726">
-              <a:lnSpc>
-                <a:spcPct val="150000"/>
-              </a:lnSpc>
+              <a:rPr lang="zh-CN" altLang="en-US" b="1" dirty="0"/>
+              <a:t>需求设计</a:t>
+            </a:r>
+            <a:endParaRPr lang="en-US" altLang="zh-CN" b="1" dirty="0"/>
+          </a:p>
+          <a:p>
+            <a:pPr>
               <a:buFont typeface="Wingdings" panose="05000000000000000000" pitchFamily="2" charset="2"/>
               <a:buChar char="Ø"/>
-              <a:defRPr/>
             </a:pPr>
             <a:r>
-              <a:rPr lang="en-US" altLang="zh-CN" sz="2800" dirty="0">
-                <a:latin typeface="+mj-lt"/>
-              </a:rPr>
-              <a:t>Stanford parser for Chinese</a:t>
-            </a:r>
-          </a:p>
-          <a:p>
-            <a:pPr marL="414726" indent="-414726">
-              <a:lnSpc>
-                <a:spcPct val="150000"/>
-              </a:lnSpc>
+              <a:rPr lang="zh-CN" altLang="en-US" b="1" dirty="0"/>
+              <a:t>代码开发</a:t>
+            </a:r>
+            <a:endParaRPr lang="en-US" altLang="zh-CN" b="1" dirty="0"/>
+          </a:p>
+          <a:p>
+            <a:pPr>
               <a:buFont typeface="Wingdings" panose="05000000000000000000" pitchFamily="2" charset="2"/>
               <a:buChar char="Ø"/>
-              <a:defRPr/>
             </a:pPr>
             <a:r>
-              <a:rPr lang="zh-CN" altLang="en-US" sz="2800" dirty="0">
-                <a:latin typeface="+mj-lt"/>
-              </a:rPr>
-              <a:t>针对中文的默认规则的重新定义</a:t>
-            </a:r>
-            <a:endParaRPr lang="en-US" altLang="zh-CN" sz="2800" dirty="0">
-              <a:latin typeface="+mj-lt"/>
-            </a:endParaRPr>
-          </a:p>
-          <a:p>
-            <a:pPr marL="414726" indent="-414726">
-              <a:lnSpc>
-                <a:spcPct val="150000"/>
-              </a:lnSpc>
+              <a:rPr lang="zh-CN" altLang="en-US" b="1" dirty="0"/>
+              <a:t>迭代测试</a:t>
+            </a:r>
+            <a:endParaRPr lang="en-US" altLang="zh-CN" b="1" dirty="0"/>
+          </a:p>
+          <a:p>
+            <a:pPr>
               <a:buFont typeface="Wingdings" panose="05000000000000000000" pitchFamily="2" charset="2"/>
               <a:buChar char="Ø"/>
-              <a:defRPr/>
             </a:pPr>
             <a:r>
-              <a:rPr lang="zh-CN" altLang="en-US" sz="2800" dirty="0">
-                <a:latin typeface="+mj-lt"/>
-              </a:rPr>
-              <a:t>中英文混合</a:t>
-            </a:r>
-            <a:endParaRPr lang="en-US" altLang="zh-CN" sz="2800" dirty="0">
-              <a:latin typeface="+mj-lt"/>
-            </a:endParaRPr>
-          </a:p>
-          <a:p>
-            <a:pPr marL="871926" lvl="1" indent="-414726">
-              <a:lnSpc>
-                <a:spcPct val="150000"/>
-              </a:lnSpc>
-              <a:buFont typeface="Wingdings" panose="05000000000000000000" pitchFamily="2" charset="2"/>
-              <a:buChar char="Ø"/>
-              <a:defRPr/>
-            </a:pPr>
-            <a:r>
-              <a:rPr lang="zh-CN" altLang="en-US" sz="2800" dirty="0">
-                <a:latin typeface="+mj-lt"/>
-              </a:rPr>
-              <a:t>自动识别中英文</a:t>
-            </a:r>
-            <a:endParaRPr lang="en-US" altLang="zh-CN" sz="2800" dirty="0">
-              <a:latin typeface="+mj-lt"/>
-            </a:endParaRPr>
-          </a:p>
-          <a:p>
-            <a:pPr marL="871926" lvl="1" indent="-414726">
-              <a:lnSpc>
-                <a:spcPct val="150000"/>
-              </a:lnSpc>
-              <a:buFont typeface="Wingdings" panose="05000000000000000000" pitchFamily="2" charset="2"/>
-              <a:buChar char="Ø"/>
-              <a:defRPr/>
-            </a:pPr>
-            <a:r>
-              <a:rPr lang="zh-CN" altLang="en-US" sz="2800" dirty="0">
-                <a:latin typeface="+mj-lt"/>
-              </a:rPr>
-              <a:t>允许句间的混合</a:t>
-            </a:r>
-            <a:endParaRPr lang="en-US" altLang="zh-CN" sz="2800" dirty="0">
-              <a:latin typeface="+mj-lt"/>
-            </a:endParaRPr>
-          </a:p>
-          <a:p>
-            <a:pPr marL="871926" lvl="1" indent="-414726">
-              <a:lnSpc>
-                <a:spcPct val="150000"/>
-              </a:lnSpc>
-              <a:buFont typeface="Wingdings" panose="05000000000000000000" pitchFamily="2" charset="2"/>
-              <a:buChar char="Ø"/>
-              <a:defRPr/>
-            </a:pPr>
-            <a:r>
-              <a:rPr lang="zh-CN" altLang="en-US" sz="2800" dirty="0">
-                <a:latin typeface="+mj-lt"/>
-              </a:rPr>
-              <a:t>不允许句内的混合</a:t>
-            </a:r>
-            <a:endParaRPr lang="en-US" altLang="zh-CN" sz="2800" dirty="0">
-              <a:latin typeface="+mj-lt"/>
+              <a:rPr lang="zh-CN" altLang="en-US" b="1" dirty="0">
+                <a:solidFill>
+                  <a:srgbClr val="0070C0"/>
+                </a:solidFill>
+              </a:rPr>
+              <a:t>项目总结</a:t>
+            </a:r>
+            <a:endParaRPr lang="en-US" altLang="zh-CN" b="1" dirty="0">
+              <a:solidFill>
+                <a:srgbClr val="0070C0"/>
+              </a:solidFill>
             </a:endParaRPr>
           </a:p>
         </p:txBody>
@@ -21759,14 +21572,13 @@
     </p:spTree>
     <p:extLst>
       <p:ext uri="{BB962C8B-B14F-4D97-AF65-F5344CB8AC3E}">
-        <p14:creationId xmlns:p14="http://schemas.microsoft.com/office/powerpoint/2010/main" val="943984934"/>
+        <p14:creationId xmlns:p14="http://schemas.microsoft.com/office/powerpoint/2010/main" val="3260559637"/>
       </p:ext>
     </p:extLst>
   </p:cSld>
   <p:clrMapOvr>
     <a:masterClrMapping/>
   </p:clrMapOvr>
-  <p:transition spd="slow"/>
 </p:sld>
 </file>
 
@@ -21789,182 +21601,6 @@
       </p:grpSpPr>
       <p:sp>
         <p:nvSpPr>
-          <p:cNvPr id="6146" name="标题 1">
-            <a:extLst>
-              <a:ext uri="{FF2B5EF4-FFF2-40B4-BE49-F238E27FC236}">
-                <a16:creationId xmlns:a16="http://schemas.microsoft.com/office/drawing/2014/main" id="{373C69C6-393A-4DDE-BCF7-F046D22398D2}"/>
-              </a:ext>
-            </a:extLst>
-          </p:cNvPr>
-          <p:cNvSpPr>
-            <a:spLocks noGrp="1"/>
-          </p:cNvSpPr>
-          <p:nvPr>
-            <p:ph type="title"/>
-          </p:nvPr>
-        </p:nvSpPr>
-        <p:spPr>
-          <a:xfrm>
-            <a:off x="628650" y="365125"/>
-            <a:ext cx="8126413" cy="1325563"/>
-          </a:xfrm>
-        </p:spPr>
-        <p:txBody>
-          <a:bodyPr/>
-          <a:lstStyle/>
-          <a:p>
-            <a:r>
-              <a:rPr lang="zh-CN" altLang="en-US" sz="5400" dirty="0">
-                <a:solidFill>
-                  <a:srgbClr val="1F4E79"/>
-                </a:solidFill>
-              </a:rPr>
-              <a:t>主要内容</a:t>
-            </a:r>
-            <a:r>
-              <a:rPr lang="en-US" altLang="zh-CN" sz="5400" dirty="0">
-                <a:solidFill>
-                  <a:srgbClr val="1F4E79"/>
-                </a:solidFill>
-              </a:rPr>
-              <a:t> </a:t>
-            </a:r>
-          </a:p>
-        </p:txBody>
-      </p:sp>
-      <p:sp>
-        <p:nvSpPr>
-          <p:cNvPr id="6147" name="内容占位符 2">
-            <a:extLst>
-              <a:ext uri="{FF2B5EF4-FFF2-40B4-BE49-F238E27FC236}">
-                <a16:creationId xmlns:a16="http://schemas.microsoft.com/office/drawing/2014/main" id="{C187586F-9366-4864-8671-9435528FCDF6}"/>
-              </a:ext>
-            </a:extLst>
-          </p:cNvPr>
-          <p:cNvSpPr>
-            <a:spLocks noGrp="1"/>
-          </p:cNvSpPr>
-          <p:nvPr>
-            <p:ph idx="1"/>
-          </p:nvPr>
-        </p:nvSpPr>
-        <p:spPr>
-          <a:xfrm>
-            <a:off x="628650" y="1825625"/>
-            <a:ext cx="8437563" cy="4351338"/>
-          </a:xfrm>
-        </p:spPr>
-        <p:txBody>
-          <a:bodyPr/>
-          <a:lstStyle/>
-          <a:p>
-            <a:pPr>
-              <a:buFont typeface="Wingdings" panose="05000000000000000000" pitchFamily="2" charset="2"/>
-              <a:buChar char="Ø"/>
-            </a:pPr>
-            <a:r>
-              <a:rPr lang="zh-CN" altLang="en-US" b="1" dirty="0"/>
-              <a:t>项目概述</a:t>
-            </a:r>
-            <a:endParaRPr lang="en-US" altLang="zh-CN" b="1" dirty="0"/>
-          </a:p>
-          <a:p>
-            <a:pPr>
-              <a:buFont typeface="Wingdings" panose="05000000000000000000" pitchFamily="2" charset="2"/>
-              <a:buChar char="Ø"/>
-            </a:pPr>
-            <a:r>
-              <a:rPr lang="zh-CN" altLang="en-US" b="1" dirty="0"/>
-              <a:t>需求分析</a:t>
-            </a:r>
-            <a:endParaRPr lang="en-US" altLang="zh-CN" b="1" dirty="0"/>
-          </a:p>
-          <a:p>
-            <a:pPr>
-              <a:buFont typeface="Wingdings" panose="05000000000000000000" pitchFamily="2" charset="2"/>
-              <a:buChar char="Ø"/>
-            </a:pPr>
-            <a:r>
-              <a:rPr lang="zh-CN" altLang="en-US" b="1" dirty="0"/>
-              <a:t>需求设计</a:t>
-            </a:r>
-            <a:endParaRPr lang="en-US" altLang="zh-CN" b="1" dirty="0"/>
-          </a:p>
-          <a:p>
-            <a:pPr>
-              <a:buFont typeface="Wingdings" panose="05000000000000000000" pitchFamily="2" charset="2"/>
-              <a:buChar char="Ø"/>
-            </a:pPr>
-            <a:r>
-              <a:rPr lang="zh-CN" altLang="en-US" b="1" dirty="0"/>
-              <a:t>代码开发</a:t>
-            </a:r>
-            <a:endParaRPr lang="en-US" altLang="zh-CN" b="1" dirty="0"/>
-          </a:p>
-          <a:p>
-            <a:pPr>
-              <a:buFont typeface="Wingdings" panose="05000000000000000000" pitchFamily="2" charset="2"/>
-              <a:buChar char="Ø"/>
-            </a:pPr>
-            <a:r>
-              <a:rPr lang="zh-CN" altLang="en-US" b="1" dirty="0"/>
-              <a:t>迭代测试</a:t>
-            </a:r>
-            <a:endParaRPr lang="en-US" altLang="zh-CN" b="1" dirty="0"/>
-          </a:p>
-          <a:p>
-            <a:pPr>
-              <a:buFont typeface="Wingdings" panose="05000000000000000000" pitchFamily="2" charset="2"/>
-              <a:buChar char="Ø"/>
-            </a:pPr>
-            <a:r>
-              <a:rPr lang="zh-CN" altLang="en-US" b="1" dirty="0">
-                <a:solidFill>
-                  <a:srgbClr val="0070C0"/>
-                </a:solidFill>
-              </a:rPr>
-              <a:t>项目总结</a:t>
-            </a:r>
-            <a:endParaRPr lang="en-US" altLang="zh-CN" b="1" dirty="0">
-              <a:solidFill>
-                <a:srgbClr val="0070C0"/>
-              </a:solidFill>
-            </a:endParaRPr>
-          </a:p>
-        </p:txBody>
-      </p:sp>
-    </p:spTree>
-    <p:extLst>
-      <p:ext uri="{BB962C8B-B14F-4D97-AF65-F5344CB8AC3E}">
-        <p14:creationId xmlns:p14="http://schemas.microsoft.com/office/powerpoint/2010/main" val="3260559637"/>
-      </p:ext>
-    </p:extLst>
-  </p:cSld>
-  <p:clrMapOvr>
-    <a:masterClrMapping/>
-  </p:clrMapOvr>
-</p:sld>
-</file>
-
-<file path=ppt/slides/slide49.xml><?xml version="1.0" encoding="utf-8"?>
-<p:sld xmlns:a="http://schemas.openxmlformats.org/drawingml/2006/main" xmlns:r="http://schemas.openxmlformats.org/officeDocument/2006/relationships" xmlns:p="http://schemas.openxmlformats.org/presentationml/2006/main">
-  <p:cSld>
-    <p:spTree>
-      <p:nvGrpSpPr>
-        <p:cNvPr id="1" name=""/>
-        <p:cNvGrpSpPr/>
-        <p:nvPr/>
-      </p:nvGrpSpPr>
-      <p:grpSpPr>
-        <a:xfrm>
-          <a:off x="0" y="0"/>
-          <a:ext cx="0" cy="0"/>
-          <a:chOff x="0" y="0"/>
-          <a:chExt cx="0" cy="0"/>
-        </a:xfrm>
-      </p:grpSpPr>
-      <p:sp>
-        <p:nvSpPr>
           <p:cNvPr id="11266" name="Title 1">
             <a:extLst>
               <a:ext uri="{FF2B5EF4-FFF2-40B4-BE49-F238E27FC236}">
@@ -22269,542 +21905,7 @@
 </p:sld>
 </file>
 
-<file path=ppt/slides/slide5.xml><?xml version="1.0" encoding="utf-8"?>
-<p:sld xmlns:a="http://schemas.openxmlformats.org/drawingml/2006/main" xmlns:r="http://schemas.openxmlformats.org/officeDocument/2006/relationships" xmlns:p="http://schemas.openxmlformats.org/presentationml/2006/main">
-  <p:cSld>
-    <p:spTree>
-      <p:nvGrpSpPr>
-        <p:cNvPr id="1" name=""/>
-        <p:cNvGrpSpPr/>
-        <p:nvPr/>
-      </p:nvGrpSpPr>
-      <p:grpSpPr>
-        <a:xfrm>
-          <a:off x="0" y="0"/>
-          <a:ext cx="0" cy="0"/>
-          <a:chOff x="0" y="0"/>
-          <a:chExt cx="0" cy="0"/>
-        </a:xfrm>
-      </p:grpSpPr>
-      <p:sp>
-        <p:nvSpPr>
-          <p:cNvPr id="11266" name="Title 1">
-            <a:extLst>
-              <a:ext uri="{FF2B5EF4-FFF2-40B4-BE49-F238E27FC236}">
-                <a16:creationId xmlns:a16="http://schemas.microsoft.com/office/drawing/2014/main" id="{DE2A2B24-CECA-41CB-B0DF-95AEC9A73671}"/>
-              </a:ext>
-            </a:extLst>
-          </p:cNvPr>
-          <p:cNvSpPr>
-            <a:spLocks noGrp="1"/>
-          </p:cNvSpPr>
-          <p:nvPr>
-            <p:ph type="title"/>
-          </p:nvPr>
-        </p:nvSpPr>
-        <p:spPr>
-          <a:xfrm>
-            <a:off x="247650" y="-30163"/>
-            <a:ext cx="8491538" cy="1144588"/>
-          </a:xfrm>
-        </p:spPr>
-        <p:txBody>
-          <a:bodyPr/>
-          <a:lstStyle/>
-          <a:p>
-            <a:r>
-              <a:rPr lang="zh-CN" altLang="en-US" dirty="0">
-                <a:solidFill>
-                  <a:srgbClr val="1F4E79"/>
-                </a:solidFill>
-              </a:rPr>
-              <a:t>项目概述</a:t>
-            </a:r>
-            <a:endParaRPr lang="en-US" altLang="zh-CN" dirty="0">
-              <a:solidFill>
-                <a:srgbClr val="1F4E79"/>
-              </a:solidFill>
-            </a:endParaRPr>
-          </a:p>
-        </p:txBody>
-      </p:sp>
-      <p:sp>
-        <p:nvSpPr>
-          <p:cNvPr id="5" name="文本框 4">
-            <a:extLst>
-              <a:ext uri="{FF2B5EF4-FFF2-40B4-BE49-F238E27FC236}">
-                <a16:creationId xmlns:a16="http://schemas.microsoft.com/office/drawing/2014/main" id="{3751AC9C-218D-4EC5-AB4D-AC78D75343F3}"/>
-              </a:ext>
-            </a:extLst>
-          </p:cNvPr>
-          <p:cNvSpPr txBox="1"/>
-          <p:nvPr/>
-        </p:nvSpPr>
-        <p:spPr>
-          <a:xfrm>
-            <a:off x="247650" y="1301750"/>
-            <a:ext cx="8491538" cy="4550989"/>
-          </a:xfrm>
-          <a:prstGeom prst="rect">
-            <a:avLst/>
-          </a:prstGeom>
-          <a:noFill/>
-        </p:spPr>
-        <p:txBody>
-          <a:bodyPr wrap="square">
-            <a:spAutoFit/>
-          </a:bodyPr>
-          <a:lstStyle/>
-          <a:p>
-            <a:pPr marL="414726" indent="-414726">
-              <a:lnSpc>
-                <a:spcPct val="150000"/>
-              </a:lnSpc>
-              <a:buFont typeface="Wingdings" panose="05000000000000000000" pitchFamily="2" charset="2"/>
-              <a:buChar char="Ø"/>
-              <a:defRPr/>
-            </a:pPr>
-            <a:r>
-              <a:rPr lang="en-US" altLang="zh-CN" sz="2800" dirty="0">
-                <a:latin typeface="+mj-lt"/>
-              </a:rPr>
-              <a:t>RUCM</a:t>
-            </a:r>
-            <a:r>
-              <a:rPr lang="zh-CN" altLang="en-US" sz="2800" dirty="0">
-                <a:latin typeface="+mj-lt"/>
-              </a:rPr>
-              <a:t>是一种结构化和模板化的需求规格，引入了流程、结构化句型和流程控制机制。</a:t>
-            </a:r>
-            <a:endParaRPr lang="en-US" altLang="zh-CN" sz="2800" dirty="0">
-              <a:latin typeface="+mj-lt"/>
-            </a:endParaRPr>
-          </a:p>
-          <a:p>
-            <a:pPr marL="414726" indent="-414726">
-              <a:lnSpc>
-                <a:spcPct val="150000"/>
-              </a:lnSpc>
-              <a:buFont typeface="Wingdings" panose="05000000000000000000" pitchFamily="2" charset="2"/>
-              <a:buChar char="Ø"/>
-              <a:defRPr/>
-            </a:pPr>
-            <a:endParaRPr lang="en-US" altLang="zh-CN" sz="2800" dirty="0">
-              <a:latin typeface="+mj-lt"/>
-            </a:endParaRPr>
-          </a:p>
-          <a:p>
-            <a:pPr marL="414726" indent="-414726">
-              <a:lnSpc>
-                <a:spcPct val="150000"/>
-              </a:lnSpc>
-              <a:buFont typeface="Wingdings" panose="05000000000000000000" pitchFamily="2" charset="2"/>
-              <a:buChar char="Ø"/>
-              <a:defRPr/>
-            </a:pPr>
-            <a:r>
-              <a:rPr lang="zh-CN" altLang="en-US" sz="2800" dirty="0">
-                <a:latin typeface="+mj-lt"/>
-              </a:rPr>
-              <a:t>本项目以</a:t>
-            </a:r>
-            <a:r>
-              <a:rPr lang="en-US" altLang="zh-CN" sz="2800" dirty="0">
-                <a:latin typeface="+mj-lt"/>
-              </a:rPr>
-              <a:t>RUCM</a:t>
-            </a:r>
-            <a:r>
-              <a:rPr lang="zh-CN" altLang="en-US" sz="2800" dirty="0">
-                <a:latin typeface="+mj-lt"/>
-              </a:rPr>
-              <a:t>编辑器产生的</a:t>
-            </a:r>
-            <a:r>
-              <a:rPr lang="en-US" altLang="zh-CN" sz="2800" dirty="0" err="1">
-                <a:latin typeface="+mj-lt"/>
-              </a:rPr>
-              <a:t>rucm</a:t>
-            </a:r>
-            <a:r>
-              <a:rPr lang="zh-CN" altLang="en-US" sz="2800" dirty="0">
-                <a:latin typeface="+mj-lt"/>
-              </a:rPr>
-              <a:t>文件作为输入，依据课堂所讲授的</a:t>
-            </a:r>
-            <a:r>
-              <a:rPr lang="en-US" altLang="zh-CN" sz="2800" dirty="0">
-                <a:latin typeface="+mj-lt"/>
-              </a:rPr>
-              <a:t>RUCM</a:t>
-            </a:r>
-            <a:r>
-              <a:rPr lang="zh-CN" altLang="en-US" sz="2800" dirty="0">
-                <a:latin typeface="+mj-lt"/>
-              </a:rPr>
-              <a:t>规范指定相应的规则，并按照规则来自动检查一个具体的需求违反了哪些规则，同时能够支持规则的设置</a:t>
-            </a:r>
-            <a:r>
-              <a:rPr lang="zh-CN" altLang="en-US" sz="2540" dirty="0">
-                <a:latin typeface="+mj-lt"/>
-              </a:rPr>
-              <a:t>。</a:t>
-            </a:r>
-            <a:endParaRPr lang="en-US" altLang="zh-CN" sz="2540" dirty="0">
-              <a:latin typeface="+mj-lt"/>
-            </a:endParaRPr>
-          </a:p>
-        </p:txBody>
-      </p:sp>
-    </p:spTree>
-  </p:cSld>
-  <p:clrMapOvr>
-    <a:masterClrMapping/>
-  </p:clrMapOvr>
-  <p:transition spd="slow"/>
-</p:sld>
-</file>
-
-<file path=ppt/slides/slide50.xml><?xml version="1.0" encoding="utf-8"?>
-<p:sld xmlns:a="http://schemas.openxmlformats.org/drawingml/2006/main" xmlns:r="http://schemas.openxmlformats.org/officeDocument/2006/relationships" xmlns:p="http://schemas.openxmlformats.org/presentationml/2006/main">
-  <p:cSld>
-    <p:spTree>
-      <p:nvGrpSpPr>
-        <p:cNvPr id="1" name=""/>
-        <p:cNvGrpSpPr/>
-        <p:nvPr/>
-      </p:nvGrpSpPr>
-      <p:grpSpPr>
-        <a:xfrm>
-          <a:off x="0" y="0"/>
-          <a:ext cx="0" cy="0"/>
-          <a:chOff x="0" y="0"/>
-          <a:chExt cx="0" cy="0"/>
-        </a:xfrm>
-      </p:grpSpPr>
-      <p:sp>
-        <p:nvSpPr>
-          <p:cNvPr id="11266" name="Title 1">
-            <a:extLst>
-              <a:ext uri="{FF2B5EF4-FFF2-40B4-BE49-F238E27FC236}">
-                <a16:creationId xmlns:a16="http://schemas.microsoft.com/office/drawing/2014/main" id="{DE2A2B24-CECA-41CB-B0DF-95AEC9A73671}"/>
-              </a:ext>
-            </a:extLst>
-          </p:cNvPr>
-          <p:cNvSpPr>
-            <a:spLocks noGrp="1"/>
-          </p:cNvSpPr>
-          <p:nvPr>
-            <p:ph type="title"/>
-          </p:nvPr>
-        </p:nvSpPr>
-        <p:spPr>
-          <a:xfrm>
-            <a:off x="247650" y="-30163"/>
-            <a:ext cx="8491538" cy="1144588"/>
-          </a:xfrm>
-        </p:spPr>
-        <p:txBody>
-          <a:bodyPr/>
-          <a:lstStyle/>
-          <a:p>
-            <a:r>
-              <a:rPr lang="zh-CN" altLang="en-US" dirty="0">
-                <a:solidFill>
-                  <a:srgbClr val="1F4E79"/>
-                </a:solidFill>
-              </a:rPr>
-              <a:t>项目总结</a:t>
-            </a:r>
-            <a:endParaRPr lang="en-US" altLang="zh-CN" dirty="0">
-              <a:solidFill>
-                <a:srgbClr val="1F4E79"/>
-              </a:solidFill>
-            </a:endParaRPr>
-          </a:p>
-        </p:txBody>
-      </p:sp>
-      <p:sp>
-        <p:nvSpPr>
-          <p:cNvPr id="5" name="文本框 4">
-            <a:extLst>
-              <a:ext uri="{FF2B5EF4-FFF2-40B4-BE49-F238E27FC236}">
-                <a16:creationId xmlns:a16="http://schemas.microsoft.com/office/drawing/2014/main" id="{1343A9A8-D792-4105-B071-94BE21B153D3}"/>
-              </a:ext>
-            </a:extLst>
-          </p:cNvPr>
-          <p:cNvSpPr txBox="1"/>
-          <p:nvPr/>
-        </p:nvSpPr>
-        <p:spPr>
-          <a:xfrm>
-            <a:off x="564982" y="831622"/>
-            <a:ext cx="8331367" cy="6478184"/>
-          </a:xfrm>
-          <a:prstGeom prst="rect">
-            <a:avLst/>
-          </a:prstGeom>
-          <a:noFill/>
-        </p:spPr>
-        <p:txBody>
-          <a:bodyPr wrap="square">
-            <a:spAutoFit/>
-          </a:bodyPr>
-          <a:lstStyle/>
-          <a:p>
-            <a:pPr marL="414726" indent="-414726">
-              <a:lnSpc>
-                <a:spcPct val="150000"/>
-              </a:lnSpc>
-              <a:buFont typeface="Wingdings" panose="05000000000000000000" pitchFamily="2" charset="2"/>
-              <a:buChar char="Ø"/>
-              <a:defRPr/>
-            </a:pPr>
-            <a:r>
-              <a:rPr lang="zh-CN" altLang="en-US" sz="2800" dirty="0">
-                <a:latin typeface="+mj-lt"/>
-              </a:rPr>
-              <a:t>基于</a:t>
-            </a:r>
-            <a:r>
-              <a:rPr lang="en-US" altLang="zh-CN" sz="2800" dirty="0">
-                <a:latin typeface="+mj-lt"/>
-              </a:rPr>
-              <a:t>GUI</a:t>
-            </a:r>
-            <a:r>
-              <a:rPr lang="zh-CN" altLang="en-US" sz="2800" dirty="0">
-                <a:latin typeface="+mj-lt"/>
-              </a:rPr>
-              <a:t>交互的</a:t>
-            </a:r>
-            <a:r>
-              <a:rPr lang="en-US" altLang="zh-CN" sz="2800" dirty="0">
-                <a:latin typeface="+mj-lt"/>
-              </a:rPr>
-              <a:t>RUCM</a:t>
-            </a:r>
-            <a:r>
-              <a:rPr lang="zh-CN" altLang="en-US" sz="2800" dirty="0">
-                <a:latin typeface="+mj-lt"/>
-              </a:rPr>
-              <a:t>合规性检查工具</a:t>
-            </a:r>
-            <a:endParaRPr lang="en-US" altLang="zh-CN" sz="2800" dirty="0">
-              <a:latin typeface="+mj-lt"/>
-            </a:endParaRPr>
-          </a:p>
-          <a:p>
-            <a:pPr marL="414726" indent="-414726">
-              <a:lnSpc>
-                <a:spcPct val="150000"/>
-              </a:lnSpc>
-              <a:buFont typeface="Wingdings" panose="05000000000000000000" pitchFamily="2" charset="2"/>
-              <a:buChar char="Ø"/>
-              <a:defRPr/>
-            </a:pPr>
-            <a:r>
-              <a:rPr lang="zh-CN" altLang="en-US" sz="2800" dirty="0">
-                <a:latin typeface="+mj-lt"/>
-              </a:rPr>
-              <a:t>主要工作</a:t>
-            </a:r>
-            <a:endParaRPr lang="en-US" altLang="zh-CN" sz="2800" dirty="0">
-              <a:latin typeface="+mj-lt"/>
-            </a:endParaRPr>
-          </a:p>
-          <a:p>
-            <a:pPr marL="871926" lvl="1" indent="-414726">
-              <a:lnSpc>
-                <a:spcPct val="150000"/>
-              </a:lnSpc>
-              <a:buFont typeface="Wingdings" panose="05000000000000000000" pitchFamily="2" charset="2"/>
-              <a:buChar char="Ø"/>
-              <a:defRPr/>
-            </a:pPr>
-            <a:r>
-              <a:rPr lang="zh-CN" altLang="en-US" sz="2000" dirty="0">
-                <a:latin typeface="+mj-lt"/>
-              </a:rPr>
-              <a:t>领域分析</a:t>
-            </a:r>
-            <a:endParaRPr lang="en-US" altLang="zh-CN" sz="2000" dirty="0">
-              <a:latin typeface="+mj-lt"/>
-            </a:endParaRPr>
-          </a:p>
-          <a:p>
-            <a:pPr marL="871926" lvl="1" indent="-414726">
-              <a:lnSpc>
-                <a:spcPct val="150000"/>
-              </a:lnSpc>
-              <a:buFont typeface="Wingdings" panose="05000000000000000000" pitchFamily="2" charset="2"/>
-              <a:buChar char="Ø"/>
-              <a:defRPr/>
-            </a:pPr>
-            <a:r>
-              <a:rPr lang="zh-CN" altLang="en-US" sz="2000" dirty="0">
-                <a:latin typeface="+mj-lt"/>
-              </a:rPr>
-              <a:t>需求分析</a:t>
-            </a:r>
-            <a:endParaRPr lang="en-US" altLang="zh-CN" sz="2000" dirty="0">
-              <a:latin typeface="+mj-lt"/>
-            </a:endParaRPr>
-          </a:p>
-          <a:p>
-            <a:pPr marL="871926" lvl="1" indent="-414726">
-              <a:lnSpc>
-                <a:spcPct val="150000"/>
-              </a:lnSpc>
-              <a:buFont typeface="Wingdings" panose="05000000000000000000" pitchFamily="2" charset="2"/>
-              <a:buChar char="Ø"/>
-              <a:defRPr/>
-            </a:pPr>
-            <a:r>
-              <a:rPr lang="zh-CN" altLang="en-US" sz="2000" dirty="0">
-                <a:latin typeface="+mj-lt"/>
-              </a:rPr>
-              <a:t>模型设计</a:t>
-            </a:r>
-            <a:endParaRPr lang="en-US" altLang="zh-CN" sz="2000" dirty="0">
-              <a:latin typeface="+mj-lt"/>
-            </a:endParaRPr>
-          </a:p>
-          <a:p>
-            <a:pPr marL="871926" lvl="1" indent="-414726">
-              <a:lnSpc>
-                <a:spcPct val="150000"/>
-              </a:lnSpc>
-              <a:buFont typeface="Wingdings" panose="05000000000000000000" pitchFamily="2" charset="2"/>
-              <a:buChar char="Ø"/>
-              <a:defRPr/>
-            </a:pPr>
-            <a:r>
-              <a:rPr lang="zh-CN" altLang="en-US" sz="2000" dirty="0">
-                <a:latin typeface="+mj-lt"/>
-              </a:rPr>
-              <a:t>代码开发</a:t>
-            </a:r>
-            <a:endParaRPr lang="en-US" altLang="zh-CN" sz="2000" dirty="0">
-              <a:latin typeface="+mj-lt"/>
-            </a:endParaRPr>
-          </a:p>
-          <a:p>
-            <a:pPr marL="871926" lvl="1" indent="-414726">
-              <a:lnSpc>
-                <a:spcPct val="150000"/>
-              </a:lnSpc>
-              <a:buFont typeface="Wingdings" panose="05000000000000000000" pitchFamily="2" charset="2"/>
-              <a:buChar char="Ø"/>
-              <a:defRPr/>
-            </a:pPr>
-            <a:r>
-              <a:rPr lang="zh-CN" altLang="en-US" sz="2000" dirty="0">
-                <a:latin typeface="+mj-lt"/>
-              </a:rPr>
-              <a:t>覆盖性测试</a:t>
-            </a:r>
-            <a:endParaRPr lang="en-US" altLang="zh-CN" sz="2000" dirty="0">
-              <a:latin typeface="+mj-lt"/>
-            </a:endParaRPr>
-          </a:p>
-          <a:p>
-            <a:pPr marL="871926" lvl="1" indent="-414726">
-              <a:lnSpc>
-                <a:spcPct val="150000"/>
-              </a:lnSpc>
-              <a:buFont typeface="Wingdings" panose="05000000000000000000" pitchFamily="2" charset="2"/>
-              <a:buChar char="Ø"/>
-              <a:defRPr/>
-            </a:pPr>
-            <a:r>
-              <a:rPr lang="zh-CN" altLang="en-US" sz="2000" dirty="0">
-                <a:latin typeface="+mj-lt"/>
-              </a:rPr>
-              <a:t>一致性验证</a:t>
-            </a:r>
-            <a:endParaRPr lang="en-US" altLang="zh-CN" sz="2000" dirty="0">
-              <a:latin typeface="+mj-lt"/>
-            </a:endParaRPr>
-          </a:p>
-          <a:p>
-            <a:pPr marL="871926" lvl="1" indent="-414726">
-              <a:lnSpc>
-                <a:spcPct val="150000"/>
-              </a:lnSpc>
-              <a:buFont typeface="Wingdings" panose="05000000000000000000" pitchFamily="2" charset="2"/>
-              <a:buChar char="Ø"/>
-              <a:defRPr/>
-            </a:pPr>
-            <a:r>
-              <a:rPr lang="en-US" altLang="zh-CN" sz="2000" dirty="0">
-                <a:latin typeface="+mj-lt"/>
-              </a:rPr>
-              <a:t>Final report</a:t>
-            </a:r>
-          </a:p>
-          <a:p>
-            <a:pPr marL="414726" indent="-414726">
-              <a:lnSpc>
-                <a:spcPct val="150000"/>
-              </a:lnSpc>
-              <a:buFont typeface="Wingdings" panose="05000000000000000000" pitchFamily="2" charset="2"/>
-              <a:buChar char="Ø"/>
-              <a:defRPr/>
-            </a:pPr>
-            <a:r>
-              <a:rPr lang="zh-CN" altLang="en-US" sz="2800" dirty="0">
-                <a:latin typeface="+mj-lt"/>
-              </a:rPr>
-              <a:t>从几十行代码到几千行代码，</a:t>
-            </a:r>
-            <a:r>
-              <a:rPr lang="zh-CN" altLang="en-US" sz="2800" b="1" dirty="0">
-                <a:solidFill>
-                  <a:srgbClr val="FF0000"/>
-                </a:solidFill>
-                <a:latin typeface="+mj-lt"/>
-              </a:rPr>
-              <a:t>团队协作能力</a:t>
-            </a:r>
-            <a:r>
-              <a:rPr lang="zh-CN" altLang="en-US" sz="2800" dirty="0">
-                <a:latin typeface="+mj-lt"/>
-              </a:rPr>
-              <a:t>的考验与提升</a:t>
-            </a:r>
-            <a:endParaRPr lang="en-US" altLang="zh-CN" sz="2800" dirty="0">
-              <a:latin typeface="+mj-lt"/>
-            </a:endParaRPr>
-          </a:p>
-          <a:p>
-            <a:pPr>
-              <a:lnSpc>
-                <a:spcPct val="150000"/>
-              </a:lnSpc>
-              <a:defRPr/>
-            </a:pPr>
-            <a:endParaRPr lang="en-US" altLang="zh-CN" sz="2800" dirty="0">
-              <a:latin typeface="+mj-lt"/>
-            </a:endParaRPr>
-          </a:p>
-        </p:txBody>
-      </p:sp>
-    </p:spTree>
-    <p:extLst>
-      <p:ext uri="{BB962C8B-B14F-4D97-AF65-F5344CB8AC3E}">
-        <p14:creationId xmlns:p14="http://schemas.microsoft.com/office/powerpoint/2010/main" val="1035074640"/>
-      </p:ext>
-    </p:extLst>
-  </p:cSld>
-  <p:clrMapOvr>
-    <a:masterClrMapping/>
-  </p:clrMapOvr>
-  <p:transition spd="slow"/>
-</p:sld>
-</file>
-
-<file path=ppt/slides/slide51.xml><?xml version="1.0" encoding="utf-8"?>
+<file path=ppt/slides/slide49.xml><?xml version="1.0" encoding="utf-8"?>
 <p:sld xmlns:a="http://schemas.openxmlformats.org/drawingml/2006/main" xmlns:r="http://schemas.openxmlformats.org/officeDocument/2006/relationships" xmlns:p="http://schemas.openxmlformats.org/presentationml/2006/main">
   <p:cSld>
     <p:spTree>
@@ -23046,7 +22147,203 @@
 </p:sld>
 </file>
 
-<file path=ppt/slides/slide52.xml><?xml version="1.0" encoding="utf-8"?>
+<file path=ppt/slides/slide5.xml><?xml version="1.0" encoding="utf-8"?>
+<p:sld xmlns:a="http://schemas.openxmlformats.org/drawingml/2006/main" xmlns:r="http://schemas.openxmlformats.org/officeDocument/2006/relationships" xmlns:p="http://schemas.openxmlformats.org/presentationml/2006/main">
+  <p:cSld>
+    <p:spTree>
+      <p:nvGrpSpPr>
+        <p:cNvPr id="1" name=""/>
+        <p:cNvGrpSpPr/>
+        <p:nvPr/>
+      </p:nvGrpSpPr>
+      <p:grpSpPr>
+        <a:xfrm>
+          <a:off x="0" y="0"/>
+          <a:ext cx="0" cy="0"/>
+          <a:chOff x="0" y="0"/>
+          <a:chExt cx="0" cy="0"/>
+        </a:xfrm>
+      </p:grpSpPr>
+      <p:sp>
+        <p:nvSpPr>
+          <p:cNvPr id="11266" name="Title 1">
+            <a:extLst>
+              <a:ext uri="{FF2B5EF4-FFF2-40B4-BE49-F238E27FC236}">
+                <a16:creationId xmlns:a16="http://schemas.microsoft.com/office/drawing/2014/main" id="{DE2A2B24-CECA-41CB-B0DF-95AEC9A73671}"/>
+              </a:ext>
+            </a:extLst>
+          </p:cNvPr>
+          <p:cNvSpPr>
+            <a:spLocks noGrp="1"/>
+          </p:cNvSpPr>
+          <p:nvPr>
+            <p:ph type="title"/>
+          </p:nvPr>
+        </p:nvSpPr>
+        <p:spPr>
+          <a:xfrm>
+            <a:off x="247650" y="-30163"/>
+            <a:ext cx="8491538" cy="1144588"/>
+          </a:xfrm>
+        </p:spPr>
+        <p:txBody>
+          <a:bodyPr/>
+          <a:lstStyle/>
+          <a:p>
+            <a:r>
+              <a:rPr lang="zh-CN" altLang="en-US" dirty="0">
+                <a:solidFill>
+                  <a:srgbClr val="1F4E79"/>
+                </a:solidFill>
+              </a:rPr>
+              <a:t>项目概述</a:t>
+            </a:r>
+            <a:endParaRPr lang="en-US" altLang="zh-CN" dirty="0">
+              <a:solidFill>
+                <a:srgbClr val="1F4E79"/>
+              </a:solidFill>
+            </a:endParaRPr>
+          </a:p>
+        </p:txBody>
+      </p:sp>
+      <p:sp>
+        <p:nvSpPr>
+          <p:cNvPr id="5" name="文本框 4">
+            <a:extLst>
+              <a:ext uri="{FF2B5EF4-FFF2-40B4-BE49-F238E27FC236}">
+                <a16:creationId xmlns:a16="http://schemas.microsoft.com/office/drawing/2014/main" id="{3751AC9C-218D-4EC5-AB4D-AC78D75343F3}"/>
+              </a:ext>
+            </a:extLst>
+          </p:cNvPr>
+          <p:cNvSpPr txBox="1"/>
+          <p:nvPr/>
+        </p:nvSpPr>
+        <p:spPr>
+          <a:xfrm>
+            <a:off x="247650" y="1301750"/>
+            <a:ext cx="8491538" cy="4550989"/>
+          </a:xfrm>
+          <a:prstGeom prst="rect">
+            <a:avLst/>
+          </a:prstGeom>
+          <a:noFill/>
+        </p:spPr>
+        <p:txBody>
+          <a:bodyPr wrap="square">
+            <a:spAutoFit/>
+          </a:bodyPr>
+          <a:lstStyle/>
+          <a:p>
+            <a:pPr marL="414726" indent="-414726">
+              <a:lnSpc>
+                <a:spcPct val="150000"/>
+              </a:lnSpc>
+              <a:buFont typeface="Wingdings" panose="05000000000000000000" pitchFamily="2" charset="2"/>
+              <a:buChar char="Ø"/>
+              <a:defRPr/>
+            </a:pPr>
+            <a:r>
+              <a:rPr lang="en-US" altLang="zh-CN" sz="2800" dirty="0">
+                <a:latin typeface="+mj-lt"/>
+              </a:rPr>
+              <a:t>RUCM</a:t>
+            </a:r>
+            <a:r>
+              <a:rPr lang="zh-CN" altLang="en-US" sz="2800" dirty="0">
+                <a:latin typeface="+mj-lt"/>
+              </a:rPr>
+              <a:t>是一种结构化和模板化的需求规格，引入了流程、结构化句型和流程控制机制。</a:t>
+            </a:r>
+            <a:endParaRPr lang="en-US" altLang="zh-CN" sz="2800" dirty="0">
+              <a:latin typeface="+mj-lt"/>
+            </a:endParaRPr>
+          </a:p>
+          <a:p>
+            <a:pPr marL="414726" indent="-414726">
+              <a:lnSpc>
+                <a:spcPct val="150000"/>
+              </a:lnSpc>
+              <a:buFont typeface="Wingdings" panose="05000000000000000000" pitchFamily="2" charset="2"/>
+              <a:buChar char="Ø"/>
+              <a:defRPr/>
+            </a:pPr>
+            <a:endParaRPr lang="en-US" altLang="zh-CN" sz="2800" dirty="0">
+              <a:latin typeface="+mj-lt"/>
+            </a:endParaRPr>
+          </a:p>
+          <a:p>
+            <a:pPr marL="414726" indent="-414726">
+              <a:lnSpc>
+                <a:spcPct val="150000"/>
+              </a:lnSpc>
+              <a:buFont typeface="Wingdings" panose="05000000000000000000" pitchFamily="2" charset="2"/>
+              <a:buChar char="Ø"/>
+              <a:defRPr/>
+            </a:pPr>
+            <a:r>
+              <a:rPr lang="zh-CN" altLang="en-US" sz="2800" dirty="0">
+                <a:latin typeface="+mj-lt"/>
+              </a:rPr>
+              <a:t>本项目以</a:t>
+            </a:r>
+            <a:r>
+              <a:rPr lang="en-US" altLang="zh-CN" sz="2800" dirty="0">
+                <a:latin typeface="+mj-lt"/>
+              </a:rPr>
+              <a:t>RUCM</a:t>
+            </a:r>
+            <a:r>
+              <a:rPr lang="zh-CN" altLang="en-US" sz="2800" dirty="0">
+                <a:latin typeface="+mj-lt"/>
+              </a:rPr>
+              <a:t>编辑器产生的</a:t>
+            </a:r>
+            <a:r>
+              <a:rPr lang="en-US" altLang="zh-CN" sz="2800" dirty="0" err="1">
+                <a:latin typeface="+mj-lt"/>
+              </a:rPr>
+              <a:t>rucm</a:t>
+            </a:r>
+            <a:r>
+              <a:rPr lang="zh-CN" altLang="en-US" sz="2800" dirty="0">
+                <a:latin typeface="+mj-lt"/>
+              </a:rPr>
+              <a:t>文件作为输入，依据课堂所讲授的</a:t>
+            </a:r>
+            <a:r>
+              <a:rPr lang="en-US" altLang="zh-CN" sz="2800" dirty="0">
+                <a:latin typeface="+mj-lt"/>
+              </a:rPr>
+              <a:t>RUCM</a:t>
+            </a:r>
+            <a:r>
+              <a:rPr lang="zh-CN" altLang="en-US" sz="2800" dirty="0">
+                <a:latin typeface="+mj-lt"/>
+              </a:rPr>
+              <a:t>规范指定相应的规则，并按照规则来自动检查一个具体的需求违反了哪些规则，同时能够支持规则的设置</a:t>
+            </a:r>
+            <a:r>
+              <a:rPr lang="zh-CN" altLang="en-US" sz="2540" dirty="0">
+                <a:latin typeface="+mj-lt"/>
+              </a:rPr>
+              <a:t>。</a:t>
+            </a:r>
+            <a:endParaRPr lang="en-US" altLang="zh-CN" sz="2540" dirty="0">
+              <a:latin typeface="+mj-lt"/>
+            </a:endParaRPr>
+          </a:p>
+        </p:txBody>
+      </p:sp>
+    </p:spTree>
+  </p:cSld>
+  <p:clrMapOvr>
+    <a:masterClrMapping/>
+  </p:clrMapOvr>
+  <p:transition spd="slow"/>
+</p:sld>
+</file>
+
+<file path=ppt/slides/slide50.xml><?xml version="1.0" encoding="utf-8"?>
 <p:sld xmlns:a="http://schemas.openxmlformats.org/drawingml/2006/main" xmlns:r="http://schemas.openxmlformats.org/officeDocument/2006/relationships" xmlns:p="http://schemas.openxmlformats.org/presentationml/2006/main">
   <p:cSld>
     <p:spTree>
@@ -23561,7 +22858,7 @@
 </p:sld>
 </file>
 
-<file path=ppt/slides/slide53.xml><?xml version="1.0" encoding="utf-8"?>
+<file path=ppt/slides/slide51.xml><?xml version="1.0" encoding="utf-8"?>
 <p:sld xmlns:a="http://schemas.openxmlformats.org/drawingml/2006/main" xmlns:r="http://schemas.openxmlformats.org/officeDocument/2006/relationships" xmlns:p="http://schemas.openxmlformats.org/presentationml/2006/main">
   <p:cSld>
     <p:spTree>
@@ -23842,7 +23139,298 @@
 </p:sld>
 </file>
 
-<file path=ppt/slides/slide54.xml><?xml version="1.0" encoding="utf-8"?>
+<file path=ppt/slides/slide52.xml><?xml version="1.0" encoding="utf-8"?>
+<p:sld xmlns:a="http://schemas.openxmlformats.org/drawingml/2006/main" xmlns:r="http://schemas.openxmlformats.org/officeDocument/2006/relationships" xmlns:p="http://schemas.openxmlformats.org/presentationml/2006/main">
+  <p:cSld>
+    <p:spTree>
+      <p:nvGrpSpPr>
+        <p:cNvPr id="1" name=""/>
+        <p:cNvGrpSpPr/>
+        <p:nvPr/>
+      </p:nvGrpSpPr>
+      <p:grpSpPr>
+        <a:xfrm>
+          <a:off x="0" y="0"/>
+          <a:ext cx="0" cy="0"/>
+          <a:chOff x="0" y="0"/>
+          <a:chExt cx="0" cy="0"/>
+        </a:xfrm>
+      </p:grpSpPr>
+      <p:sp>
+        <p:nvSpPr>
+          <p:cNvPr id="75778" name="文本框 3">
+            <a:extLst>
+              <a:ext uri="{FF2B5EF4-FFF2-40B4-BE49-F238E27FC236}">
+                <a16:creationId xmlns:a16="http://schemas.microsoft.com/office/drawing/2014/main" id="{F44A667C-EFC8-4146-B385-F8402888A1B5}"/>
+              </a:ext>
+            </a:extLst>
+          </p:cNvPr>
+          <p:cNvSpPr txBox="1">
+            <a:spLocks noChangeArrowheads="1"/>
+          </p:cNvSpPr>
+          <p:nvPr/>
+        </p:nvSpPr>
+        <p:spPr bwMode="auto">
+          <a:xfrm>
+            <a:off x="889745" y="2767280"/>
+            <a:ext cx="7364517" cy="1323439"/>
+          </a:xfrm>
+          <a:prstGeom prst="rect">
+            <a:avLst/>
+          </a:prstGeom>
+          <a:noFill/>
+          <a:ln>
+            <a:noFill/>
+          </a:ln>
+          <a:extLst>
+            <a:ext uri="{909E8E84-426E-40DD-AFC4-6F175D3DCCD1}">
+              <a14:hiddenFill xmlns:a14="http://schemas.microsoft.com/office/drawing/2010/main">
+                <a:solidFill>
+                  <a:srgbClr val="FFFFFF"/>
+                </a:solidFill>
+              </a14:hiddenFill>
+            </a:ext>
+            <a:ext uri="{91240B29-F687-4F45-9708-019B960494DF}">
+              <a14:hiddenLine xmlns:a14="http://schemas.microsoft.com/office/drawing/2010/main" w="9525">
+                <a:solidFill>
+                  <a:srgbClr val="000000"/>
+                </a:solidFill>
+                <a:miter lim="800000"/>
+                <a:headEnd/>
+                <a:tailEnd/>
+              </a14:hiddenLine>
+            </a:ext>
+          </a:extLst>
+        </p:spPr>
+        <p:txBody>
+          <a:bodyPr wrap="none">
+            <a:spAutoFit/>
+          </a:bodyPr>
+          <a:lstStyle>
+            <a:lvl1pPr>
+              <a:lnSpc>
+                <a:spcPct val="90000"/>
+              </a:lnSpc>
+              <a:spcBef>
+                <a:spcPts val="1000"/>
+              </a:spcBef>
+              <a:buFont typeface="Arial" panose="020B0604020202020204" pitchFamily="34" charset="0"/>
+              <a:buChar char="•"/>
+              <a:defRPr sz="2800">
+                <a:solidFill>
+                  <a:schemeClr val="tx1"/>
+                </a:solidFill>
+                <a:latin typeface="Times New Roman" panose="02020603050405020304" pitchFamily="18" charset="0"/>
+                <a:ea typeface="等线" panose="02010600030101010101" pitchFamily="2" charset="-122"/>
+              </a:defRPr>
+            </a:lvl1pPr>
+            <a:lvl2pPr marL="742950" indent="-285750">
+              <a:lnSpc>
+                <a:spcPct val="90000"/>
+              </a:lnSpc>
+              <a:spcBef>
+                <a:spcPts val="500"/>
+              </a:spcBef>
+              <a:buFont typeface="Arial" panose="020B0604020202020204" pitchFamily="34" charset="0"/>
+              <a:buChar char="•"/>
+              <a:defRPr sz="2400">
+                <a:solidFill>
+                  <a:schemeClr val="tx1"/>
+                </a:solidFill>
+                <a:latin typeface="Times New Roman" panose="02020603050405020304" pitchFamily="18" charset="0"/>
+                <a:ea typeface="等线" panose="02010600030101010101" pitchFamily="2" charset="-122"/>
+              </a:defRPr>
+            </a:lvl2pPr>
+            <a:lvl3pPr marL="1143000" indent="-228600">
+              <a:lnSpc>
+                <a:spcPct val="90000"/>
+              </a:lnSpc>
+              <a:spcBef>
+                <a:spcPts val="500"/>
+              </a:spcBef>
+              <a:buFont typeface="Arial" panose="020B0604020202020204" pitchFamily="34" charset="0"/>
+              <a:buChar char="•"/>
+              <a:defRPr sz="2000">
+                <a:solidFill>
+                  <a:schemeClr val="tx1"/>
+                </a:solidFill>
+                <a:latin typeface="Times New Roman" panose="02020603050405020304" pitchFamily="18" charset="0"/>
+                <a:ea typeface="等线" panose="02010600030101010101" pitchFamily="2" charset="-122"/>
+              </a:defRPr>
+            </a:lvl3pPr>
+            <a:lvl4pPr marL="1600200" indent="-228600">
+              <a:lnSpc>
+                <a:spcPct val="90000"/>
+              </a:lnSpc>
+              <a:spcBef>
+                <a:spcPts val="500"/>
+              </a:spcBef>
+              <a:buFont typeface="Arial" panose="020B0604020202020204" pitchFamily="34" charset="0"/>
+              <a:buChar char="•"/>
+              <a:defRPr>
+                <a:solidFill>
+                  <a:schemeClr val="tx1"/>
+                </a:solidFill>
+                <a:latin typeface="Times New Roman" panose="02020603050405020304" pitchFamily="18" charset="0"/>
+                <a:ea typeface="等线" panose="02010600030101010101" pitchFamily="2" charset="-122"/>
+              </a:defRPr>
+            </a:lvl4pPr>
+            <a:lvl5pPr marL="2057400" indent="-228600">
+              <a:lnSpc>
+                <a:spcPct val="90000"/>
+              </a:lnSpc>
+              <a:spcBef>
+                <a:spcPts val="500"/>
+              </a:spcBef>
+              <a:buFont typeface="Arial" panose="020B0604020202020204" pitchFamily="34" charset="0"/>
+              <a:buChar char="•"/>
+              <a:defRPr>
+                <a:solidFill>
+                  <a:schemeClr val="tx1"/>
+                </a:solidFill>
+                <a:latin typeface="Times New Roman" panose="02020603050405020304" pitchFamily="18" charset="0"/>
+                <a:ea typeface="等线" panose="02010600030101010101" pitchFamily="2" charset="-122"/>
+              </a:defRPr>
+            </a:lvl5pPr>
+            <a:lvl6pPr marL="2514600" indent="-228600" eaLnBrk="0" fontAlgn="base" hangingPunct="0">
+              <a:lnSpc>
+                <a:spcPct val="90000"/>
+              </a:lnSpc>
+              <a:spcBef>
+                <a:spcPts val="500"/>
+              </a:spcBef>
+              <a:spcAft>
+                <a:spcPct val="0"/>
+              </a:spcAft>
+              <a:buFont typeface="Arial" panose="020B0604020202020204" pitchFamily="34" charset="0"/>
+              <a:buChar char="•"/>
+              <a:defRPr>
+                <a:solidFill>
+                  <a:schemeClr val="tx1"/>
+                </a:solidFill>
+                <a:latin typeface="Times New Roman" panose="02020603050405020304" pitchFamily="18" charset="0"/>
+                <a:ea typeface="等线" panose="02010600030101010101" pitchFamily="2" charset="-122"/>
+              </a:defRPr>
+            </a:lvl6pPr>
+            <a:lvl7pPr marL="2971800" indent="-228600" eaLnBrk="0" fontAlgn="base" hangingPunct="0">
+              <a:lnSpc>
+                <a:spcPct val="90000"/>
+              </a:lnSpc>
+              <a:spcBef>
+                <a:spcPts val="500"/>
+              </a:spcBef>
+              <a:spcAft>
+                <a:spcPct val="0"/>
+              </a:spcAft>
+              <a:buFont typeface="Arial" panose="020B0604020202020204" pitchFamily="34" charset="0"/>
+              <a:buChar char="•"/>
+              <a:defRPr>
+                <a:solidFill>
+                  <a:schemeClr val="tx1"/>
+                </a:solidFill>
+                <a:latin typeface="Times New Roman" panose="02020603050405020304" pitchFamily="18" charset="0"/>
+                <a:ea typeface="等线" panose="02010600030101010101" pitchFamily="2" charset="-122"/>
+              </a:defRPr>
+            </a:lvl7pPr>
+            <a:lvl8pPr marL="3429000" indent="-228600" eaLnBrk="0" fontAlgn="base" hangingPunct="0">
+              <a:lnSpc>
+                <a:spcPct val="90000"/>
+              </a:lnSpc>
+              <a:spcBef>
+                <a:spcPts val="500"/>
+              </a:spcBef>
+              <a:spcAft>
+                <a:spcPct val="0"/>
+              </a:spcAft>
+              <a:buFont typeface="Arial" panose="020B0604020202020204" pitchFamily="34" charset="0"/>
+              <a:buChar char="•"/>
+              <a:defRPr>
+                <a:solidFill>
+                  <a:schemeClr val="tx1"/>
+                </a:solidFill>
+                <a:latin typeface="Times New Roman" panose="02020603050405020304" pitchFamily="18" charset="0"/>
+                <a:ea typeface="等线" panose="02010600030101010101" pitchFamily="2" charset="-122"/>
+              </a:defRPr>
+            </a:lvl8pPr>
+            <a:lvl9pPr marL="3886200" indent="-228600" eaLnBrk="0" fontAlgn="base" hangingPunct="0">
+              <a:lnSpc>
+                <a:spcPct val="90000"/>
+              </a:lnSpc>
+              <a:spcBef>
+                <a:spcPts val="500"/>
+              </a:spcBef>
+              <a:spcAft>
+                <a:spcPct val="0"/>
+              </a:spcAft>
+              <a:buFont typeface="Arial" panose="020B0604020202020204" pitchFamily="34" charset="0"/>
+              <a:buChar char="•"/>
+              <a:defRPr>
+                <a:solidFill>
+                  <a:schemeClr val="tx1"/>
+                </a:solidFill>
+                <a:latin typeface="Times New Roman" panose="02020603050405020304" pitchFamily="18" charset="0"/>
+                <a:ea typeface="等线" panose="02010600030101010101" pitchFamily="2" charset="-122"/>
+              </a:defRPr>
+            </a:lvl9pPr>
+          </a:lstStyle>
+          <a:p>
+            <a:pPr algn="ctr">
+              <a:lnSpc>
+                <a:spcPct val="100000"/>
+              </a:lnSpc>
+              <a:spcBef>
+                <a:spcPct val="0"/>
+              </a:spcBef>
+              <a:buFontTx/>
+              <a:buNone/>
+            </a:pPr>
+            <a:r>
+              <a:rPr lang="en-US" altLang="zh-CN" sz="8000" b="1" i="1" dirty="0">
+                <a:solidFill>
+                  <a:srgbClr val="336699"/>
+                </a:solidFill>
+              </a:rPr>
+              <a:t>Please for</a:t>
+            </a:r>
+            <a:r>
+              <a:rPr lang="zh-CN" altLang="en-US" sz="8000" b="1" i="1" dirty="0">
+                <a:solidFill>
+                  <a:srgbClr val="336699"/>
+                </a:solidFill>
+              </a:rPr>
+              <a:t> </a:t>
+            </a:r>
+            <a:r>
+              <a:rPr lang="en-US" altLang="zh-CN" sz="8000" b="1" i="1" dirty="0">
+                <a:solidFill>
+                  <a:srgbClr val="336699"/>
+                </a:solidFill>
+              </a:rPr>
+              <a:t>demo!</a:t>
+            </a:r>
+            <a:endParaRPr lang="en-US" altLang="en-US" sz="8000" b="1" i="1" dirty="0">
+              <a:solidFill>
+                <a:srgbClr val="336699"/>
+              </a:solidFill>
+            </a:endParaRPr>
+          </a:p>
+        </p:txBody>
+      </p:sp>
+    </p:spTree>
+    <p:extLst>
+      <p:ext uri="{BB962C8B-B14F-4D97-AF65-F5344CB8AC3E}">
+        <p14:creationId xmlns:p14="http://schemas.microsoft.com/office/powerpoint/2010/main" val="3522540450"/>
+      </p:ext>
+    </p:extLst>
+  </p:cSld>
+  <p:clrMapOvr>
+    <a:masterClrMapping/>
+  </p:clrMapOvr>
+  <p:transition spd="slow"/>
+</p:sld>
+</file>
+
+<file path=ppt/slides/slide53.xml><?xml version="1.0" encoding="utf-8"?>
 <p:sld xmlns:a="http://schemas.openxmlformats.org/drawingml/2006/main" xmlns:r="http://schemas.openxmlformats.org/officeDocument/2006/relationships" xmlns:p="http://schemas.openxmlformats.org/presentationml/2006/main">
   <p:cSld>
     <p:spTree>
